--- a/Project_Unit_Test/Program_Testing.pptx
+++ b/Project_Unit_Test/Program_Testing.pptx
@@ -11,31 +11,27 @@
     <p:sldId id="261" r:id="rId5"/>
     <p:sldId id="262" r:id="rId6"/>
     <p:sldId id="263" r:id="rId7"/>
-    <p:sldId id="264" r:id="rId8"/>
-    <p:sldId id="266" r:id="rId9"/>
-    <p:sldId id="267" r:id="rId10"/>
-    <p:sldId id="268" r:id="rId11"/>
-    <p:sldId id="269" r:id="rId12"/>
-    <p:sldId id="270" r:id="rId13"/>
-    <p:sldId id="271" r:id="rId14"/>
-    <p:sldId id="273" r:id="rId15"/>
-    <p:sldId id="274" r:id="rId16"/>
-    <p:sldId id="275" r:id="rId17"/>
-    <p:sldId id="276" r:id="rId18"/>
-    <p:sldId id="277" r:id="rId19"/>
-    <p:sldId id="278" r:id="rId20"/>
-    <p:sldId id="279" r:id="rId21"/>
-    <p:sldId id="280" r:id="rId22"/>
-    <p:sldId id="281" r:id="rId23"/>
-    <p:sldId id="282" r:id="rId24"/>
-    <p:sldId id="283" r:id="rId25"/>
-    <p:sldId id="284" r:id="rId26"/>
-    <p:sldId id="289" r:id="rId27"/>
-    <p:sldId id="287" r:id="rId28"/>
-    <p:sldId id="288" r:id="rId29"/>
-    <p:sldId id="286" r:id="rId30"/>
-    <p:sldId id="285" r:id="rId31"/>
-    <p:sldId id="257" r:id="rId32"/>
+    <p:sldId id="266" r:id="rId8"/>
+    <p:sldId id="267" r:id="rId9"/>
+    <p:sldId id="268" r:id="rId10"/>
+    <p:sldId id="269" r:id="rId11"/>
+    <p:sldId id="270" r:id="rId12"/>
+    <p:sldId id="271" r:id="rId13"/>
+    <p:sldId id="273" r:id="rId14"/>
+    <p:sldId id="274" r:id="rId15"/>
+    <p:sldId id="275" r:id="rId16"/>
+    <p:sldId id="276" r:id="rId17"/>
+    <p:sldId id="280" r:id="rId18"/>
+    <p:sldId id="281" r:id="rId19"/>
+    <p:sldId id="282" r:id="rId20"/>
+    <p:sldId id="284" r:id="rId21"/>
+    <p:sldId id="290" r:id="rId22"/>
+    <p:sldId id="289" r:id="rId23"/>
+    <p:sldId id="287" r:id="rId24"/>
+    <p:sldId id="288" r:id="rId25"/>
+    <p:sldId id="286" r:id="rId26"/>
+    <p:sldId id="285" r:id="rId27"/>
+    <p:sldId id="257" r:id="rId28"/>
   </p:sldIdLst>
   <p:sldSz cx="12192000" cy="6858000"/>
   <p:notesSz cx="6858000" cy="9144000"/>
@@ -5649,15 +5645,15 @@
 </file>
 
 <file path=ppt/diagrams/colors8.xml><?xml version="1.0" encoding="utf-8"?>
-<dgm:colorsDef xmlns:dgm="http://schemas.openxmlformats.org/drawingml/2006/diagram" xmlns:a="http://schemas.openxmlformats.org/drawingml/2006/main" uniqueId="urn:microsoft.com/office/officeart/2018/5/colors/Iconchunking_neutralicontext_colorful2">
+<dgm:colorsDef xmlns:dgm="http://schemas.openxmlformats.org/drawingml/2006/diagram" xmlns:a="http://schemas.openxmlformats.org/drawingml/2006/main" uniqueId="urn:microsoft.com/office/officeart/2005/8/colors/colorful5">
   <dgm:title val=""/>
   <dgm:desc val=""/>
   <dgm:catLst>
-    <dgm:cat type="colorful" pri="10200"/>
+    <dgm:cat type="colorful" pri="10500"/>
   </dgm:catLst>
   <dgm:styleLbl name="node0">
     <dgm:fillClrLst meth="repeat">
-      <a:schemeClr val="accent1"/>
+      <a:schemeClr val="accent4"/>
     </dgm:fillClrLst>
     <dgm:linClrLst meth="repeat">
       <a:schemeClr val="lt1"/>
@@ -5668,29 +5664,26 @@
     <dgm:txEffectClrLst/>
   </dgm:styleLbl>
   <dgm:styleLbl name="node1">
-    <dgm:fillClrLst meth="repeat">
-      <a:schemeClr val="bg1"/>
+    <dgm:fillClrLst>
+      <a:schemeClr val="accent5"/>
+      <a:schemeClr val="accent6"/>
     </dgm:fillClrLst>
     <dgm:linClrLst meth="repeat">
-      <a:schemeClr val="lt1">
-        <a:alpha val="0"/>
-      </a:schemeClr>
-    </dgm:linClrLst>
-    <dgm:effectClrLst/>
-    <dgm:txLinClrLst/>
-    <dgm:txFillClrLst meth="repeat">
-      <a:schemeClr val="dk1"/>
-    </dgm:txFillClrLst>
+      <a:schemeClr val="lt1"/>
+    </dgm:linClrLst>
+    <dgm:effectClrLst/>
+    <dgm:txLinClrLst/>
+    <dgm:txFillClrLst/>
     <dgm:txEffectClrLst/>
   </dgm:styleLbl>
   <dgm:styleLbl name="alignNode1">
     <dgm:fillClrLst>
-      <a:schemeClr val="accent2"/>
-      <a:schemeClr val="accent3"/>
+      <a:schemeClr val="accent5"/>
+      <a:schemeClr val="accent6"/>
     </dgm:fillClrLst>
     <dgm:linClrLst>
-      <a:schemeClr val="accent2"/>
-      <a:schemeClr val="accent3"/>
+      <a:schemeClr val="accent5"/>
+      <a:schemeClr val="accent6"/>
     </dgm:linClrLst>
     <dgm:effectClrLst/>
     <dgm:txLinClrLst/>
@@ -5699,8 +5692,8 @@
   </dgm:styleLbl>
   <dgm:styleLbl name="lnNode1">
     <dgm:fillClrLst>
-      <a:schemeClr val="accent2"/>
-      <a:schemeClr val="accent3"/>
+      <a:schemeClr val="accent5"/>
+      <a:schemeClr val="accent6"/>
     </dgm:fillClrLst>
     <dgm:linClrLst meth="repeat">
       <a:schemeClr val="lt1"/>
@@ -5712,10 +5705,10 @@
   </dgm:styleLbl>
   <dgm:styleLbl name="vennNode1">
     <dgm:fillClrLst>
-      <a:schemeClr val="accent2">
+      <a:schemeClr val="accent5">
         <a:alpha val="50000"/>
       </a:schemeClr>
-      <a:schemeClr val="accent3">
+      <a:schemeClr val="accent6">
         <a:alpha val="50000"/>
       </a:schemeClr>
     </dgm:fillClrLst>
@@ -5729,7 +5722,7 @@
   </dgm:styleLbl>
   <dgm:styleLbl name="node2">
     <dgm:fillClrLst>
-      <a:schemeClr val="accent3"/>
+      <a:schemeClr val="accent6"/>
     </dgm:fillClrLst>
     <dgm:linClrLst meth="repeat">
       <a:schemeClr val="lt1"/>
@@ -5741,7 +5734,7 @@
   </dgm:styleLbl>
   <dgm:styleLbl name="node3">
     <dgm:fillClrLst>
-      <a:schemeClr val="accent4"/>
+      <a:schemeClr val="accent1"/>
     </dgm:fillClrLst>
     <dgm:linClrLst meth="repeat">
       <a:schemeClr val="lt1"/>
@@ -5753,7 +5746,7 @@
   </dgm:styleLbl>
   <dgm:styleLbl name="node4">
     <dgm:fillClrLst>
-      <a:schemeClr val="accent5"/>
+      <a:schemeClr val="accent2"/>
     </dgm:fillClrLst>
     <dgm:linClrLst meth="repeat">
       <a:schemeClr val="lt1"/>
@@ -5765,10 +5758,10 @@
   </dgm:styleLbl>
   <dgm:styleLbl name="fgImgPlace1">
     <dgm:fillClrLst>
-      <a:schemeClr val="accent2">
+      <a:schemeClr val="accent5">
         <a:tint val="50000"/>
       </a:schemeClr>
-      <a:schemeClr val="accent3">
+      <a:schemeClr val="accent6">
         <a:tint val="50000"/>
       </a:schemeClr>
     </dgm:fillClrLst>
@@ -5784,10 +5777,10 @@
   </dgm:styleLbl>
   <dgm:styleLbl name="alignImgPlace1">
     <dgm:fillClrLst>
-      <a:schemeClr val="accent2">
+      <a:schemeClr val="accent5">
         <a:tint val="50000"/>
       </a:schemeClr>
-      <a:schemeClr val="accent3">
+      <a:schemeClr val="accent6">
         <a:tint val="20000"/>
       </a:schemeClr>
     </dgm:fillClrLst>
@@ -5803,10 +5796,10 @@
   </dgm:styleLbl>
   <dgm:styleLbl name="bgImgPlace1">
     <dgm:fillClrLst>
-      <a:schemeClr val="accent2">
+      <a:schemeClr val="accent5">
         <a:tint val="50000"/>
       </a:schemeClr>
-      <a:schemeClr val="accent3">
+      <a:schemeClr val="accent6">
         <a:tint val="20000"/>
       </a:schemeClr>
     </dgm:fillClrLst>
@@ -5822,8 +5815,8 @@
   </dgm:styleLbl>
   <dgm:styleLbl name="sibTrans2D1">
     <dgm:fillClrLst>
-      <a:schemeClr val="accent2"/>
-      <a:schemeClr val="accent3"/>
+      <a:schemeClr val="accent5"/>
+      <a:schemeClr val="accent6"/>
     </dgm:fillClrLst>
     <dgm:linClrLst meth="repeat">
       <a:schemeClr val="lt1"/>
@@ -5835,8 +5828,8 @@
   </dgm:styleLbl>
   <dgm:styleLbl name="fgSibTrans2D1">
     <dgm:fillClrLst>
-      <a:schemeClr val="accent2"/>
-      <a:schemeClr val="accent3"/>
+      <a:schemeClr val="accent5"/>
+      <a:schemeClr val="accent6"/>
     </dgm:fillClrLst>
     <dgm:linClrLst meth="repeat">
       <a:schemeClr val="lt1"/>
@@ -5850,8 +5843,8 @@
   </dgm:styleLbl>
   <dgm:styleLbl name="bgSibTrans2D1">
     <dgm:fillClrLst>
-      <a:schemeClr val="accent2"/>
-      <a:schemeClr val="accent3"/>
+      <a:schemeClr val="accent5"/>
+      <a:schemeClr val="accent6"/>
     </dgm:fillClrLst>
     <dgm:linClrLst meth="repeat">
       <a:schemeClr val="lt1"/>
@@ -5866,8 +5859,8 @@
   <dgm:styleLbl name="sibTrans1D1">
     <dgm:fillClrLst/>
     <dgm:linClrLst>
-      <a:schemeClr val="accent2"/>
-      <a:schemeClr val="accent3"/>
+      <a:schemeClr val="accent5"/>
+      <a:schemeClr val="accent6"/>
     </dgm:linClrLst>
     <dgm:effectClrLst/>
     <dgm:txLinClrLst/>
@@ -5878,10 +5871,10 @@
   </dgm:styleLbl>
   <dgm:styleLbl name="callout">
     <dgm:fillClrLst meth="repeat">
-      <a:schemeClr val="accent2"/>
+      <a:schemeClr val="accent5"/>
     </dgm:fillClrLst>
     <dgm:linClrLst meth="repeat">
-      <a:schemeClr val="accent2">
+      <a:schemeClr val="accent5">
         <a:tint val="50000"/>
       </a:schemeClr>
     </dgm:linClrLst>
@@ -5894,7 +5887,7 @@
   </dgm:styleLbl>
   <dgm:styleLbl name="asst0">
     <dgm:fillClrLst meth="repeat">
-      <a:schemeClr val="accent2"/>
+      <a:schemeClr val="accent5"/>
     </dgm:fillClrLst>
     <dgm:linClrLst meth="repeat">
       <a:schemeClr val="lt1">
@@ -5908,7 +5901,7 @@
   </dgm:styleLbl>
   <dgm:styleLbl name="asst1">
     <dgm:fillClrLst meth="repeat">
-      <a:schemeClr val="accent3"/>
+      <a:schemeClr val="accent6"/>
     </dgm:fillClrLst>
     <dgm:linClrLst meth="repeat">
       <a:schemeClr val="lt1">
@@ -5922,7 +5915,7 @@
   </dgm:styleLbl>
   <dgm:styleLbl name="asst2">
     <dgm:fillClrLst>
-      <a:schemeClr val="accent4"/>
+      <a:schemeClr val="accent1"/>
     </dgm:fillClrLst>
     <dgm:linClrLst meth="repeat">
       <a:schemeClr val="lt1"/>
@@ -5934,7 +5927,7 @@
   </dgm:styleLbl>
   <dgm:styleLbl name="asst3">
     <dgm:fillClrLst>
-      <a:schemeClr val="accent5"/>
+      <a:schemeClr val="accent2"/>
     </dgm:fillClrLst>
     <dgm:linClrLst meth="repeat">
       <a:schemeClr val="lt1"/>
@@ -5946,7 +5939,7 @@
   </dgm:styleLbl>
   <dgm:styleLbl name="asst4">
     <dgm:fillClrLst>
-      <a:schemeClr val="accent6"/>
+      <a:schemeClr val="accent3"/>
     </dgm:fillClrLst>
     <dgm:linClrLst meth="repeat">
       <a:schemeClr val="lt1"/>
@@ -5958,7 +5951,7 @@
   </dgm:styleLbl>
   <dgm:styleLbl name="parChTrans2D1">
     <dgm:fillClrLst meth="repeat">
-      <a:schemeClr val="accent2"/>
+      <a:schemeClr val="accent5"/>
     </dgm:fillClrLst>
     <dgm:linClrLst meth="repeat">
       <a:schemeClr val="lt1"/>
@@ -5972,7 +5965,7 @@
   </dgm:styleLbl>
   <dgm:styleLbl name="parChTrans2D2">
     <dgm:fillClrLst meth="repeat">
-      <a:schemeClr val="accent3"/>
+      <a:schemeClr val="accent6"/>
     </dgm:fillClrLst>
     <dgm:linClrLst meth="repeat">
       <a:schemeClr val="lt1"/>
@@ -5984,7 +5977,7 @@
   </dgm:styleLbl>
   <dgm:styleLbl name="parChTrans2D3">
     <dgm:fillClrLst meth="repeat">
-      <a:schemeClr val="accent4"/>
+      <a:schemeClr val="accent6"/>
     </dgm:fillClrLst>
     <dgm:linClrLst meth="repeat">
       <a:schemeClr val="lt1"/>
@@ -5996,7 +5989,7 @@
   </dgm:styleLbl>
   <dgm:styleLbl name="parChTrans2D4">
     <dgm:fillClrLst meth="repeat">
-      <a:schemeClr val="accent5"/>
+      <a:schemeClr val="accent1"/>
     </dgm:fillClrLst>
     <dgm:linClrLst meth="repeat">
       <a:schemeClr val="lt1"/>
@@ -6010,10 +6003,10 @@
   </dgm:styleLbl>
   <dgm:styleLbl name="parChTrans1D1">
     <dgm:fillClrLst meth="repeat">
-      <a:schemeClr val="accent2"/>
+      <a:schemeClr val="accent5"/>
     </dgm:fillClrLst>
     <dgm:linClrLst meth="repeat">
-      <a:schemeClr val="accent2"/>
+      <a:schemeClr val="accent5"/>
     </dgm:linClrLst>
     <dgm:effectClrLst/>
     <dgm:txLinClrLst/>
@@ -6024,12 +6017,12 @@
   </dgm:styleLbl>
   <dgm:styleLbl name="parChTrans1D2">
     <dgm:fillClrLst meth="repeat">
-      <a:schemeClr val="accent2">
+      <a:schemeClr val="accent6">
         <a:tint val="90000"/>
       </a:schemeClr>
     </dgm:fillClrLst>
     <dgm:linClrLst meth="repeat">
-      <a:schemeClr val="accent3"/>
+      <a:schemeClr val="accent6"/>
     </dgm:linClrLst>
     <dgm:effectClrLst/>
     <dgm:txLinClrLst/>
@@ -6040,12 +6033,12 @@
   </dgm:styleLbl>
   <dgm:styleLbl name="parChTrans1D3">
     <dgm:fillClrLst meth="repeat">
-      <a:schemeClr val="accent2">
+      <a:schemeClr val="accent6">
         <a:tint val="70000"/>
       </a:schemeClr>
     </dgm:fillClrLst>
     <dgm:linClrLst meth="repeat">
-      <a:schemeClr val="accent4"/>
+      <a:schemeClr val="accent1"/>
     </dgm:linClrLst>
     <dgm:effectClrLst/>
     <dgm:txLinClrLst/>
@@ -6056,12 +6049,12 @@
   </dgm:styleLbl>
   <dgm:styleLbl name="parChTrans1D4">
     <dgm:fillClrLst meth="repeat">
-      <a:schemeClr val="accent2">
+      <a:schemeClr val="accent6">
         <a:tint val="50000"/>
       </a:schemeClr>
     </dgm:fillClrLst>
     <dgm:linClrLst meth="repeat">
-      <a:schemeClr val="accent5"/>
+      <a:schemeClr val="accent2"/>
     </dgm:linClrLst>
     <dgm:effectClrLst/>
     <dgm:txLinClrLst/>
@@ -6077,8 +6070,8 @@
       </a:schemeClr>
     </dgm:fillClrLst>
     <dgm:linClrLst>
-      <a:schemeClr val="accent2"/>
-      <a:schemeClr val="accent3"/>
+      <a:schemeClr val="accent5"/>
+      <a:schemeClr val="accent6"/>
     </dgm:linClrLst>
     <dgm:effectClrLst/>
     <dgm:txLinClrLst/>
@@ -6094,8 +6087,8 @@
       </a:schemeClr>
     </dgm:fillClrLst>
     <dgm:linClrLst>
-      <a:schemeClr val="accent2"/>
-      <a:schemeClr val="accent3"/>
+      <a:schemeClr val="accent5"/>
+      <a:schemeClr val="accent6"/>
     </dgm:linClrLst>
     <dgm:effectClrLst/>
     <dgm:txLinClrLst/>
@@ -6111,8 +6104,8 @@
       </a:schemeClr>
     </dgm:fillClrLst>
     <dgm:linClrLst>
-      <a:schemeClr val="accent2"/>
-      <a:schemeClr val="accent3"/>
+      <a:schemeClr val="accent5"/>
+      <a:schemeClr val="accent6"/>
     </dgm:linClrLst>
     <dgm:effectClrLst/>
     <dgm:txLinClrLst/>
@@ -6128,7 +6121,7 @@
       </a:schemeClr>
     </dgm:fillClrLst>
     <dgm:linClrLst meth="repeat">
-      <a:schemeClr val="accent2"/>
+      <a:schemeClr val="accent5"/>
     </dgm:linClrLst>
     <dgm:effectClrLst/>
     <dgm:txLinClrLst/>
@@ -6144,8 +6137,8 @@
       </a:schemeClr>
     </dgm:fillClrLst>
     <dgm:linClrLst>
-      <a:schemeClr val="accent2"/>
-      <a:schemeClr val="accent3"/>
+      <a:schemeClr val="accent5"/>
+      <a:schemeClr val="accent6"/>
     </dgm:linClrLst>
     <dgm:effectClrLst/>
     <dgm:txLinClrLst/>
@@ -6159,8 +6152,8 @@
       <a:schemeClr val="lt1"/>
     </dgm:fillClrLst>
     <dgm:linClrLst>
-      <a:schemeClr val="accent2"/>
-      <a:schemeClr val="accent3"/>
+      <a:schemeClr val="accent5"/>
+      <a:schemeClr val="accent6"/>
     </dgm:linClrLst>
     <dgm:effectClrLst/>
     <dgm:txLinClrLst/>
@@ -6174,8 +6167,8 @@
       <a:schemeClr val="lt1"/>
     </dgm:fillClrLst>
     <dgm:linClrLst>
-      <a:schemeClr val="accent2"/>
-      <a:schemeClr val="accent3"/>
+      <a:schemeClr val="accent5"/>
+      <a:schemeClr val="accent6"/>
     </dgm:linClrLst>
     <dgm:effectClrLst/>
     <dgm:txLinClrLst/>
@@ -6189,8 +6182,8 @@
       <a:schemeClr val="lt1"/>
     </dgm:fillClrLst>
     <dgm:linClrLst>
-      <a:schemeClr val="accent2"/>
-      <a:schemeClr val="accent3"/>
+      <a:schemeClr val="accent5"/>
+      <a:schemeClr val="accent6"/>
     </dgm:linClrLst>
     <dgm:effectClrLst/>
     <dgm:txLinClrLst/>
@@ -6201,21 +6194,21 @@
   </dgm:styleLbl>
   <dgm:styleLbl name="fgAccFollowNode1">
     <dgm:fillClrLst>
-      <a:schemeClr val="accent2">
+      <a:schemeClr val="accent5">
         <a:tint val="40000"/>
         <a:alpha val="90000"/>
       </a:schemeClr>
-      <a:schemeClr val="accent3">
+      <a:schemeClr val="accent6">
         <a:tint val="40000"/>
         <a:alpha val="90000"/>
       </a:schemeClr>
     </dgm:fillClrLst>
     <dgm:linClrLst>
-      <a:schemeClr val="accent2">
+      <a:schemeClr val="accent5">
         <a:tint val="40000"/>
         <a:alpha val="90000"/>
       </a:schemeClr>
-      <a:schemeClr val="accent3">
+      <a:schemeClr val="accent5">
         <a:tint val="40000"/>
         <a:alpha val="90000"/>
       </a:schemeClr>
@@ -6229,21 +6222,21 @@
   </dgm:styleLbl>
   <dgm:styleLbl name="alignAccFollowNode1">
     <dgm:fillClrLst>
-      <a:schemeClr val="accent2">
+      <a:schemeClr val="accent5">
         <a:tint val="40000"/>
         <a:alpha val="90000"/>
       </a:schemeClr>
-      <a:schemeClr val="accent3">
+      <a:schemeClr val="accent6">
         <a:tint val="40000"/>
         <a:alpha val="90000"/>
       </a:schemeClr>
     </dgm:fillClrLst>
     <dgm:linClrLst>
-      <a:schemeClr val="accent2">
+      <a:schemeClr val="accent5">
         <a:tint val="40000"/>
         <a:alpha val="90000"/>
       </a:schemeClr>
-      <a:schemeClr val="accent3">
+      <a:schemeClr val="accent6">
         <a:tint val="40000"/>
         <a:alpha val="90000"/>
       </a:schemeClr>
@@ -6257,21 +6250,21 @@
   </dgm:styleLbl>
   <dgm:styleLbl name="bgAccFollowNode1">
     <dgm:fillClrLst>
-      <a:schemeClr val="accent2">
+      <a:schemeClr val="accent5">
         <a:tint val="40000"/>
         <a:alpha val="90000"/>
       </a:schemeClr>
-      <a:schemeClr val="accent3">
+      <a:schemeClr val="accent6">
         <a:tint val="40000"/>
         <a:alpha val="90000"/>
       </a:schemeClr>
     </dgm:fillClrLst>
     <dgm:linClrLst>
-      <a:schemeClr val="accent2">
+      <a:schemeClr val="accent5">
         <a:tint val="40000"/>
         <a:alpha val="90000"/>
       </a:schemeClr>
-      <a:schemeClr val="accent3">
+      <a:schemeClr val="accent6">
         <a:tint val="40000"/>
         <a:alpha val="90000"/>
       </a:schemeClr>
@@ -6290,7 +6283,7 @@
       </a:schemeClr>
     </dgm:fillClrLst>
     <dgm:linClrLst>
-      <a:schemeClr val="accent1"/>
+      <a:schemeClr val="accent4"/>
     </dgm:linClrLst>
     <dgm:effectClrLst/>
     <dgm:txLinClrLst/>
@@ -6306,7 +6299,7 @@
       </a:schemeClr>
     </dgm:fillClrLst>
     <dgm:linClrLst>
-      <a:schemeClr val="accent3"/>
+      <a:schemeClr val="accent6"/>
     </dgm:linClrLst>
     <dgm:effectClrLst/>
     <dgm:txLinClrLst/>
@@ -6322,7 +6315,7 @@
       </a:schemeClr>
     </dgm:fillClrLst>
     <dgm:linClrLst>
-      <a:schemeClr val="accent4"/>
+      <a:schemeClr val="accent1"/>
     </dgm:linClrLst>
     <dgm:effectClrLst/>
     <dgm:txLinClrLst/>
@@ -6338,7 +6331,7 @@
       </a:schemeClr>
     </dgm:fillClrLst>
     <dgm:linClrLst>
-      <a:schemeClr val="accent5"/>
+      <a:schemeClr val="accent2"/>
     </dgm:linClrLst>
     <dgm:effectClrLst/>
     <dgm:txLinClrLst/>
@@ -6348,23 +6341,24 @@
     <dgm:txEffectClrLst/>
   </dgm:styleLbl>
   <dgm:styleLbl name="bgShp">
-    <dgm:fillClrLst>
-      <a:schemeClr val="accent2"/>
-      <a:schemeClr val="accent3"/>
+    <dgm:fillClrLst meth="repeat">
+      <a:schemeClr val="accent5">
+        <a:tint val="40000"/>
+      </a:schemeClr>
     </dgm:fillClrLst>
     <dgm:linClrLst meth="repeat">
-      <a:schemeClr val="lt1">
-        <a:alpha val="0"/>
-      </a:schemeClr>
-    </dgm:linClrLst>
-    <dgm:effectClrLst/>
-    <dgm:txLinClrLst/>
-    <dgm:txFillClrLst/>
+      <a:schemeClr val="dk1"/>
+    </dgm:linClrLst>
+    <dgm:effectClrLst/>
+    <dgm:txLinClrLst/>
+    <dgm:txFillClrLst meth="repeat">
+      <a:schemeClr val="dk1"/>
+    </dgm:txFillClrLst>
     <dgm:txEffectClrLst/>
   </dgm:styleLbl>
   <dgm:styleLbl name="dkBgShp">
     <dgm:fillClrLst meth="repeat">
-      <a:schemeClr val="accent2">
+      <a:schemeClr val="accent5">
         <a:shade val="90000"/>
       </a:schemeClr>
     </dgm:fillClrLst>
@@ -6380,13 +6374,13 @@
   </dgm:styleLbl>
   <dgm:styleLbl name="trBgShp">
     <dgm:fillClrLst meth="repeat">
-      <a:schemeClr val="accent2">
+      <a:schemeClr val="accent5">
         <a:tint val="50000"/>
         <a:alpha val="40000"/>
       </a:schemeClr>
     </dgm:fillClrLst>
     <dgm:linClrLst meth="repeat">
-      <a:schemeClr val="accent2"/>
+      <a:schemeClr val="accent5"/>
     </dgm:linClrLst>
     <dgm:effectClrLst/>
     <dgm:txLinClrLst/>
@@ -6397,7 +6391,7 @@
   </dgm:styleLbl>
   <dgm:styleLbl name="fgShp">
     <dgm:fillClrLst meth="repeat">
-      <a:schemeClr val="accent2">
+      <a:schemeClr val="accent5">
         <a:tint val="40000"/>
       </a:schemeClr>
     </dgm:fillClrLst>
@@ -6425,7 +6419,7 @@
     <dgm:effectClrLst/>
     <dgm:txLinClrLst/>
     <dgm:txFillClrLst meth="repeat">
-      <a:schemeClr val="bg1"/>
+      <a:schemeClr val="tx1"/>
     </dgm:txFillClrLst>
     <dgm:txEffectClrLst/>
   </dgm:styleLbl>
@@ -7241,9 +7235,46 @@
         <a:lstStyle/>
         <a:p>
           <a:r>
-            <a:rPr lang="en-US"/>
-            <a:t>- Phân loại theo mức độ</a:t>
+            <a:rPr lang="en-US" dirty="0"/>
+            <a:t>- </a:t>
           </a:r>
+          <a:r>
+            <a:rPr lang="en-US" dirty="0" err="1"/>
+            <a:t>Phân</a:t>
+          </a:r>
+          <a:r>
+            <a:rPr lang="en-US" dirty="0"/>
+            <a:t> </a:t>
+          </a:r>
+          <a:r>
+            <a:rPr lang="en-US" dirty="0" err="1"/>
+            <a:t>loại</a:t>
+          </a:r>
+          <a:r>
+            <a:rPr lang="en-US" dirty="0"/>
+            <a:t> </a:t>
+          </a:r>
+          <a:r>
+            <a:rPr lang="en-US" dirty="0" err="1"/>
+            <a:t>theo</a:t>
+          </a:r>
+          <a:r>
+            <a:rPr lang="en-US" dirty="0"/>
+            <a:t> </a:t>
+          </a:r>
+          <a:r>
+            <a:rPr lang="en-US" dirty="0" err="1"/>
+            <a:t>mức</a:t>
+          </a:r>
+          <a:r>
+            <a:rPr lang="en-US" dirty="0"/>
+            <a:t> </a:t>
+          </a:r>
+          <a:r>
+            <a:rPr lang="en-US" dirty="0" err="1"/>
+            <a:t>độ</a:t>
+          </a:r>
+          <a:endParaRPr lang="en-US" dirty="0"/>
         </a:p>
       </dgm:t>
     </dgm:pt>
@@ -8423,7 +8454,7 @@
 <dgm:dataModel xmlns:dgm="http://schemas.openxmlformats.org/drawingml/2006/diagram" xmlns:a="http://schemas.openxmlformats.org/drawingml/2006/main">
   <dgm:ptLst>
     <dgm:pt modelId="{8D94A840-8FD4-4D99-BE27-EF679F0A09FA}" type="doc">
-      <dgm:prSet loTypeId="urn:microsoft.com/office/officeart/2018/2/layout/IconVerticalSolidList" loCatId="icon" qsTypeId="urn:microsoft.com/office/officeart/2005/8/quickstyle/simple1" qsCatId="simple" csTypeId="urn:microsoft.com/office/officeart/2018/5/colors/Iconchunking_neutralicontext_colorful2" csCatId="colorful" phldr="1"/>
+      <dgm:prSet loTypeId="urn:microsoft.com/office/officeart/2005/8/layout/vList2" loCatId="list" qsTypeId="urn:microsoft.com/office/officeart/2005/8/quickstyle/simple1" qsCatId="simple" csTypeId="urn:microsoft.com/office/officeart/2005/8/colors/colorful5" csCatId="colorful" phldr="1"/>
       <dgm:spPr/>
       <dgm:t>
         <a:bodyPr/>
@@ -8793,8 +8824,84 @@
         <a:lstStyle/>
         <a:p>
           <a:r>
-            <a:rPr lang="en-US"/>
-            <a:t>Sử dụng bất kì ngôn ngữ nào để tạo ra các test case.</a:t>
+            <a:rPr lang="en-US" dirty="0" err="1"/>
+            <a:t>Sử</a:t>
+          </a:r>
+          <a:r>
+            <a:rPr lang="en-US" dirty="0"/>
+            <a:t> </a:t>
+          </a:r>
+          <a:r>
+            <a:rPr lang="en-US" dirty="0" err="1"/>
+            <a:t>dụng</a:t>
+          </a:r>
+          <a:r>
+            <a:rPr lang="en-US" dirty="0"/>
+            <a:t> </a:t>
+          </a:r>
+          <a:r>
+            <a:rPr lang="en-US" dirty="0" err="1"/>
+            <a:t>bất</a:t>
+          </a:r>
+          <a:r>
+            <a:rPr lang="en-US" dirty="0"/>
+            <a:t> </a:t>
+          </a:r>
+          <a:r>
+            <a:rPr lang="en-US" dirty="0" err="1"/>
+            <a:t>kì</a:t>
+          </a:r>
+          <a:r>
+            <a:rPr lang="en-US" dirty="0"/>
+            <a:t> </a:t>
+          </a:r>
+          <a:r>
+            <a:rPr lang="en-US" dirty="0" err="1"/>
+            <a:t>ngôn</a:t>
+          </a:r>
+          <a:r>
+            <a:rPr lang="en-US" dirty="0"/>
+            <a:t> </a:t>
+          </a:r>
+          <a:r>
+            <a:rPr lang="en-US" dirty="0" err="1"/>
+            <a:t>ngữ</a:t>
+          </a:r>
+          <a:r>
+            <a:rPr lang="en-US" dirty="0"/>
+            <a:t> </a:t>
+          </a:r>
+          <a:r>
+            <a:rPr lang="en-US" dirty="0" err="1"/>
+            <a:t>nào</a:t>
+          </a:r>
+          <a:r>
+            <a:rPr lang="en-US" dirty="0"/>
+            <a:t> </a:t>
+          </a:r>
+          <a:r>
+            <a:rPr lang="en-US" dirty="0" err="1"/>
+            <a:t>để</a:t>
+          </a:r>
+          <a:r>
+            <a:rPr lang="en-US" dirty="0"/>
+            <a:t> </a:t>
+          </a:r>
+          <a:r>
+            <a:rPr lang="en-US" dirty="0" err="1"/>
+            <a:t>tạo</a:t>
+          </a:r>
+          <a:r>
+            <a:rPr lang="en-US" dirty="0"/>
+            <a:t> ra </a:t>
+          </a:r>
+          <a:r>
+            <a:rPr lang="en-US" dirty="0" err="1"/>
+            <a:t>các</a:t>
+          </a:r>
+          <a:r>
+            <a:rPr lang="en-US" dirty="0"/>
+            <a:t> test case.</a:t>
           </a:r>
         </a:p>
       </dgm:t>
@@ -8969,216 +9076,247 @@
         </a:p>
       </dgm:t>
     </dgm:pt>
-    <dgm:pt modelId="{40C25D82-A0B8-4785-B5CC-EA6880BA1B78}" type="pres">
-      <dgm:prSet presAssocID="{8D94A840-8FD4-4D99-BE27-EF679F0A09FA}" presName="root" presStyleCnt="0">
+    <dgm:pt modelId="{D60ADF55-607E-4CB9-9642-C239DA5193CA}">
+      <dgm:prSet/>
+      <dgm:spPr/>
+      <dgm:t>
+        <a:bodyPr/>
+        <a:lstStyle/>
+        <a:p>
+          <a:r>
+            <a:rPr lang="en-US" dirty="0">
+              <a:latin typeface="Times New Roman" panose="02020603050405020304" pitchFamily="18" charset="0"/>
+              <a:cs typeface="Times New Roman" panose="02020603050405020304" pitchFamily="18" charset="0"/>
+            </a:rPr>
+            <a:t>Gi</a:t>
+          </a:r>
+          <a:r>
+            <a:rPr lang="vi-VN" dirty="0">
+              <a:latin typeface="Times New Roman" panose="02020603050405020304" pitchFamily="18" charset="0"/>
+              <a:cs typeface="Times New Roman" panose="02020603050405020304" pitchFamily="18" charset="0"/>
+            </a:rPr>
+            <a:t>ới</a:t>
+          </a:r>
+          <a:r>
+            <a:rPr lang="en-US" dirty="0">
+              <a:latin typeface="Times New Roman" panose="02020603050405020304" pitchFamily="18" charset="0"/>
+              <a:cs typeface="Times New Roman" panose="02020603050405020304" pitchFamily="18" charset="0"/>
+            </a:rPr>
+            <a:t> h</a:t>
+          </a:r>
+          <a:r>
+            <a:rPr lang="vi-VN" dirty="0">
+              <a:latin typeface="Times New Roman" panose="02020603050405020304" pitchFamily="18" charset="0"/>
+              <a:cs typeface="Times New Roman" panose="02020603050405020304" pitchFamily="18" charset="0"/>
+            </a:rPr>
+            <a:t>ạn</a:t>
+          </a:r>
+          <a:r>
+            <a:rPr lang="en-US" dirty="0">
+              <a:latin typeface="Times New Roman" panose="02020603050405020304" pitchFamily="18" charset="0"/>
+              <a:cs typeface="Times New Roman" panose="02020603050405020304" pitchFamily="18" charset="0"/>
+            </a:rPr>
+            <a:t> v</a:t>
+          </a:r>
+          <a:r>
+            <a:rPr lang="vi-VN" dirty="0">
+              <a:latin typeface="Times New Roman" panose="02020603050405020304" pitchFamily="18" charset="0"/>
+              <a:cs typeface="Times New Roman" panose="02020603050405020304" pitchFamily="18" charset="0"/>
+            </a:rPr>
+            <a:t>ề</a:t>
+          </a:r>
+          <a:r>
+            <a:rPr lang="en-US" dirty="0">
+              <a:latin typeface="Times New Roman" panose="02020603050405020304" pitchFamily="18" charset="0"/>
+              <a:cs typeface="Times New Roman" panose="02020603050405020304" pitchFamily="18" charset="0"/>
+            </a:rPr>
+            <a:t> </a:t>
+          </a:r>
+          <a:r>
+            <a:rPr lang="en-US" dirty="0" err="1">
+              <a:latin typeface="Times New Roman" panose="02020603050405020304" pitchFamily="18" charset="0"/>
+              <a:cs typeface="Times New Roman" panose="02020603050405020304" pitchFamily="18" charset="0"/>
+            </a:rPr>
+            <a:t>th</a:t>
+          </a:r>
+          <a:r>
+            <a:rPr lang="vi-VN" dirty="0">
+              <a:latin typeface="Times New Roman" panose="02020603050405020304" pitchFamily="18" charset="0"/>
+              <a:cs typeface="Times New Roman" panose="02020603050405020304" pitchFamily="18" charset="0"/>
+            </a:rPr>
+            <a:t>ời</a:t>
+          </a:r>
+          <a:r>
+            <a:rPr lang="en-US" dirty="0">
+              <a:latin typeface="Times New Roman" panose="02020603050405020304" pitchFamily="18" charset="0"/>
+              <a:cs typeface="Times New Roman" panose="02020603050405020304" pitchFamily="18" charset="0"/>
+            </a:rPr>
+            <a:t> </a:t>
+          </a:r>
+          <a:r>
+            <a:rPr lang="en-US" dirty="0" err="1">
+              <a:latin typeface="Times New Roman" panose="02020603050405020304" pitchFamily="18" charset="0"/>
+              <a:cs typeface="Times New Roman" panose="02020603050405020304" pitchFamily="18" charset="0"/>
+            </a:rPr>
+            <a:t>gian</a:t>
+          </a:r>
+          <a:r>
+            <a:rPr lang="en-US" dirty="0">
+              <a:latin typeface="Times New Roman" panose="02020603050405020304" pitchFamily="18" charset="0"/>
+              <a:cs typeface="Times New Roman" panose="02020603050405020304" pitchFamily="18" charset="0"/>
+            </a:rPr>
+            <a:t> v</a:t>
+          </a:r>
+          <a:r>
+            <a:rPr lang="vi-VN" dirty="0">
+              <a:latin typeface="Times New Roman" panose="02020603050405020304" pitchFamily="18" charset="0"/>
+              <a:cs typeface="Times New Roman" panose="02020603050405020304" pitchFamily="18" charset="0"/>
+            </a:rPr>
+            <a:t>à</a:t>
+          </a:r>
+          <a:r>
+            <a:rPr lang="en-US" dirty="0">
+              <a:latin typeface="Times New Roman" panose="02020603050405020304" pitchFamily="18" charset="0"/>
+              <a:cs typeface="Times New Roman" panose="02020603050405020304" pitchFamily="18" charset="0"/>
+            </a:rPr>
+            <a:t> b</a:t>
+          </a:r>
+          <a:r>
+            <a:rPr lang="vi-VN" dirty="0">
+              <a:latin typeface="Times New Roman" panose="02020603050405020304" pitchFamily="18" charset="0"/>
+              <a:cs typeface="Times New Roman" panose="02020603050405020304" pitchFamily="18" charset="0"/>
+            </a:rPr>
+            <a:t>ộ</a:t>
+          </a:r>
+          <a:r>
+            <a:rPr lang="en-US" dirty="0">
+              <a:latin typeface="Times New Roman" panose="02020603050405020304" pitchFamily="18" charset="0"/>
+              <a:cs typeface="Times New Roman" panose="02020603050405020304" pitchFamily="18" charset="0"/>
+            </a:rPr>
+            <a:t> </a:t>
+          </a:r>
+          <a:r>
+            <a:rPr lang="en-US" dirty="0" err="1">
+              <a:latin typeface="Times New Roman" panose="02020603050405020304" pitchFamily="18" charset="0"/>
+              <a:cs typeface="Times New Roman" panose="02020603050405020304" pitchFamily="18" charset="0"/>
+            </a:rPr>
+            <a:t>nh</a:t>
+          </a:r>
+          <a:r>
+            <a:rPr lang="vi-VN" dirty="0">
+              <a:latin typeface="Times New Roman" panose="02020603050405020304" pitchFamily="18" charset="0"/>
+              <a:cs typeface="Times New Roman" panose="02020603050405020304" pitchFamily="18" charset="0"/>
+            </a:rPr>
+            <a:t>ớ</a:t>
+          </a:r>
+          <a:endParaRPr lang="en-US" dirty="0">
+            <a:latin typeface="Times New Roman" panose="02020603050405020304" pitchFamily="18" charset="0"/>
+            <a:cs typeface="Times New Roman" panose="02020603050405020304" pitchFamily="18" charset="0"/>
+          </a:endParaRPr>
+        </a:p>
+      </dgm:t>
+    </dgm:pt>
+    <dgm:pt modelId="{31D71323-4947-4A20-A995-8216C729B1A9}" type="parTrans" cxnId="{49EE40D5-9A3E-49E4-93F4-2F4293B3DBDC}">
+      <dgm:prSet/>
+      <dgm:spPr/>
+      <dgm:t>
+        <a:bodyPr/>
+        <a:lstStyle/>
+        <a:p>
+          <a:endParaRPr lang="vi-VN"/>
+        </a:p>
+      </dgm:t>
+    </dgm:pt>
+    <dgm:pt modelId="{F321BCA6-65F4-42E8-B79F-E255552608A5}" type="sibTrans" cxnId="{49EE40D5-9A3E-49E4-93F4-2F4293B3DBDC}">
+      <dgm:prSet/>
+      <dgm:spPr/>
+      <dgm:t>
+        <a:bodyPr/>
+        <a:lstStyle/>
+        <a:p>
+          <a:endParaRPr lang="vi-VN"/>
+        </a:p>
+      </dgm:t>
+    </dgm:pt>
+    <dgm:pt modelId="{F10E3BAF-DCF9-4065-820C-9A9303C260BF}" type="pres">
+      <dgm:prSet presAssocID="{8D94A840-8FD4-4D99-BE27-EF679F0A09FA}" presName="linear" presStyleCnt="0">
         <dgm:presLayoutVars>
-          <dgm:dir/>
+          <dgm:animLvl val="lvl"/>
           <dgm:resizeHandles val="exact"/>
         </dgm:presLayoutVars>
       </dgm:prSet>
       <dgm:spPr/>
     </dgm:pt>
-    <dgm:pt modelId="{F73FD21D-96F6-4FF1-B26D-0B9E81BEE568}" type="pres">
-      <dgm:prSet presAssocID="{814B1036-3E30-4113-9F26-6EE622FF63EB}" presName="compNode" presStyleCnt="0"/>
-      <dgm:spPr/>
-    </dgm:pt>
-    <dgm:pt modelId="{8E7D9A94-6772-4465-B017-518486919741}" type="pres">
-      <dgm:prSet presAssocID="{814B1036-3E30-4113-9F26-6EE622FF63EB}" presName="bgRect" presStyleLbl="bgShp" presStyleIdx="0" presStyleCnt="3"/>
-      <dgm:spPr/>
-    </dgm:pt>
-    <dgm:pt modelId="{F4D6D67C-5B4F-4E25-803D-48E553E67543}" type="pres">
-      <dgm:prSet presAssocID="{814B1036-3E30-4113-9F26-6EE622FF63EB}" presName="iconRect" presStyleLbl="node1" presStyleIdx="0" presStyleCnt="3"/>
-      <dgm:spPr>
-        <a:blipFill>
-          <a:blip xmlns:r="http://schemas.openxmlformats.org/officeDocument/2006/relationships" r:embed="rId1">
-            <a:extLst>
-              <a:ext uri="{28A0092B-C50C-407E-A947-70E740481C1C}">
-                <a14:useLocalDpi xmlns:a14="http://schemas.microsoft.com/office/drawing/2010/main" val="0"/>
-              </a:ext>
-              <a:ext uri="{96DAC541-7B7A-43D3-8B79-37D633B846F1}">
-                <asvg:svgBlip xmlns:asvg="http://schemas.microsoft.com/office/drawing/2016/SVG/main" r:embed="rId2"/>
-              </a:ext>
-            </a:extLst>
-          </a:blip>
-          <a:stretch>
-            <a:fillRect/>
-          </a:stretch>
-        </a:blipFill>
-        <a:ln>
-          <a:noFill/>
-        </a:ln>
-      </dgm:spPr>
-      <dgm:extLst>
-        <a:ext uri="{E40237B7-FDA0-4F09-8148-C483321AD2D9}">
-          <dgm14:cNvPr xmlns:dgm14="http://schemas.microsoft.com/office/drawing/2010/diagram" id="0" name="" descr="Magnifying glass"/>
-        </a:ext>
-      </dgm:extLst>
-    </dgm:pt>
-    <dgm:pt modelId="{F31673C7-B89B-465D-94D1-43F9B2036857}" type="pres">
-      <dgm:prSet presAssocID="{814B1036-3E30-4113-9F26-6EE622FF63EB}" presName="spaceRect" presStyleCnt="0"/>
-      <dgm:spPr/>
-    </dgm:pt>
-    <dgm:pt modelId="{4546ECA5-DBB9-4FB8-8C7E-3584444CCFC1}" type="pres">
-      <dgm:prSet presAssocID="{814B1036-3E30-4113-9F26-6EE622FF63EB}" presName="parTx" presStyleLbl="revTx" presStyleIdx="0" presStyleCnt="5">
+    <dgm:pt modelId="{8F75A1A3-9F19-4055-849C-41BDDC09AF37}" type="pres">
+      <dgm:prSet presAssocID="{814B1036-3E30-4113-9F26-6EE622FF63EB}" presName="parentText" presStyleLbl="node1" presStyleIdx="0" presStyleCnt="3">
         <dgm:presLayoutVars>
           <dgm:chMax val="0"/>
-          <dgm:chPref val="0"/>
+          <dgm:bulletEnabled val="1"/>
         </dgm:presLayoutVars>
       </dgm:prSet>
       <dgm:spPr/>
     </dgm:pt>
-    <dgm:pt modelId="{B466C973-C201-4E0B-A7C5-B37DDCF5E69D}" type="pres">
-      <dgm:prSet presAssocID="{CFCA7D83-B5A9-4C61-B3C4-B3251EB550E6}" presName="sibTrans" presStyleCnt="0"/>
+    <dgm:pt modelId="{6FA68ED4-C01A-4921-AC05-CB1A0F6780EC}" type="pres">
+      <dgm:prSet presAssocID="{CFCA7D83-B5A9-4C61-B3C4-B3251EB550E6}" presName="spacer" presStyleCnt="0"/>
       <dgm:spPr/>
     </dgm:pt>
-    <dgm:pt modelId="{5A220657-EA87-4CCC-B0AF-A3B60D008A29}" type="pres">
-      <dgm:prSet presAssocID="{F1E71FCC-1411-4579-BB4C-62079A42C0EF}" presName="compNode" presStyleCnt="0"/>
-      <dgm:spPr/>
-    </dgm:pt>
-    <dgm:pt modelId="{A5A3BB26-15D7-490B-9AB5-35D75F01D92D}" type="pres">
-      <dgm:prSet presAssocID="{F1E71FCC-1411-4579-BB4C-62079A42C0EF}" presName="bgRect" presStyleLbl="bgShp" presStyleIdx="1" presStyleCnt="3"/>
-      <dgm:spPr/>
-    </dgm:pt>
-    <dgm:pt modelId="{BEFFDA60-EE91-4B95-B4BC-B885BC8048CE}" type="pres">
-      <dgm:prSet presAssocID="{F1E71FCC-1411-4579-BB4C-62079A42C0EF}" presName="iconRect" presStyleLbl="node1" presStyleIdx="1" presStyleCnt="3"/>
-      <dgm:spPr>
-        <a:blipFill>
-          <a:blip xmlns:r="http://schemas.openxmlformats.org/officeDocument/2006/relationships" r:embed="rId3">
-            <a:extLst>
-              <a:ext uri="{28A0092B-C50C-407E-A947-70E740481C1C}">
-                <a14:useLocalDpi xmlns:a14="http://schemas.microsoft.com/office/drawing/2010/main" val="0"/>
-              </a:ext>
-              <a:ext uri="{96DAC541-7B7A-43D3-8B79-37D633B846F1}">
-                <asvg:svgBlip xmlns:asvg="http://schemas.microsoft.com/office/drawing/2016/SVG/main" r:embed="rId4"/>
-              </a:ext>
-            </a:extLst>
-          </a:blip>
-          <a:stretch>
-            <a:fillRect/>
-          </a:stretch>
-        </a:blipFill>
-        <a:ln>
-          <a:noFill/>
-        </a:ln>
-      </dgm:spPr>
-      <dgm:extLst>
-        <a:ext uri="{E40237B7-FDA0-4F09-8148-C483321AD2D9}">
-          <dgm14:cNvPr xmlns:dgm14="http://schemas.microsoft.com/office/drawing/2010/diagram" id="0" name="" descr="Scientist"/>
-        </a:ext>
-      </dgm:extLst>
-    </dgm:pt>
-    <dgm:pt modelId="{7919FB7C-F41A-40F3-BE69-4311FD9F7917}" type="pres">
-      <dgm:prSet presAssocID="{F1E71FCC-1411-4579-BB4C-62079A42C0EF}" presName="spaceRect" presStyleCnt="0"/>
-      <dgm:spPr/>
-    </dgm:pt>
-    <dgm:pt modelId="{30D004BA-6DAC-4B91-BEED-7475CDF0FB21}" type="pres">
-      <dgm:prSet presAssocID="{F1E71FCC-1411-4579-BB4C-62079A42C0EF}" presName="parTx" presStyleLbl="revTx" presStyleIdx="1" presStyleCnt="5">
+    <dgm:pt modelId="{97F4F149-D561-455E-9AE5-BF253163C384}" type="pres">
+      <dgm:prSet presAssocID="{F1E71FCC-1411-4579-BB4C-62079A42C0EF}" presName="parentText" presStyleLbl="node1" presStyleIdx="1" presStyleCnt="3">
         <dgm:presLayoutVars>
           <dgm:chMax val="0"/>
-          <dgm:chPref val="0"/>
+          <dgm:bulletEnabled val="1"/>
         </dgm:presLayoutVars>
       </dgm:prSet>
       <dgm:spPr/>
     </dgm:pt>
-    <dgm:pt modelId="{4E05AA96-AED9-4A59-AB00-FD8113BC5917}" type="pres">
-      <dgm:prSet presAssocID="{F1E71FCC-1411-4579-BB4C-62079A42C0EF}" presName="desTx" presStyleLbl="revTx" presStyleIdx="2" presStyleCnt="5" custScaleX="100256">
-        <dgm:presLayoutVars/>
-      </dgm:prSet>
-      <dgm:spPr/>
-    </dgm:pt>
-    <dgm:pt modelId="{A9909610-8AB1-4757-9531-DD5AD4823E89}" type="pres">
-      <dgm:prSet presAssocID="{ADEE995B-CC30-423E-ADF1-3B5E6B646FCC}" presName="sibTrans" presStyleCnt="0"/>
-      <dgm:spPr/>
-    </dgm:pt>
-    <dgm:pt modelId="{543F0ED2-BB81-4A43-8594-A3B493C3D360}" type="pres">
-      <dgm:prSet presAssocID="{85B38DAD-9078-400A-A271-EF6F9B344682}" presName="compNode" presStyleCnt="0"/>
-      <dgm:spPr/>
-    </dgm:pt>
-    <dgm:pt modelId="{C1C46E30-F96B-4A29-BBB1-6873AF1A20A2}" type="pres">
-      <dgm:prSet presAssocID="{85B38DAD-9078-400A-A271-EF6F9B344682}" presName="bgRect" presStyleLbl="bgShp" presStyleIdx="2" presStyleCnt="3"/>
-      <dgm:spPr/>
-    </dgm:pt>
-    <dgm:pt modelId="{5FE249CC-A6A5-42EF-9967-800737146C9E}" type="pres">
-      <dgm:prSet presAssocID="{85B38DAD-9078-400A-A271-EF6F9B344682}" presName="iconRect" presStyleLbl="node1" presStyleIdx="2" presStyleCnt="3"/>
-      <dgm:spPr>
-        <a:blipFill>
-          <a:blip xmlns:r="http://schemas.openxmlformats.org/officeDocument/2006/relationships" r:embed="rId5">
-            <a:extLst>
-              <a:ext uri="{28A0092B-C50C-407E-A947-70E740481C1C}">
-                <a14:useLocalDpi xmlns:a14="http://schemas.microsoft.com/office/drawing/2010/main" val="0"/>
-              </a:ext>
-              <a:ext uri="{96DAC541-7B7A-43D3-8B79-37D633B846F1}">
-                <asvg:svgBlip xmlns:asvg="http://schemas.microsoft.com/office/drawing/2016/SVG/main" r:embed="rId6"/>
-              </a:ext>
-            </a:extLst>
-          </a:blip>
-          <a:stretch>
-            <a:fillRect/>
-          </a:stretch>
-        </a:blipFill>
-        <a:ln>
-          <a:noFill/>
-        </a:ln>
-      </dgm:spPr>
-      <dgm:extLst>
-        <a:ext uri="{E40237B7-FDA0-4F09-8148-C483321AD2D9}">
-          <dgm14:cNvPr xmlns:dgm14="http://schemas.microsoft.com/office/drawing/2010/diagram" id="0" name="" descr="Subtitles"/>
-        </a:ext>
-      </dgm:extLst>
-    </dgm:pt>
-    <dgm:pt modelId="{614DC0B3-06FB-4F03-9981-6433CA893B93}" type="pres">
-      <dgm:prSet presAssocID="{85B38DAD-9078-400A-A271-EF6F9B344682}" presName="spaceRect" presStyleCnt="0"/>
-      <dgm:spPr/>
-    </dgm:pt>
-    <dgm:pt modelId="{5AF7FA42-D027-44E4-B602-02EC506A4261}" type="pres">
-      <dgm:prSet presAssocID="{85B38DAD-9078-400A-A271-EF6F9B344682}" presName="parTx" presStyleLbl="revTx" presStyleIdx="3" presStyleCnt="5">
+    <dgm:pt modelId="{D1C6D700-771C-4F8D-B5F0-3F54B13603E2}" type="pres">
+      <dgm:prSet presAssocID="{F1E71FCC-1411-4579-BB4C-62079A42C0EF}" presName="childText" presStyleLbl="revTx" presStyleIdx="0" presStyleCnt="2">
         <dgm:presLayoutVars>
-          <dgm:chMax val="0"/>
-          <dgm:chPref val="0"/>
+          <dgm:bulletEnabled val="1"/>
         </dgm:presLayoutVars>
       </dgm:prSet>
       <dgm:spPr/>
     </dgm:pt>
-    <dgm:pt modelId="{217C1CDC-D79D-40F4-B8D0-8C4BFDE8B744}" type="pres">
-      <dgm:prSet presAssocID="{85B38DAD-9078-400A-A271-EF6F9B344682}" presName="desTx" presStyleLbl="revTx" presStyleIdx="4" presStyleCnt="5">
-        <dgm:presLayoutVars/>
+    <dgm:pt modelId="{8ED4865B-A928-4763-A85B-AC7D9CF9555A}" type="pres">
+      <dgm:prSet presAssocID="{85B38DAD-9078-400A-A271-EF6F9B344682}" presName="parentText" presStyleLbl="node1" presStyleIdx="2" presStyleCnt="3">
+        <dgm:presLayoutVars>
+          <dgm:chMax val="0"/>
+          <dgm:bulletEnabled val="1"/>
+        </dgm:presLayoutVars>
+      </dgm:prSet>
+      <dgm:spPr/>
+    </dgm:pt>
+    <dgm:pt modelId="{94BF3EF0-79D5-4338-A343-99722CBB28BF}" type="pres">
+      <dgm:prSet presAssocID="{85B38DAD-9078-400A-A271-EF6F9B344682}" presName="childText" presStyleLbl="revTx" presStyleIdx="1" presStyleCnt="2">
+        <dgm:presLayoutVars>
+          <dgm:bulletEnabled val="1"/>
+        </dgm:presLayoutVars>
       </dgm:prSet>
       <dgm:spPr/>
     </dgm:pt>
   </dgm:ptLst>
   <dgm:cxnLst>
     <dgm:cxn modelId="{6B97BA11-1C62-42E6-A1A5-05FD21152EB7}" srcId="{8D94A840-8FD4-4D99-BE27-EF679F0A09FA}" destId="{F1E71FCC-1411-4579-BB4C-62079A42C0EF}" srcOrd="1" destOrd="0" parTransId="{4EF2FF04-73D6-4BB7-84FE-7D290BED6E5F}" sibTransId="{ADEE995B-CC30-423E-ADF1-3B5E6B646FCC}"/>
-    <dgm:cxn modelId="{3DEC081D-A7B1-46F2-BF36-91A397F7CDB7}" type="presOf" srcId="{8D94A840-8FD4-4D99-BE27-EF679F0A09FA}" destId="{40C25D82-A0B8-4785-B5CC-EA6880BA1B78}" srcOrd="0" destOrd="0" presId="urn:microsoft.com/office/officeart/2018/2/layout/IconVerticalSolidList"/>
     <dgm:cxn modelId="{34344023-C162-4BAB-B9E2-886C29FD35BF}" srcId="{F1E71FCC-1411-4579-BB4C-62079A42C0EF}" destId="{BB3B2833-4B5F-4EF5-868F-AB35113F11AB}" srcOrd="1" destOrd="0" parTransId="{A2014D8E-15B5-44A2-ACAF-A39C2AD87556}" sibTransId="{6B5BAA67-EB1C-4BC9-9F23-01E744ED2EA2}"/>
-    <dgm:cxn modelId="{03348333-1580-4BDB-A707-FCB86EA23CA7}" type="presOf" srcId="{B648EE2B-353A-41F1-8110-E06E47C18FCE}" destId="{217C1CDC-D79D-40F4-B8D0-8C4BFDE8B744}" srcOrd="0" destOrd="0" presId="urn:microsoft.com/office/officeart/2018/2/layout/IconVerticalSolidList"/>
-    <dgm:cxn modelId="{7ABFD174-274A-4ABD-B3B8-3B1D0A6E3C1E}" type="presOf" srcId="{85B38DAD-9078-400A-A271-EF6F9B344682}" destId="{5AF7FA42-D027-44E4-B602-02EC506A4261}" srcOrd="0" destOrd="0" presId="urn:microsoft.com/office/officeart/2018/2/layout/IconVerticalSolidList"/>
-    <dgm:cxn modelId="{B7316089-D3E4-4D95-B8A6-72AB3F4F9337}" type="presOf" srcId="{E87871FB-EDAD-4592-BA8F-829A8D4FA52B}" destId="{4E05AA96-AED9-4A59-AB00-FD8113BC5917}" srcOrd="0" destOrd="0" presId="urn:microsoft.com/office/officeart/2018/2/layout/IconVerticalSolidList"/>
-    <dgm:cxn modelId="{2941E79D-A9D9-4B47-A89D-2B3B0CC73DF7}" type="presOf" srcId="{F1E71FCC-1411-4579-BB4C-62079A42C0EF}" destId="{30D004BA-6DAC-4B91-BEED-7475CDF0FB21}" srcOrd="0" destOrd="0" presId="urn:microsoft.com/office/officeart/2018/2/layout/IconVerticalSolidList"/>
-    <dgm:cxn modelId="{DA1C9AB9-5F0D-486E-A06D-09CC432B54FD}" type="presOf" srcId="{814B1036-3E30-4113-9F26-6EE622FF63EB}" destId="{4546ECA5-DBB9-4FB8-8C7E-3584444CCFC1}" srcOrd="0" destOrd="0" presId="urn:microsoft.com/office/officeart/2018/2/layout/IconVerticalSolidList"/>
+    <dgm:cxn modelId="{A187E027-AEFE-4F93-9531-33C7C6A20835}" type="presOf" srcId="{F1E71FCC-1411-4579-BB4C-62079A42C0EF}" destId="{97F4F149-D561-455E-9AE5-BF253163C384}" srcOrd="0" destOrd="0" presId="urn:microsoft.com/office/officeart/2005/8/layout/vList2"/>
+    <dgm:cxn modelId="{779B0680-A24F-4A11-AF82-BEA03D371F1D}" type="presOf" srcId="{B648EE2B-353A-41F1-8110-E06E47C18FCE}" destId="{94BF3EF0-79D5-4338-A343-99722CBB28BF}" srcOrd="0" destOrd="0" presId="urn:microsoft.com/office/officeart/2005/8/layout/vList2"/>
+    <dgm:cxn modelId="{31930D89-FA35-4203-A7EC-70D2C4B0EC27}" type="presOf" srcId="{BB3B2833-4B5F-4EF5-868F-AB35113F11AB}" destId="{D1C6D700-771C-4F8D-B5F0-3F54B13603E2}" srcOrd="0" destOrd="1" presId="urn:microsoft.com/office/officeart/2005/8/layout/vList2"/>
+    <dgm:cxn modelId="{9436418B-92CF-4704-8233-1C0BBD21B573}" type="presOf" srcId="{814B1036-3E30-4113-9F26-6EE622FF63EB}" destId="{8F75A1A3-9F19-4055-849C-41BDDC09AF37}" srcOrd="0" destOrd="0" presId="urn:microsoft.com/office/officeart/2005/8/layout/vList2"/>
     <dgm:cxn modelId="{AF6922C3-39C6-4D52-9006-28D00FDD79BC}" srcId="{F1E71FCC-1411-4579-BB4C-62079A42C0EF}" destId="{E87871FB-EDAD-4592-BA8F-829A8D4FA52B}" srcOrd="0" destOrd="0" parTransId="{2A9B8232-4F82-472D-98C8-23DA97FE3391}" sibTransId="{9B6F1CD7-195A-471F-BAAD-5C30CC931CDF}"/>
-    <dgm:cxn modelId="{3BB48CCF-9CD7-43EE-ACD5-3BCBC4D3A183}" type="presOf" srcId="{BB3B2833-4B5F-4EF5-868F-AB35113F11AB}" destId="{4E05AA96-AED9-4A59-AB00-FD8113BC5917}" srcOrd="0" destOrd="1" presId="urn:microsoft.com/office/officeart/2018/2/layout/IconVerticalSolidList"/>
+    <dgm:cxn modelId="{F7E600C5-3955-4E19-B998-C5E03F6623C2}" type="presOf" srcId="{D60ADF55-607E-4CB9-9642-C239DA5193CA}" destId="{94BF3EF0-79D5-4338-A343-99722CBB28BF}" srcOrd="0" destOrd="1" presId="urn:microsoft.com/office/officeart/2005/8/layout/vList2"/>
+    <dgm:cxn modelId="{D04A98CB-4587-472A-9360-AE54093F29CF}" type="presOf" srcId="{E87871FB-EDAD-4592-BA8F-829A8D4FA52B}" destId="{D1C6D700-771C-4F8D-B5F0-3F54B13603E2}" srcOrd="0" destOrd="0" presId="urn:microsoft.com/office/officeart/2005/8/layout/vList2"/>
+    <dgm:cxn modelId="{49EE40D5-9A3E-49E4-93F4-2F4293B3DBDC}" srcId="{85B38DAD-9078-400A-A271-EF6F9B344682}" destId="{D60ADF55-607E-4CB9-9642-C239DA5193CA}" srcOrd="1" destOrd="0" parTransId="{31D71323-4947-4A20-A995-8216C729B1A9}" sibTransId="{F321BCA6-65F4-42E8-B79F-E255552608A5}"/>
+    <dgm:cxn modelId="{97B6E0E4-E22D-4D9D-9284-64F7B02CAE60}" type="presOf" srcId="{8D94A840-8FD4-4D99-BE27-EF679F0A09FA}" destId="{F10E3BAF-DCF9-4065-820C-9A9303C260BF}" srcOrd="0" destOrd="0" presId="urn:microsoft.com/office/officeart/2005/8/layout/vList2"/>
+    <dgm:cxn modelId="{4D1848E5-A18E-4BD1-B695-087B4CB3FF04}" type="presOf" srcId="{85B38DAD-9078-400A-A271-EF6F9B344682}" destId="{8ED4865B-A928-4763-A85B-AC7D9CF9555A}" srcOrd="0" destOrd="0" presId="urn:microsoft.com/office/officeart/2005/8/layout/vList2"/>
     <dgm:cxn modelId="{7E0ED8EB-4CA0-4290-8AB3-8B7B4C09C3C9}" srcId="{85B38DAD-9078-400A-A271-EF6F9B344682}" destId="{B648EE2B-353A-41F1-8110-E06E47C18FCE}" srcOrd="0" destOrd="0" parTransId="{B7F242B9-12E8-4BAE-979F-60F55FFC6A12}" sibTransId="{CCEA0698-FAF3-43A1-BB22-051C308359AE}"/>
     <dgm:cxn modelId="{9DE2F3ED-5454-44CD-B02E-E680C201A610}" srcId="{8D94A840-8FD4-4D99-BE27-EF679F0A09FA}" destId="{814B1036-3E30-4113-9F26-6EE622FF63EB}" srcOrd="0" destOrd="0" parTransId="{D45ED1BA-C4E5-40B9-9D76-7002B5CFDC4A}" sibTransId="{CFCA7D83-B5A9-4C61-B3C4-B3251EB550E6}"/>
     <dgm:cxn modelId="{781AA9F6-7AE7-477C-AB8C-197D59279E2D}" srcId="{8D94A840-8FD4-4D99-BE27-EF679F0A09FA}" destId="{85B38DAD-9078-400A-A271-EF6F9B344682}" srcOrd="2" destOrd="0" parTransId="{7EBD4389-10B9-4106-A74A-B44722C9A598}" sibTransId="{2F861C6F-AB7E-43B9-9390-C2D507C2D31B}"/>
-    <dgm:cxn modelId="{31F4432A-6A2B-4C3C-B74E-A266370FC0E0}" type="presParOf" srcId="{40C25D82-A0B8-4785-B5CC-EA6880BA1B78}" destId="{F73FD21D-96F6-4FF1-B26D-0B9E81BEE568}" srcOrd="0" destOrd="0" presId="urn:microsoft.com/office/officeart/2018/2/layout/IconVerticalSolidList"/>
-    <dgm:cxn modelId="{36447ACE-DDFC-4B34-8B82-5BCCA361E86E}" type="presParOf" srcId="{F73FD21D-96F6-4FF1-B26D-0B9E81BEE568}" destId="{8E7D9A94-6772-4465-B017-518486919741}" srcOrd="0" destOrd="0" presId="urn:microsoft.com/office/officeart/2018/2/layout/IconVerticalSolidList"/>
-    <dgm:cxn modelId="{CB0563F0-B2BF-4608-895A-C35F73B09D3C}" type="presParOf" srcId="{F73FD21D-96F6-4FF1-B26D-0B9E81BEE568}" destId="{F4D6D67C-5B4F-4E25-803D-48E553E67543}" srcOrd="1" destOrd="0" presId="urn:microsoft.com/office/officeart/2018/2/layout/IconVerticalSolidList"/>
-    <dgm:cxn modelId="{D8C3E9E7-2730-4589-A30F-440CAC13484F}" type="presParOf" srcId="{F73FD21D-96F6-4FF1-B26D-0B9E81BEE568}" destId="{F31673C7-B89B-465D-94D1-43F9B2036857}" srcOrd="2" destOrd="0" presId="urn:microsoft.com/office/officeart/2018/2/layout/IconVerticalSolidList"/>
-    <dgm:cxn modelId="{4D7CF895-DC86-4ADE-847E-C918FECD3D38}" type="presParOf" srcId="{F73FD21D-96F6-4FF1-B26D-0B9E81BEE568}" destId="{4546ECA5-DBB9-4FB8-8C7E-3584444CCFC1}" srcOrd="3" destOrd="0" presId="urn:microsoft.com/office/officeart/2018/2/layout/IconVerticalSolidList"/>
-    <dgm:cxn modelId="{9C89A159-EF37-4C81-A494-A2B2AF78D176}" type="presParOf" srcId="{40C25D82-A0B8-4785-B5CC-EA6880BA1B78}" destId="{B466C973-C201-4E0B-A7C5-B37DDCF5E69D}" srcOrd="1" destOrd="0" presId="urn:microsoft.com/office/officeart/2018/2/layout/IconVerticalSolidList"/>
-    <dgm:cxn modelId="{94257304-13FC-478E-924A-8A41CF97344C}" type="presParOf" srcId="{40C25D82-A0B8-4785-B5CC-EA6880BA1B78}" destId="{5A220657-EA87-4CCC-B0AF-A3B60D008A29}" srcOrd="2" destOrd="0" presId="urn:microsoft.com/office/officeart/2018/2/layout/IconVerticalSolidList"/>
-    <dgm:cxn modelId="{C1B985C9-DC45-4E43-8875-CEA71BD19299}" type="presParOf" srcId="{5A220657-EA87-4CCC-B0AF-A3B60D008A29}" destId="{A5A3BB26-15D7-490B-9AB5-35D75F01D92D}" srcOrd="0" destOrd="0" presId="urn:microsoft.com/office/officeart/2018/2/layout/IconVerticalSolidList"/>
-    <dgm:cxn modelId="{04D60EED-A69C-4076-9103-B7741A09340D}" type="presParOf" srcId="{5A220657-EA87-4CCC-B0AF-A3B60D008A29}" destId="{BEFFDA60-EE91-4B95-B4BC-B885BC8048CE}" srcOrd="1" destOrd="0" presId="urn:microsoft.com/office/officeart/2018/2/layout/IconVerticalSolidList"/>
-    <dgm:cxn modelId="{4C4611C8-9CA7-4FB3-968C-0007A461C93E}" type="presParOf" srcId="{5A220657-EA87-4CCC-B0AF-A3B60D008A29}" destId="{7919FB7C-F41A-40F3-BE69-4311FD9F7917}" srcOrd="2" destOrd="0" presId="urn:microsoft.com/office/officeart/2018/2/layout/IconVerticalSolidList"/>
-    <dgm:cxn modelId="{EDE4DE55-0754-4F6B-8C17-C7108B1DAC24}" type="presParOf" srcId="{5A220657-EA87-4CCC-B0AF-A3B60D008A29}" destId="{30D004BA-6DAC-4B91-BEED-7475CDF0FB21}" srcOrd="3" destOrd="0" presId="urn:microsoft.com/office/officeart/2018/2/layout/IconVerticalSolidList"/>
-    <dgm:cxn modelId="{A2544B1E-1EDE-41B7-9AF2-CF2805A3394D}" type="presParOf" srcId="{5A220657-EA87-4CCC-B0AF-A3B60D008A29}" destId="{4E05AA96-AED9-4A59-AB00-FD8113BC5917}" srcOrd="4" destOrd="0" presId="urn:microsoft.com/office/officeart/2018/2/layout/IconVerticalSolidList"/>
-    <dgm:cxn modelId="{FA3EE48A-0FCC-4EEF-B454-AA6DBE4816AF}" type="presParOf" srcId="{40C25D82-A0B8-4785-B5CC-EA6880BA1B78}" destId="{A9909610-8AB1-4757-9531-DD5AD4823E89}" srcOrd="3" destOrd="0" presId="urn:microsoft.com/office/officeart/2018/2/layout/IconVerticalSolidList"/>
-    <dgm:cxn modelId="{12617F92-0914-4023-8B6D-750FB25FA600}" type="presParOf" srcId="{40C25D82-A0B8-4785-B5CC-EA6880BA1B78}" destId="{543F0ED2-BB81-4A43-8594-A3B493C3D360}" srcOrd="4" destOrd="0" presId="urn:microsoft.com/office/officeart/2018/2/layout/IconVerticalSolidList"/>
-    <dgm:cxn modelId="{CC63CB77-2946-41B3-9629-A11E3F150452}" type="presParOf" srcId="{543F0ED2-BB81-4A43-8594-A3B493C3D360}" destId="{C1C46E30-F96B-4A29-BBB1-6873AF1A20A2}" srcOrd="0" destOrd="0" presId="urn:microsoft.com/office/officeart/2018/2/layout/IconVerticalSolidList"/>
-    <dgm:cxn modelId="{8EA6DD4C-2F23-4F04-9A6B-5687B5FEF9EA}" type="presParOf" srcId="{543F0ED2-BB81-4A43-8594-A3B493C3D360}" destId="{5FE249CC-A6A5-42EF-9967-800737146C9E}" srcOrd="1" destOrd="0" presId="urn:microsoft.com/office/officeart/2018/2/layout/IconVerticalSolidList"/>
-    <dgm:cxn modelId="{217129E6-B2C3-45FC-977C-3520C27394D9}" type="presParOf" srcId="{543F0ED2-BB81-4A43-8594-A3B493C3D360}" destId="{614DC0B3-06FB-4F03-9981-6433CA893B93}" srcOrd="2" destOrd="0" presId="urn:microsoft.com/office/officeart/2018/2/layout/IconVerticalSolidList"/>
-    <dgm:cxn modelId="{829D37D5-5903-4D3D-88FE-125C7EE24BB3}" type="presParOf" srcId="{543F0ED2-BB81-4A43-8594-A3B493C3D360}" destId="{5AF7FA42-D027-44E4-B602-02EC506A4261}" srcOrd="3" destOrd="0" presId="urn:microsoft.com/office/officeart/2018/2/layout/IconVerticalSolidList"/>
-    <dgm:cxn modelId="{56684071-21AF-4AD7-B545-B423E295A83B}" type="presParOf" srcId="{543F0ED2-BB81-4A43-8594-A3B493C3D360}" destId="{217C1CDC-D79D-40F4-B8D0-8C4BFDE8B744}" srcOrd="4" destOrd="0" presId="urn:microsoft.com/office/officeart/2018/2/layout/IconVerticalSolidList"/>
+    <dgm:cxn modelId="{D65A2F6D-4F7A-40F7-A0F6-C35C75D8BA84}" type="presParOf" srcId="{F10E3BAF-DCF9-4065-820C-9A9303C260BF}" destId="{8F75A1A3-9F19-4055-849C-41BDDC09AF37}" srcOrd="0" destOrd="0" presId="urn:microsoft.com/office/officeart/2005/8/layout/vList2"/>
+    <dgm:cxn modelId="{F2B89EE9-79C3-49EA-9030-5A14348D459C}" type="presParOf" srcId="{F10E3BAF-DCF9-4065-820C-9A9303C260BF}" destId="{6FA68ED4-C01A-4921-AC05-CB1A0F6780EC}" srcOrd="1" destOrd="0" presId="urn:microsoft.com/office/officeart/2005/8/layout/vList2"/>
+    <dgm:cxn modelId="{3869D706-E155-414E-9764-1C1B5C78EB34}" type="presParOf" srcId="{F10E3BAF-DCF9-4065-820C-9A9303C260BF}" destId="{97F4F149-D561-455E-9AE5-BF253163C384}" srcOrd="2" destOrd="0" presId="urn:microsoft.com/office/officeart/2005/8/layout/vList2"/>
+    <dgm:cxn modelId="{0A47B126-6327-4929-BF6A-44705687B927}" type="presParOf" srcId="{F10E3BAF-DCF9-4065-820C-9A9303C260BF}" destId="{D1C6D700-771C-4F8D-B5F0-3F54B13603E2}" srcOrd="3" destOrd="0" presId="urn:microsoft.com/office/officeart/2005/8/layout/vList2"/>
+    <dgm:cxn modelId="{BD089DBD-261A-46A1-93BF-BBC655710D36}" type="presParOf" srcId="{F10E3BAF-DCF9-4065-820C-9A9303C260BF}" destId="{8ED4865B-A928-4763-A85B-AC7D9CF9555A}" srcOrd="4" destOrd="0" presId="urn:microsoft.com/office/officeart/2005/8/layout/vList2"/>
+    <dgm:cxn modelId="{E0A678E2-670C-466A-B840-6AB0FCE0B419}" type="presParOf" srcId="{F10E3BAF-DCF9-4065-820C-9A9303C260BF}" destId="{94BF3EF0-79D5-4338-A343-99722CBB28BF}" srcOrd="5" destOrd="0" presId="urn:microsoft.com/office/officeart/2005/8/layout/vList2"/>
   </dgm:cxnLst>
   <dgm:bg/>
   <dgm:whole/>
@@ -10444,9 +10582,46 @@
             <a:buNone/>
           </a:pPr>
           <a:r>
-            <a:rPr lang="en-US" sz="2900" kern="1200"/>
-            <a:t>- Phân loại theo mức độ</a:t>
+            <a:rPr lang="en-US" sz="2900" kern="1200" dirty="0"/>
+            <a:t>- </a:t>
           </a:r>
+          <a:r>
+            <a:rPr lang="en-US" sz="2900" kern="1200" dirty="0" err="1"/>
+            <a:t>Phân</a:t>
+          </a:r>
+          <a:r>
+            <a:rPr lang="en-US" sz="2900" kern="1200" dirty="0"/>
+            <a:t> </a:t>
+          </a:r>
+          <a:r>
+            <a:rPr lang="en-US" sz="2900" kern="1200" dirty="0" err="1"/>
+            <a:t>loại</a:t>
+          </a:r>
+          <a:r>
+            <a:rPr lang="en-US" sz="2900" kern="1200" dirty="0"/>
+            <a:t> </a:t>
+          </a:r>
+          <a:r>
+            <a:rPr lang="en-US" sz="2900" kern="1200" dirty="0" err="1"/>
+            <a:t>theo</a:t>
+          </a:r>
+          <a:r>
+            <a:rPr lang="en-US" sz="2900" kern="1200" dirty="0"/>
+            <a:t> </a:t>
+          </a:r>
+          <a:r>
+            <a:rPr lang="en-US" sz="2900" kern="1200" dirty="0" err="1"/>
+            <a:t>mức</a:t>
+          </a:r>
+          <a:r>
+            <a:rPr lang="en-US" sz="2900" kern="1200" dirty="0"/>
+            <a:t> </a:t>
+          </a:r>
+          <a:r>
+            <a:rPr lang="en-US" sz="2900" kern="1200" dirty="0" err="1"/>
+            <a:t>độ</a:t>
+          </a:r>
+          <a:endParaRPr lang="en-US" sz="2900" kern="1200" dirty="0"/>
         </a:p>
       </dsp:txBody>
       <dsp:txXfrm>
@@ -11933,77 +12108,36 @@
       <dsp:cNvGrpSpPr/>
     </dsp:nvGrpSpPr>
     <dsp:grpSpPr/>
-    <dsp:sp modelId="{8E7D9A94-6772-4465-B017-518486919741}">
+    <dsp:sp modelId="{8F75A1A3-9F19-4055-849C-41BDDC09AF37}">
       <dsp:nvSpPr>
         <dsp:cNvPr id="0" name=""/>
         <dsp:cNvSpPr/>
       </dsp:nvSpPr>
       <dsp:spPr>
         <a:xfrm>
-          <a:off x="-1909" y="5736"/>
-          <a:ext cx="10900477" cy="1030790"/>
+          <a:off x="0" y="8282"/>
+          <a:ext cx="6797675" cy="1074060"/>
         </a:xfrm>
         <a:prstGeom prst="roundRect">
-          <a:avLst>
-            <a:gd name="adj" fmla="val 10000"/>
-          </a:avLst>
+          <a:avLst/>
         </a:prstGeom>
         <a:solidFill>
-          <a:schemeClr val="accent2">
+          <a:schemeClr val="accent5">
             <a:hueOff val="0"/>
             <a:satOff val="0"/>
             <a:lumOff val="0"/>
             <a:alphaOff val="0"/>
           </a:schemeClr>
         </a:solidFill>
-        <a:ln>
-          <a:noFill/>
-        </a:ln>
-        <a:effectLst/>
-      </dsp:spPr>
-      <dsp:style>
-        <a:lnRef idx="0">
-          <a:scrgbClr r="0" g="0" b="0"/>
-        </a:lnRef>
-        <a:fillRef idx="1">
-          <a:scrgbClr r="0" g="0" b="0"/>
-        </a:fillRef>
-        <a:effectRef idx="0">
-          <a:scrgbClr r="0" g="0" b="0"/>
-        </a:effectRef>
-        <a:fontRef idx="minor"/>
-      </dsp:style>
-    </dsp:sp>
-    <dsp:sp modelId="{F4D6D67C-5B4F-4E25-803D-48E553E67543}">
-      <dsp:nvSpPr>
-        <dsp:cNvPr id="0" name=""/>
-        <dsp:cNvSpPr/>
-      </dsp:nvSpPr>
-      <dsp:spPr>
-        <a:xfrm>
-          <a:off x="309905" y="237664"/>
-          <a:ext cx="566934" cy="566934"/>
-        </a:xfrm>
-        <a:prstGeom prst="rect">
-          <a:avLst/>
-        </a:prstGeom>
-        <a:blipFill>
-          <a:blip xmlns:r="http://schemas.openxmlformats.org/officeDocument/2006/relationships" r:embed="rId1">
-            <a:extLst>
-              <a:ext uri="{28A0092B-C50C-407E-A947-70E740481C1C}">
-                <a14:useLocalDpi xmlns:a14="http://schemas.microsoft.com/office/drawing/2010/main" val="0"/>
-              </a:ext>
-              <a:ext uri="{96DAC541-7B7A-43D3-8B79-37D633B846F1}">
-                <asvg:svgBlip xmlns:asvg="http://schemas.microsoft.com/office/drawing/2016/SVG/main" r:embed="rId2"/>
-              </a:ext>
-            </a:extLst>
-          </a:blip>
-          <a:stretch>
-            <a:fillRect/>
-          </a:stretch>
-        </a:blipFill>
         <a:ln w="15875" cap="flat" cmpd="sng" algn="ctr">
-          <a:noFill/>
+          <a:solidFill>
+            <a:schemeClr val="lt1">
+              <a:hueOff val="0"/>
+              <a:satOff val="0"/>
+              <a:lumOff val="0"/>
+              <a:alphaOff val="0"/>
+            </a:schemeClr>
+          </a:solidFill>
           <a:prstDash val="solid"/>
         </a:ln>
         <a:effectLst/>
@@ -12022,16 +12156,121 @@
           <a:schemeClr val="lt1"/>
         </a:fontRef>
       </dsp:style>
+      <dsp:txBody>
+        <a:bodyPr spcFirstLastPara="0" vert="horz" wrap="square" lIns="102870" tIns="102870" rIns="102870" bIns="102870" numCol="1" spcCol="1270" anchor="ctr" anchorCtr="0">
+          <a:noAutofit/>
+        </a:bodyPr>
+        <a:lstStyle/>
+        <a:p>
+          <a:pPr marL="0" lvl="0" indent="0" algn="l" defTabSz="1200150">
+            <a:lnSpc>
+              <a:spcPct val="90000"/>
+            </a:lnSpc>
+            <a:spcBef>
+              <a:spcPct val="0"/>
+            </a:spcBef>
+            <a:spcAft>
+              <a:spcPct val="35000"/>
+            </a:spcAft>
+            <a:buNone/>
+          </a:pPr>
+          <a:r>
+            <a:rPr lang="en-US" sz="2700" kern="1200"/>
+            <a:t>Chúng ta tập trung vào tạo bộ test để kiểm tra tính đúng và hiệu năng của chương trình:</a:t>
+          </a:r>
+        </a:p>
+      </dsp:txBody>
+      <dsp:txXfrm>
+        <a:off x="52431" y="60713"/>
+        <a:ext cx="6692813" cy="969198"/>
+      </dsp:txXfrm>
     </dsp:sp>
-    <dsp:sp modelId="{4546ECA5-DBB9-4FB8-8C7E-3584444CCFC1}">
+    <dsp:sp modelId="{97F4F149-D561-455E-9AE5-BF253163C384}">
       <dsp:nvSpPr>
         <dsp:cNvPr id="0" name=""/>
         <dsp:cNvSpPr/>
       </dsp:nvSpPr>
       <dsp:spPr>
         <a:xfrm>
-          <a:off x="1188654" y="5736"/>
-          <a:ext cx="9707584" cy="1030790"/>
+          <a:off x="0" y="1160102"/>
+          <a:ext cx="6797675" cy="1074060"/>
+        </a:xfrm>
+        <a:prstGeom prst="roundRect">
+          <a:avLst/>
+        </a:prstGeom>
+        <a:solidFill>
+          <a:schemeClr val="accent5">
+            <a:hueOff val="1063560"/>
+            <a:satOff val="-11946"/>
+            <a:lumOff val="-2549"/>
+            <a:alphaOff val="0"/>
+          </a:schemeClr>
+        </a:solidFill>
+        <a:ln w="15875" cap="flat" cmpd="sng" algn="ctr">
+          <a:solidFill>
+            <a:schemeClr val="lt1">
+              <a:hueOff val="0"/>
+              <a:satOff val="0"/>
+              <a:lumOff val="0"/>
+              <a:alphaOff val="0"/>
+            </a:schemeClr>
+          </a:solidFill>
+          <a:prstDash val="solid"/>
+        </a:ln>
+        <a:effectLst/>
+      </dsp:spPr>
+      <dsp:style>
+        <a:lnRef idx="2">
+          <a:scrgbClr r="0" g="0" b="0"/>
+        </a:lnRef>
+        <a:fillRef idx="1">
+          <a:scrgbClr r="0" g="0" b="0"/>
+        </a:fillRef>
+        <a:effectRef idx="0">
+          <a:scrgbClr r="0" g="0" b="0"/>
+        </a:effectRef>
+        <a:fontRef idx="minor">
+          <a:schemeClr val="lt1"/>
+        </a:fontRef>
+      </dsp:style>
+      <dsp:txBody>
+        <a:bodyPr spcFirstLastPara="0" vert="horz" wrap="square" lIns="102870" tIns="102870" rIns="102870" bIns="102870" numCol="1" spcCol="1270" anchor="ctr" anchorCtr="0">
+          <a:noAutofit/>
+        </a:bodyPr>
+        <a:lstStyle/>
+        <a:p>
+          <a:pPr marL="0" lvl="0" indent="0" algn="l" defTabSz="1200150">
+            <a:lnSpc>
+              <a:spcPct val="90000"/>
+            </a:lnSpc>
+            <a:spcBef>
+              <a:spcPct val="0"/>
+            </a:spcBef>
+            <a:spcAft>
+              <a:spcPct val="35000"/>
+            </a:spcAft>
+            <a:buNone/>
+          </a:pPr>
+          <a:r>
+            <a:rPr lang="en-US" sz="2700" kern="1200"/>
+            <a:t>- Kiểm tra tính đúng:</a:t>
+          </a:r>
+        </a:p>
+      </dsp:txBody>
+      <dsp:txXfrm>
+        <a:off x="52431" y="1212533"/>
+        <a:ext cx="6692813" cy="969198"/>
+      </dsp:txXfrm>
+    </dsp:sp>
+    <dsp:sp modelId="{D1C6D700-771C-4F8D-B5F0-3F54B13603E2}">
+      <dsp:nvSpPr>
+        <dsp:cNvPr id="0" name=""/>
+        <dsp:cNvSpPr/>
+      </dsp:nvSpPr>
+      <dsp:spPr>
+        <a:xfrm>
+          <a:off x="0" y="2234162"/>
+          <a:ext cx="6797675" cy="1620809"/>
         </a:xfrm>
         <a:prstGeom prst="rect">
           <a:avLst/>
@@ -12055,12 +12294,12 @@
         <a:fontRef idx="minor"/>
       </dsp:style>
       <dsp:txBody>
-        <a:bodyPr spcFirstLastPara="0" vert="horz" wrap="square" lIns="109092" tIns="109092" rIns="109092" bIns="109092" numCol="1" spcCol="1270" anchor="ctr" anchorCtr="0">
+        <a:bodyPr spcFirstLastPara="0" vert="horz" wrap="square" lIns="215826" tIns="34290" rIns="192024" bIns="34290" numCol="1" spcCol="1270" anchor="t" anchorCtr="0">
           <a:noAutofit/>
         </a:bodyPr>
         <a:lstStyle/>
         <a:p>
-          <a:pPr marL="0" lvl="0" indent="0" algn="l" defTabSz="1111250">
+          <a:pPr marL="228600" lvl="1" indent="-228600" algn="l" defTabSz="933450">
             <a:lnSpc>
               <a:spcPct val="90000"/>
             </a:lnSpc>
@@ -12068,92 +12307,389 @@
               <a:spcPct val="0"/>
             </a:spcBef>
             <a:spcAft>
-              <a:spcPct val="35000"/>
+              <a:spcPct val="20000"/>
             </a:spcAft>
-            <a:buNone/>
+            <a:buChar char="•"/>
           </a:pPr>
           <a:r>
-            <a:rPr lang="en-US" sz="2500" kern="1200"/>
-            <a:t>Chúng ta tập trung vào tạo bộ test để kiểm tra tính đúng và hiệu năng của chương trình:</a:t>
+            <a:rPr lang="en-US" sz="2100" kern="1200" dirty="0" err="1"/>
+            <a:t>Xem</a:t>
+          </a:r>
+          <a:r>
+            <a:rPr lang="en-US" sz="2100" kern="1200" dirty="0"/>
+            <a:t> </a:t>
+          </a:r>
+          <a:r>
+            <a:rPr lang="en-US" sz="2100" kern="1200" dirty="0" err="1"/>
+            <a:t>có</a:t>
+          </a:r>
+          <a:r>
+            <a:rPr lang="en-US" sz="2100" kern="1200" dirty="0"/>
+            <a:t> bao </a:t>
+          </a:r>
+          <a:r>
+            <a:rPr lang="en-US" sz="2100" kern="1200" dirty="0" err="1"/>
+            <a:t>nhiêu</a:t>
+          </a:r>
+          <a:r>
+            <a:rPr lang="en-US" sz="2100" kern="1200" dirty="0"/>
+            <a:t> </a:t>
+          </a:r>
+          <a:r>
+            <a:rPr lang="en-US" sz="2100" kern="1200" dirty="0" err="1"/>
+            <a:t>tình</a:t>
+          </a:r>
+          <a:r>
+            <a:rPr lang="en-US" sz="2100" kern="1200" dirty="0"/>
+            <a:t> </a:t>
+          </a:r>
+          <a:r>
+            <a:rPr lang="en-US" sz="2100" kern="1200" dirty="0" err="1"/>
+            <a:t>huống</a:t>
+          </a:r>
+          <a:r>
+            <a:rPr lang="en-US" sz="2100" kern="1200" dirty="0"/>
+            <a:t> </a:t>
+          </a:r>
+          <a:r>
+            <a:rPr lang="en-US" sz="2100" kern="1200" dirty="0" err="1"/>
+            <a:t>có</a:t>
+          </a:r>
+          <a:r>
+            <a:rPr lang="en-US" sz="2100" kern="1200" dirty="0"/>
+            <a:t> </a:t>
+          </a:r>
+          <a:r>
+            <a:rPr lang="en-US" sz="2100" kern="1200" dirty="0" err="1"/>
+            <a:t>thể</a:t>
+          </a:r>
+          <a:r>
+            <a:rPr lang="en-US" sz="2100" kern="1200" dirty="0"/>
+            <a:t> </a:t>
+          </a:r>
+          <a:r>
+            <a:rPr lang="en-US" sz="2100" kern="1200" dirty="0" err="1"/>
+            <a:t>xảy</a:t>
+          </a:r>
+          <a:r>
+            <a:rPr lang="en-US" sz="2100" kern="1200" dirty="0"/>
+            <a:t> ra, </a:t>
+          </a:r>
+          <a:r>
+            <a:rPr lang="en-US" sz="2100" kern="1200" dirty="0" err="1"/>
+            <a:t>mỗi</a:t>
+          </a:r>
+          <a:r>
+            <a:rPr lang="en-US" sz="2100" kern="1200" dirty="0"/>
+            <a:t> </a:t>
+          </a:r>
+          <a:r>
+            <a:rPr lang="en-US" sz="2100" kern="1200" dirty="0" err="1"/>
+            <a:t>tình</a:t>
+          </a:r>
+          <a:r>
+            <a:rPr lang="en-US" sz="2100" kern="1200" dirty="0"/>
+            <a:t> </a:t>
+          </a:r>
+          <a:r>
+            <a:rPr lang="en-US" sz="2100" kern="1200" dirty="0" err="1"/>
+            <a:t>huống</a:t>
+          </a:r>
+          <a:r>
+            <a:rPr lang="en-US" sz="2100" kern="1200" dirty="0"/>
+            <a:t> </a:t>
+          </a:r>
+          <a:r>
+            <a:rPr lang="en-US" sz="2100" kern="1200" dirty="0" err="1"/>
+            <a:t>cho</a:t>
+          </a:r>
+          <a:r>
+            <a:rPr lang="en-US" sz="2100" kern="1200" dirty="0"/>
+            <a:t> </a:t>
+          </a:r>
+          <a:r>
+            <a:rPr lang="en-US" sz="2100" kern="1200" dirty="0" err="1"/>
+            <a:t>ít</a:t>
+          </a:r>
+          <a:r>
+            <a:rPr lang="en-US" sz="2100" kern="1200" dirty="0"/>
+            <a:t> </a:t>
+          </a:r>
+          <a:r>
+            <a:rPr lang="en-US" sz="2100" kern="1200" dirty="0" err="1"/>
+            <a:t>nhất</a:t>
+          </a:r>
+          <a:r>
+            <a:rPr lang="en-US" sz="2100" kern="1200" dirty="0"/>
+            <a:t> 1 test case(</a:t>
+          </a:r>
+          <a:r>
+            <a:rPr lang="en-US" sz="2100" kern="1200" dirty="0" err="1"/>
+            <a:t>một</a:t>
+          </a:r>
+          <a:r>
+            <a:rPr lang="en-US" sz="2100" kern="1200" dirty="0"/>
+            <a:t> </a:t>
+          </a:r>
+          <a:r>
+            <a:rPr lang="en-US" sz="2100" kern="1200" dirty="0" err="1"/>
+            <a:t>số</a:t>
+          </a:r>
+          <a:r>
+            <a:rPr lang="en-US" sz="2100" kern="1200" dirty="0"/>
+            <a:t> </a:t>
+          </a:r>
+          <a:r>
+            <a:rPr lang="en-US" sz="2100" kern="1200" dirty="0" err="1"/>
+            <a:t>trường</a:t>
+          </a:r>
+          <a:r>
+            <a:rPr lang="en-US" sz="2100" kern="1200" dirty="0"/>
+            <a:t> </a:t>
+          </a:r>
+          <a:r>
+            <a:rPr lang="en-US" sz="2100" kern="1200" dirty="0" err="1"/>
+            <a:t>hợp</a:t>
+          </a:r>
+          <a:r>
+            <a:rPr lang="en-US" sz="2100" kern="1200" dirty="0"/>
+            <a:t> </a:t>
+          </a:r>
+          <a:r>
+            <a:rPr lang="en-US" sz="2100" kern="1200" dirty="0" err="1"/>
+            <a:t>cần</a:t>
+          </a:r>
+          <a:r>
+            <a:rPr lang="en-US" sz="2100" kern="1200" dirty="0"/>
+            <a:t> </a:t>
+          </a:r>
+          <a:r>
+            <a:rPr lang="en-US" sz="2100" kern="1200" dirty="0" err="1"/>
+            <a:t>lưu</a:t>
+          </a:r>
+          <a:r>
+            <a:rPr lang="en-US" sz="2100" kern="1200" dirty="0"/>
+            <a:t> ý: </a:t>
+          </a:r>
+          <a:r>
+            <a:rPr lang="en-US" sz="2100" kern="1200" dirty="0" err="1"/>
+            <a:t>các</a:t>
+          </a:r>
+          <a:r>
+            <a:rPr lang="en-US" sz="2100" kern="1200" dirty="0"/>
+            <a:t> </a:t>
+          </a:r>
+          <a:r>
+            <a:rPr lang="en-US" sz="2100" kern="1200" dirty="0" err="1"/>
+            <a:t>biên</a:t>
+          </a:r>
+          <a:r>
+            <a:rPr lang="en-US" sz="2100" kern="1200" dirty="0"/>
+            <a:t>, </a:t>
+          </a:r>
+          <a:r>
+            <a:rPr lang="en-US" sz="2100" kern="1200" dirty="0" err="1"/>
+            <a:t>trường</a:t>
+          </a:r>
+          <a:r>
+            <a:rPr lang="en-US" sz="2100" kern="1200" dirty="0"/>
+            <a:t> </a:t>
+          </a:r>
+          <a:r>
+            <a:rPr lang="en-US" sz="2100" kern="1200" dirty="0" err="1"/>
+            <a:t>hợp</a:t>
+          </a:r>
+          <a:r>
+            <a:rPr lang="en-US" sz="2100" kern="1200" dirty="0"/>
+            <a:t> </a:t>
+          </a:r>
+          <a:r>
+            <a:rPr lang="en-US" sz="2100" kern="1200" dirty="0" err="1"/>
+            <a:t>phổ</a:t>
+          </a:r>
+          <a:r>
+            <a:rPr lang="en-US" sz="2100" kern="1200" dirty="0"/>
+            <a:t> </a:t>
+          </a:r>
+          <a:r>
+            <a:rPr lang="en-US" sz="2100" kern="1200" dirty="0" err="1"/>
+            <a:t>quát</a:t>
+          </a:r>
+          <a:r>
+            <a:rPr lang="en-US" sz="2100" kern="1200" dirty="0"/>
+            <a:t>, </a:t>
+          </a:r>
+          <a:r>
+            <a:rPr lang="en-US" sz="2100" kern="1200" dirty="0" err="1"/>
+            <a:t>các</a:t>
+          </a:r>
+          <a:r>
+            <a:rPr lang="en-US" sz="2100" kern="1200" dirty="0"/>
+            <a:t> </a:t>
+          </a:r>
+          <a:r>
+            <a:rPr lang="en-US" sz="2100" kern="1200" dirty="0" err="1"/>
+            <a:t>trường</a:t>
+          </a:r>
+          <a:r>
+            <a:rPr lang="en-US" sz="2100" kern="1200" dirty="0"/>
+            <a:t> </a:t>
+          </a:r>
+          <a:r>
+            <a:rPr lang="en-US" sz="2100" kern="1200" dirty="0" err="1"/>
+            <a:t>hợp</a:t>
+          </a:r>
+          <a:r>
+            <a:rPr lang="en-US" sz="2100" kern="1200" dirty="0"/>
+            <a:t> </a:t>
+          </a:r>
+          <a:r>
+            <a:rPr lang="en-US" sz="2100" kern="1200" dirty="0" err="1"/>
+            <a:t>đặc</a:t>
+          </a:r>
+          <a:r>
+            <a:rPr lang="en-US" sz="2100" kern="1200" dirty="0"/>
+            <a:t> </a:t>
+          </a:r>
+          <a:r>
+            <a:rPr lang="en-US" sz="2100" kern="1200" dirty="0" err="1"/>
+            <a:t>biệt</a:t>
+          </a:r>
+          <a:r>
+            <a:rPr lang="en-US" sz="2100" kern="1200" dirty="0"/>
+            <a:t>)</a:t>
+          </a:r>
+        </a:p>
+        <a:p>
+          <a:pPr marL="228600" lvl="1" indent="-228600" algn="l" defTabSz="933450">
+            <a:lnSpc>
+              <a:spcPct val="90000"/>
+            </a:lnSpc>
+            <a:spcBef>
+              <a:spcPct val="0"/>
+            </a:spcBef>
+            <a:spcAft>
+              <a:spcPct val="20000"/>
+            </a:spcAft>
+            <a:buChar char="•"/>
+          </a:pPr>
+          <a:r>
+            <a:rPr lang="en-US" sz="2100" kern="1200" dirty="0" err="1"/>
+            <a:t>Sử</a:t>
+          </a:r>
+          <a:r>
+            <a:rPr lang="en-US" sz="2100" kern="1200" dirty="0"/>
+            <a:t> </a:t>
+          </a:r>
+          <a:r>
+            <a:rPr lang="en-US" sz="2100" kern="1200" dirty="0" err="1"/>
+            <a:t>dụng</a:t>
+          </a:r>
+          <a:r>
+            <a:rPr lang="en-US" sz="2100" kern="1200" dirty="0"/>
+            <a:t> </a:t>
+          </a:r>
+          <a:r>
+            <a:rPr lang="en-US" sz="2100" kern="1200" dirty="0" err="1"/>
+            <a:t>bất</a:t>
+          </a:r>
+          <a:r>
+            <a:rPr lang="en-US" sz="2100" kern="1200" dirty="0"/>
+            <a:t> </a:t>
+          </a:r>
+          <a:r>
+            <a:rPr lang="en-US" sz="2100" kern="1200" dirty="0" err="1"/>
+            <a:t>kì</a:t>
+          </a:r>
+          <a:r>
+            <a:rPr lang="en-US" sz="2100" kern="1200" dirty="0"/>
+            <a:t> </a:t>
+          </a:r>
+          <a:r>
+            <a:rPr lang="en-US" sz="2100" kern="1200" dirty="0" err="1"/>
+            <a:t>ngôn</a:t>
+          </a:r>
+          <a:r>
+            <a:rPr lang="en-US" sz="2100" kern="1200" dirty="0"/>
+            <a:t> </a:t>
+          </a:r>
+          <a:r>
+            <a:rPr lang="en-US" sz="2100" kern="1200" dirty="0" err="1"/>
+            <a:t>ngữ</a:t>
+          </a:r>
+          <a:r>
+            <a:rPr lang="en-US" sz="2100" kern="1200" dirty="0"/>
+            <a:t> </a:t>
+          </a:r>
+          <a:r>
+            <a:rPr lang="en-US" sz="2100" kern="1200" dirty="0" err="1"/>
+            <a:t>nào</a:t>
+          </a:r>
+          <a:r>
+            <a:rPr lang="en-US" sz="2100" kern="1200" dirty="0"/>
+            <a:t> </a:t>
+          </a:r>
+          <a:r>
+            <a:rPr lang="en-US" sz="2100" kern="1200" dirty="0" err="1"/>
+            <a:t>để</a:t>
+          </a:r>
+          <a:r>
+            <a:rPr lang="en-US" sz="2100" kern="1200" dirty="0"/>
+            <a:t> </a:t>
+          </a:r>
+          <a:r>
+            <a:rPr lang="en-US" sz="2100" kern="1200" dirty="0" err="1"/>
+            <a:t>tạo</a:t>
+          </a:r>
+          <a:r>
+            <a:rPr lang="en-US" sz="2100" kern="1200" dirty="0"/>
+            <a:t> ra </a:t>
+          </a:r>
+          <a:r>
+            <a:rPr lang="en-US" sz="2100" kern="1200" dirty="0" err="1"/>
+            <a:t>các</a:t>
+          </a:r>
+          <a:r>
+            <a:rPr lang="en-US" sz="2100" kern="1200" dirty="0"/>
+            <a:t> test case.</a:t>
           </a:r>
         </a:p>
       </dsp:txBody>
       <dsp:txXfrm>
-        <a:off x="1188654" y="5736"/>
-        <a:ext cx="9707584" cy="1030790"/>
+        <a:off x="0" y="2234162"/>
+        <a:ext cx="6797675" cy="1620809"/>
       </dsp:txXfrm>
     </dsp:sp>
-    <dsp:sp modelId="{A5A3BB26-15D7-490B-9AB5-35D75F01D92D}">
+    <dsp:sp modelId="{8ED4865B-A928-4763-A85B-AC7D9CF9555A}">
       <dsp:nvSpPr>
         <dsp:cNvPr id="0" name=""/>
         <dsp:cNvSpPr/>
       </dsp:nvSpPr>
       <dsp:spPr>
         <a:xfrm>
-          <a:off x="-1909" y="1294225"/>
-          <a:ext cx="10900477" cy="1030790"/>
+          <a:off x="0" y="3854972"/>
+          <a:ext cx="6797675" cy="1074060"/>
         </a:xfrm>
         <a:prstGeom prst="roundRect">
-          <a:avLst>
-            <a:gd name="adj" fmla="val 10000"/>
-          </a:avLst>
+          <a:avLst/>
         </a:prstGeom>
         <a:solidFill>
-          <a:schemeClr val="accent2">
-            <a:hueOff val="19519"/>
-            <a:satOff val="-13438"/>
-            <a:lumOff val="-3431"/>
+          <a:schemeClr val="accent5">
+            <a:hueOff val="2127120"/>
+            <a:satOff val="-23891"/>
+            <a:lumOff val="-5098"/>
             <a:alphaOff val="0"/>
           </a:schemeClr>
         </a:solidFill>
-        <a:ln>
-          <a:noFill/>
-        </a:ln>
-        <a:effectLst/>
-      </dsp:spPr>
-      <dsp:style>
-        <a:lnRef idx="0">
-          <a:scrgbClr r="0" g="0" b="0"/>
-        </a:lnRef>
-        <a:fillRef idx="1">
-          <a:scrgbClr r="0" g="0" b="0"/>
-        </a:fillRef>
-        <a:effectRef idx="0">
-          <a:scrgbClr r="0" g="0" b="0"/>
-        </a:effectRef>
-        <a:fontRef idx="minor"/>
-      </dsp:style>
-    </dsp:sp>
-    <dsp:sp modelId="{BEFFDA60-EE91-4B95-B4BC-B885BC8048CE}">
-      <dsp:nvSpPr>
-        <dsp:cNvPr id="0" name=""/>
-        <dsp:cNvSpPr/>
-      </dsp:nvSpPr>
-      <dsp:spPr>
-        <a:xfrm>
-          <a:off x="309905" y="1526153"/>
-          <a:ext cx="566934" cy="566934"/>
-        </a:xfrm>
-        <a:prstGeom prst="rect">
-          <a:avLst/>
-        </a:prstGeom>
-        <a:blipFill>
-          <a:blip xmlns:r="http://schemas.openxmlformats.org/officeDocument/2006/relationships" r:embed="rId3">
-            <a:extLst>
-              <a:ext uri="{28A0092B-C50C-407E-A947-70E740481C1C}">
-                <a14:useLocalDpi xmlns:a14="http://schemas.microsoft.com/office/drawing/2010/main" val="0"/>
-              </a:ext>
-              <a:ext uri="{96DAC541-7B7A-43D3-8B79-37D633B846F1}">
-                <asvg:svgBlip xmlns:asvg="http://schemas.microsoft.com/office/drawing/2016/SVG/main" r:embed="rId4"/>
-              </a:ext>
-            </a:extLst>
-          </a:blip>
-          <a:stretch>
-            <a:fillRect/>
-          </a:stretch>
-        </a:blipFill>
         <a:ln w="15875" cap="flat" cmpd="sng" algn="ctr">
-          <a:noFill/>
+          <a:solidFill>
+            <a:schemeClr val="lt1">
+              <a:hueOff val="0"/>
+              <a:satOff val="0"/>
+              <a:lumOff val="0"/>
+              <a:alphaOff val="0"/>
+            </a:schemeClr>
+          </a:solidFill>
           <a:prstDash val="solid"/>
         </a:ln>
         <a:effectLst/>
@@ -12172,16 +12708,44 @@
           <a:schemeClr val="lt1"/>
         </a:fontRef>
       </dsp:style>
+      <dsp:txBody>
+        <a:bodyPr spcFirstLastPara="0" vert="horz" wrap="square" lIns="102870" tIns="102870" rIns="102870" bIns="102870" numCol="1" spcCol="1270" anchor="ctr" anchorCtr="0">
+          <a:noAutofit/>
+        </a:bodyPr>
+        <a:lstStyle/>
+        <a:p>
+          <a:pPr marL="0" lvl="0" indent="0" algn="l" defTabSz="1200150">
+            <a:lnSpc>
+              <a:spcPct val="90000"/>
+            </a:lnSpc>
+            <a:spcBef>
+              <a:spcPct val="0"/>
+            </a:spcBef>
+            <a:spcAft>
+              <a:spcPct val="35000"/>
+            </a:spcAft>
+            <a:buNone/>
+          </a:pPr>
+          <a:r>
+            <a:rPr lang="en-US" sz="2700" kern="1200"/>
+            <a:t>- Kiểm tra hiệu năng:</a:t>
+          </a:r>
+        </a:p>
+      </dsp:txBody>
+      <dsp:txXfrm>
+        <a:off x="52431" y="3907403"/>
+        <a:ext cx="6692813" cy="969198"/>
+      </dsp:txXfrm>
     </dsp:sp>
-    <dsp:sp modelId="{30D004BA-6DAC-4B91-BEED-7475CDF0FB21}">
+    <dsp:sp modelId="{94BF3EF0-79D5-4338-A343-99722CBB28BF}">
       <dsp:nvSpPr>
         <dsp:cNvPr id="0" name=""/>
         <dsp:cNvSpPr/>
       </dsp:nvSpPr>
       <dsp:spPr>
         <a:xfrm>
-          <a:off x="1188654" y="1294225"/>
-          <a:ext cx="4905214" cy="1030790"/>
+          <a:off x="0" y="4929032"/>
+          <a:ext cx="6797675" cy="712597"/>
         </a:xfrm>
         <a:prstGeom prst="rect">
           <a:avLst/>
@@ -12205,12 +12769,12 @@
         <a:fontRef idx="minor"/>
       </dsp:style>
       <dsp:txBody>
-        <a:bodyPr spcFirstLastPara="0" vert="horz" wrap="square" lIns="109092" tIns="109092" rIns="109092" bIns="109092" numCol="1" spcCol="1270" anchor="ctr" anchorCtr="0">
+        <a:bodyPr spcFirstLastPara="0" vert="horz" wrap="square" lIns="215826" tIns="34290" rIns="192024" bIns="34290" numCol="1" spcCol="1270" anchor="t" anchorCtr="0">
           <a:noAutofit/>
         </a:bodyPr>
         <a:lstStyle/>
         <a:p>
-          <a:pPr marL="0" lvl="0" indent="0" algn="l" defTabSz="1111250">
+          <a:pPr marL="228600" lvl="1" indent="-228600" algn="l" defTabSz="933450">
             <a:lnSpc>
               <a:spcPct val="90000"/>
             </a:lnSpc>
@@ -12218,59 +12782,93 @@
               <a:spcPct val="0"/>
             </a:spcBef>
             <a:spcAft>
-              <a:spcPct val="35000"/>
+              <a:spcPct val="20000"/>
             </a:spcAft>
-            <a:buNone/>
+            <a:buChar char="•"/>
           </a:pPr>
           <a:r>
-            <a:rPr lang="en-US" sz="2500" kern="1200"/>
-            <a:t>- Kiểm tra tính đúng:</a:t>
+            <a:rPr lang="en-US" sz="2100" kern="1200" dirty="0" err="1"/>
+            <a:t>Nới</a:t>
+          </a:r>
+          <a:r>
+            <a:rPr lang="en-US" sz="2100" kern="1200" dirty="0"/>
+            <a:t> </a:t>
+          </a:r>
+          <a:r>
+            <a:rPr lang="en-US" sz="2100" kern="1200" dirty="0" err="1"/>
+            <a:t>rộng</a:t>
+          </a:r>
+          <a:r>
+            <a:rPr lang="en-US" sz="2100" kern="1200" dirty="0"/>
+            <a:t> </a:t>
+          </a:r>
+          <a:r>
+            <a:rPr lang="en-US" sz="2100" kern="1200" dirty="0" err="1"/>
+            <a:t>bộ</a:t>
+          </a:r>
+          <a:r>
+            <a:rPr lang="en-US" sz="2100" kern="1200" dirty="0"/>
+            <a:t> </a:t>
+          </a:r>
+          <a:r>
+            <a:rPr lang="en-US" sz="2100" kern="1200" dirty="0" err="1"/>
+            <a:t>dữ</a:t>
+          </a:r>
+          <a:r>
+            <a:rPr lang="en-US" sz="2100" kern="1200" dirty="0"/>
+            <a:t> </a:t>
+          </a:r>
+          <a:r>
+            <a:rPr lang="en-US" sz="2100" kern="1200" dirty="0" err="1"/>
+            <a:t>liệu</a:t>
+          </a:r>
+          <a:r>
+            <a:rPr lang="en-US" sz="2100" kern="1200" dirty="0"/>
+            <a:t>, </a:t>
+          </a:r>
+          <a:r>
+            <a:rPr lang="en-US" sz="2100" kern="1200" dirty="0" err="1"/>
+            <a:t>làm</a:t>
+          </a:r>
+          <a:r>
+            <a:rPr lang="en-US" sz="2100" kern="1200" dirty="0"/>
+            <a:t> </a:t>
+          </a:r>
+          <a:r>
+            <a:rPr lang="en-US" sz="2100" kern="1200" dirty="0" err="1"/>
+            <a:t>dữ</a:t>
+          </a:r>
+          <a:r>
+            <a:rPr lang="en-US" sz="2100" kern="1200" dirty="0"/>
+            <a:t> </a:t>
+          </a:r>
+          <a:r>
+            <a:rPr lang="en-US" sz="2100" kern="1200" dirty="0" err="1"/>
+            <a:t>liệu</a:t>
+          </a:r>
+          <a:r>
+            <a:rPr lang="en-US" sz="2100" kern="1200" dirty="0"/>
+            <a:t> </a:t>
+          </a:r>
+          <a:r>
+            <a:rPr lang="en-US" sz="2100" kern="1200" dirty="0" err="1"/>
+            <a:t>lớn</a:t>
+          </a:r>
+          <a:r>
+            <a:rPr lang="en-US" sz="2100" kern="1200" dirty="0"/>
+            <a:t> </a:t>
+          </a:r>
+          <a:r>
+            <a:rPr lang="en-US" sz="2100" kern="1200" dirty="0" err="1"/>
+            <a:t>dần</a:t>
+          </a:r>
+          <a:r>
+            <a:rPr lang="en-US" sz="2100" kern="1200" dirty="0"/>
+            <a:t>.</a:t>
           </a:r>
         </a:p>
-      </dsp:txBody>
-      <dsp:txXfrm>
-        <a:off x="1188654" y="1294225"/>
-        <a:ext cx="4905214" cy="1030790"/>
-      </dsp:txXfrm>
-    </dsp:sp>
-    <dsp:sp modelId="{4E05AA96-AED9-4A59-AB00-FD8113BC5917}">
-      <dsp:nvSpPr>
-        <dsp:cNvPr id="0" name=""/>
-        <dsp:cNvSpPr/>
-      </dsp:nvSpPr>
-      <dsp:spPr>
-        <a:xfrm>
-          <a:off x="6087721" y="1294225"/>
-          <a:ext cx="4814664" cy="1030790"/>
-        </a:xfrm>
-        <a:prstGeom prst="rect">
-          <a:avLst/>
-        </a:prstGeom>
-        <a:noFill/>
-        <a:ln>
-          <a:noFill/>
-        </a:ln>
-        <a:effectLst/>
-      </dsp:spPr>
-      <dsp:style>
-        <a:lnRef idx="0">
-          <a:scrgbClr r="0" g="0" b="0"/>
-        </a:lnRef>
-        <a:fillRef idx="0">
-          <a:scrgbClr r="0" g="0" b="0"/>
-        </a:fillRef>
-        <a:effectRef idx="0">
-          <a:scrgbClr r="0" g="0" b="0"/>
-        </a:effectRef>
-        <a:fontRef idx="minor"/>
-      </dsp:style>
-      <dsp:txBody>
-        <a:bodyPr spcFirstLastPara="0" vert="horz" wrap="square" lIns="109092" tIns="109092" rIns="109092" bIns="109092" numCol="1" spcCol="1270" anchor="ctr" anchorCtr="0">
-          <a:noAutofit/>
-        </a:bodyPr>
-        <a:lstStyle/>
         <a:p>
-          <a:pPr marL="0" lvl="0" indent="0" algn="l" defTabSz="577850">
+          <a:pPr marL="228600" lvl="1" indent="-228600" algn="l" defTabSz="933450">
             <a:lnSpc>
               <a:spcPct val="90000"/>
             </a:lnSpc>
@@ -12278,567 +12876,145 @@
               <a:spcPct val="0"/>
             </a:spcBef>
             <a:spcAft>
-              <a:spcPct val="35000"/>
+              <a:spcPct val="20000"/>
             </a:spcAft>
-            <a:buNone/>
+            <a:buChar char="•"/>
           </a:pPr>
           <a:r>
-            <a:rPr lang="en-US" sz="1300" kern="1200" dirty="0" err="1"/>
-            <a:t>Xem</a:t>
+            <a:rPr lang="en-US" sz="2100" kern="1200" dirty="0">
+              <a:latin typeface="Times New Roman" panose="02020603050405020304" pitchFamily="18" charset="0"/>
+              <a:cs typeface="Times New Roman" panose="02020603050405020304" pitchFamily="18" charset="0"/>
+            </a:rPr>
+            <a:t>Gi</a:t>
           </a:r>
           <a:r>
-            <a:rPr lang="en-US" sz="1300" kern="1200" dirty="0"/>
+            <a:rPr lang="vi-VN" sz="2100" kern="1200" dirty="0">
+              <a:latin typeface="Times New Roman" panose="02020603050405020304" pitchFamily="18" charset="0"/>
+              <a:cs typeface="Times New Roman" panose="02020603050405020304" pitchFamily="18" charset="0"/>
+            </a:rPr>
+            <a:t>ới</a:t>
+          </a:r>
+          <a:r>
+            <a:rPr lang="en-US" sz="2100" kern="1200" dirty="0">
+              <a:latin typeface="Times New Roman" panose="02020603050405020304" pitchFamily="18" charset="0"/>
+              <a:cs typeface="Times New Roman" panose="02020603050405020304" pitchFamily="18" charset="0"/>
+            </a:rPr>
+            <a:t> h</a:t>
+          </a:r>
+          <a:r>
+            <a:rPr lang="vi-VN" sz="2100" kern="1200" dirty="0">
+              <a:latin typeface="Times New Roman" panose="02020603050405020304" pitchFamily="18" charset="0"/>
+              <a:cs typeface="Times New Roman" panose="02020603050405020304" pitchFamily="18" charset="0"/>
+            </a:rPr>
+            <a:t>ạn</a:t>
+          </a:r>
+          <a:r>
+            <a:rPr lang="en-US" sz="2100" kern="1200" dirty="0">
+              <a:latin typeface="Times New Roman" panose="02020603050405020304" pitchFamily="18" charset="0"/>
+              <a:cs typeface="Times New Roman" panose="02020603050405020304" pitchFamily="18" charset="0"/>
+            </a:rPr>
+            <a:t> v</a:t>
+          </a:r>
+          <a:r>
+            <a:rPr lang="vi-VN" sz="2100" kern="1200" dirty="0">
+              <a:latin typeface="Times New Roman" panose="02020603050405020304" pitchFamily="18" charset="0"/>
+              <a:cs typeface="Times New Roman" panose="02020603050405020304" pitchFamily="18" charset="0"/>
+            </a:rPr>
+            <a:t>ề</a:t>
+          </a:r>
+          <a:r>
+            <a:rPr lang="en-US" sz="2100" kern="1200" dirty="0">
+              <a:latin typeface="Times New Roman" panose="02020603050405020304" pitchFamily="18" charset="0"/>
+              <a:cs typeface="Times New Roman" panose="02020603050405020304" pitchFamily="18" charset="0"/>
+            </a:rPr>
             <a:t> </a:t>
           </a:r>
           <a:r>
-            <a:rPr lang="en-US" sz="1300" kern="1200" dirty="0" err="1"/>
-            <a:t>có</a:t>
+            <a:rPr lang="en-US" sz="2100" kern="1200" dirty="0" err="1">
+              <a:latin typeface="Times New Roman" panose="02020603050405020304" pitchFamily="18" charset="0"/>
+              <a:cs typeface="Times New Roman" panose="02020603050405020304" pitchFamily="18" charset="0"/>
+            </a:rPr>
+            <a:t>th</a:t>
           </a:r>
           <a:r>
-            <a:rPr lang="en-US" sz="1300" kern="1200" dirty="0"/>
-            <a:t> bao </a:t>
+            <a:rPr lang="vi-VN" sz="2100" kern="1200" dirty="0">
+              <a:latin typeface="Times New Roman" panose="02020603050405020304" pitchFamily="18" charset="0"/>
+              <a:cs typeface="Times New Roman" panose="02020603050405020304" pitchFamily="18" charset="0"/>
+            </a:rPr>
+            <a:t>ời</a:t>
           </a:r>
           <a:r>
-            <a:rPr lang="en-US" sz="1300" kern="1200" dirty="0" err="1"/>
-            <a:t>nhiêu</a:t>
-          </a:r>
-          <a:r>
-            <a:rPr lang="en-US" sz="1300" kern="1200" dirty="0"/>
+            <a:rPr lang="en-US" sz="2100" kern="1200" dirty="0">
+              <a:latin typeface="Times New Roman" panose="02020603050405020304" pitchFamily="18" charset="0"/>
+              <a:cs typeface="Times New Roman" panose="02020603050405020304" pitchFamily="18" charset="0"/>
+            </a:rPr>
             <a:t> </a:t>
           </a:r>
           <a:r>
-            <a:rPr lang="en-US" sz="1300" kern="1200" dirty="0" err="1"/>
-            <a:t>tình</a:t>
+            <a:rPr lang="en-US" sz="2100" kern="1200" dirty="0" err="1">
+              <a:latin typeface="Times New Roman" panose="02020603050405020304" pitchFamily="18" charset="0"/>
+              <a:cs typeface="Times New Roman" panose="02020603050405020304" pitchFamily="18" charset="0"/>
+            </a:rPr>
+            <a:t>gian</a:t>
           </a:r>
           <a:r>
-            <a:rPr lang="en-US" sz="1300" kern="1200" dirty="0"/>
+            <a:rPr lang="en-US" sz="2100" kern="1200" dirty="0">
+              <a:latin typeface="Times New Roman" panose="02020603050405020304" pitchFamily="18" charset="0"/>
+              <a:cs typeface="Times New Roman" panose="02020603050405020304" pitchFamily="18" charset="0"/>
+            </a:rPr>
+            <a:t> v</a:t>
+          </a:r>
+          <a:r>
+            <a:rPr lang="vi-VN" sz="2100" kern="1200" dirty="0">
+              <a:latin typeface="Times New Roman" panose="02020603050405020304" pitchFamily="18" charset="0"/>
+              <a:cs typeface="Times New Roman" panose="02020603050405020304" pitchFamily="18" charset="0"/>
+            </a:rPr>
+            <a:t>à</a:t>
+          </a:r>
+          <a:r>
+            <a:rPr lang="en-US" sz="2100" kern="1200" dirty="0">
+              <a:latin typeface="Times New Roman" panose="02020603050405020304" pitchFamily="18" charset="0"/>
+              <a:cs typeface="Times New Roman" panose="02020603050405020304" pitchFamily="18" charset="0"/>
+            </a:rPr>
+            <a:t> b</a:t>
+          </a:r>
+          <a:r>
+            <a:rPr lang="vi-VN" sz="2100" kern="1200" dirty="0">
+              <a:latin typeface="Times New Roman" panose="02020603050405020304" pitchFamily="18" charset="0"/>
+              <a:cs typeface="Times New Roman" panose="02020603050405020304" pitchFamily="18" charset="0"/>
+            </a:rPr>
+            <a:t>ộ</a:t>
+          </a:r>
+          <a:r>
+            <a:rPr lang="en-US" sz="2100" kern="1200" dirty="0">
+              <a:latin typeface="Times New Roman" panose="02020603050405020304" pitchFamily="18" charset="0"/>
+              <a:cs typeface="Times New Roman" panose="02020603050405020304" pitchFamily="18" charset="0"/>
+            </a:rPr>
             <a:t> </a:t>
           </a:r>
           <a:r>
-            <a:rPr lang="en-US" sz="1300" kern="1200" dirty="0" err="1"/>
-            <a:t>huống</a:t>
+            <a:rPr lang="en-US" sz="2100" kern="1200" dirty="0" err="1">
+              <a:latin typeface="Times New Roman" panose="02020603050405020304" pitchFamily="18" charset="0"/>
+              <a:cs typeface="Times New Roman" panose="02020603050405020304" pitchFamily="18" charset="0"/>
+            </a:rPr>
+            <a:t>nh</a:t>
           </a:r>
           <a:r>
-            <a:rPr lang="en-US" sz="1300" kern="1200" dirty="0"/>
-            <a:t> </a:t>
+            <a:rPr lang="vi-VN" sz="2100" kern="1200" dirty="0">
+              <a:latin typeface="Times New Roman" panose="02020603050405020304" pitchFamily="18" charset="0"/>
+              <a:cs typeface="Times New Roman" panose="02020603050405020304" pitchFamily="18" charset="0"/>
+            </a:rPr>
+            <a:t>ớ</a:t>
           </a:r>
-          <a:r>
-            <a:rPr lang="en-US" sz="1300" kern="1200" dirty="0" err="1"/>
-            <a:t>có</a:t>
-          </a:r>
-          <a:r>
-            <a:rPr lang="en-US" sz="1300" kern="1200" dirty="0"/>
-            <a:t> </a:t>
-          </a:r>
-          <a:r>
-            <a:rPr lang="en-US" sz="1300" kern="1200" dirty="0" err="1"/>
-            <a:t>thể</a:t>
-          </a:r>
-          <a:r>
-            <a:rPr lang="en-US" sz="1300" kern="1200" dirty="0"/>
-            <a:t> </a:t>
-          </a:r>
-          <a:r>
-            <a:rPr lang="en-US" sz="1300" kern="1200" dirty="0" err="1"/>
-            <a:t>xảy</a:t>
-          </a:r>
-          <a:r>
-            <a:rPr lang="en-US" sz="1300" kern="1200" dirty="0"/>
-            <a:t> ra, </a:t>
-          </a:r>
-          <a:r>
-            <a:rPr lang="en-US" sz="1300" kern="1200" dirty="0" err="1"/>
-            <a:t>mỗi</a:t>
-          </a:r>
-          <a:r>
-            <a:rPr lang="en-US" sz="1300" kern="1200" dirty="0"/>
-            <a:t> </a:t>
-          </a:r>
-          <a:r>
-            <a:rPr lang="en-US" sz="1300" kern="1200" dirty="0" err="1"/>
-            <a:t>tình</a:t>
-          </a:r>
-          <a:r>
-            <a:rPr lang="en-US" sz="1300" kern="1200" dirty="0"/>
-            <a:t> </a:t>
-          </a:r>
-          <a:r>
-            <a:rPr lang="en-US" sz="1300" kern="1200" dirty="0" err="1"/>
-            <a:t>huống</a:t>
-          </a:r>
-          <a:r>
-            <a:rPr lang="en-US" sz="1300" kern="1200" dirty="0"/>
-            <a:t> </a:t>
-          </a:r>
-          <a:r>
-            <a:rPr lang="en-US" sz="1300" kern="1200" dirty="0" err="1"/>
-            <a:t>cho</a:t>
-          </a:r>
-          <a:r>
-            <a:rPr lang="en-US" sz="1300" kern="1200" dirty="0"/>
-            <a:t> </a:t>
-          </a:r>
-          <a:r>
-            <a:rPr lang="en-US" sz="1300" kern="1200" dirty="0" err="1"/>
-            <a:t>ít</a:t>
-          </a:r>
-          <a:r>
-            <a:rPr lang="en-US" sz="1300" kern="1200" dirty="0"/>
-            <a:t> </a:t>
-          </a:r>
-          <a:r>
-            <a:rPr lang="en-US" sz="1300" kern="1200" dirty="0" err="1"/>
-            <a:t>nhất</a:t>
-          </a:r>
-          <a:r>
-            <a:rPr lang="en-US" sz="1300" kern="1200" dirty="0"/>
-            <a:t> 1 test case(</a:t>
-          </a:r>
-          <a:r>
-            <a:rPr lang="en-US" sz="1300" kern="1200" dirty="0" err="1"/>
-            <a:t>một</a:t>
-          </a:r>
-          <a:r>
-            <a:rPr lang="en-US" sz="1300" kern="1200" dirty="0"/>
-            <a:t> </a:t>
-          </a:r>
-          <a:r>
-            <a:rPr lang="en-US" sz="1300" kern="1200" dirty="0" err="1"/>
-            <a:t>số</a:t>
-          </a:r>
-          <a:r>
-            <a:rPr lang="en-US" sz="1300" kern="1200" dirty="0"/>
-            <a:t> </a:t>
-          </a:r>
-          <a:r>
-            <a:rPr lang="en-US" sz="1300" kern="1200" dirty="0" err="1"/>
-            <a:t>trường</a:t>
-          </a:r>
-          <a:r>
-            <a:rPr lang="en-US" sz="1300" kern="1200" dirty="0"/>
-            <a:t> </a:t>
-          </a:r>
-          <a:r>
-            <a:rPr lang="en-US" sz="1300" kern="1200" dirty="0" err="1"/>
-            <a:t>hợp</a:t>
-          </a:r>
-          <a:r>
-            <a:rPr lang="en-US" sz="1300" kern="1200" dirty="0"/>
-            <a:t> </a:t>
-          </a:r>
-          <a:r>
-            <a:rPr lang="en-US" sz="1300" kern="1200" dirty="0" err="1"/>
-            <a:t>cần</a:t>
-          </a:r>
-          <a:r>
-            <a:rPr lang="en-US" sz="1300" kern="1200" dirty="0"/>
-            <a:t> </a:t>
-          </a:r>
-          <a:r>
-            <a:rPr lang="en-US" sz="1300" kern="1200" dirty="0" err="1"/>
-            <a:t>lưu</a:t>
-          </a:r>
-          <a:r>
-            <a:rPr lang="en-US" sz="1300" kern="1200" dirty="0"/>
-            <a:t> ý: </a:t>
-          </a:r>
-          <a:r>
-            <a:rPr lang="en-US" sz="1300" kern="1200" dirty="0" err="1"/>
-            <a:t>các</a:t>
-          </a:r>
-          <a:r>
-            <a:rPr lang="en-US" sz="1300" kern="1200" dirty="0"/>
-            <a:t> </a:t>
-          </a:r>
-          <a:r>
-            <a:rPr lang="en-US" sz="1300" kern="1200" dirty="0" err="1"/>
-            <a:t>biên</a:t>
-          </a:r>
-          <a:r>
-            <a:rPr lang="en-US" sz="1300" kern="1200" dirty="0"/>
-            <a:t>, </a:t>
-          </a:r>
-          <a:r>
-            <a:rPr lang="en-US" sz="1300" kern="1200" dirty="0" err="1"/>
-            <a:t>trường</a:t>
-          </a:r>
-          <a:r>
-            <a:rPr lang="en-US" sz="1300" kern="1200" dirty="0"/>
-            <a:t> </a:t>
-          </a:r>
-          <a:r>
-            <a:rPr lang="en-US" sz="1300" kern="1200" dirty="0" err="1"/>
-            <a:t>hợp</a:t>
-          </a:r>
-          <a:r>
-            <a:rPr lang="en-US" sz="1300" kern="1200" dirty="0"/>
-            <a:t> </a:t>
-          </a:r>
-          <a:r>
-            <a:rPr lang="en-US" sz="1300" kern="1200" dirty="0" err="1"/>
-            <a:t>phổ</a:t>
-          </a:r>
-          <a:r>
-            <a:rPr lang="en-US" sz="1300" kern="1200" dirty="0"/>
-            <a:t> </a:t>
-          </a:r>
-          <a:r>
-            <a:rPr lang="en-US" sz="1300" kern="1200" dirty="0" err="1"/>
-            <a:t>quát</a:t>
-          </a:r>
-          <a:r>
-            <a:rPr lang="en-US" sz="1300" kern="1200" dirty="0"/>
-            <a:t>, </a:t>
-          </a:r>
-          <a:r>
-            <a:rPr lang="en-US" sz="1300" kern="1200" dirty="0" err="1"/>
-            <a:t>các</a:t>
-          </a:r>
-          <a:r>
-            <a:rPr lang="en-US" sz="1300" kern="1200" dirty="0"/>
-            <a:t> </a:t>
-          </a:r>
-          <a:r>
-            <a:rPr lang="en-US" sz="1300" kern="1200" dirty="0" err="1"/>
-            <a:t>trường</a:t>
-          </a:r>
-          <a:r>
-            <a:rPr lang="en-US" sz="1300" kern="1200" dirty="0"/>
-            <a:t> </a:t>
-          </a:r>
-          <a:r>
-            <a:rPr lang="en-US" sz="1300" kern="1200" dirty="0" err="1"/>
-            <a:t>hợp</a:t>
-          </a:r>
-          <a:r>
-            <a:rPr lang="en-US" sz="1300" kern="1200" dirty="0"/>
-            <a:t> </a:t>
-          </a:r>
-          <a:r>
-            <a:rPr lang="en-US" sz="1300" kern="1200" dirty="0" err="1"/>
-            <a:t>đặc</a:t>
-          </a:r>
-          <a:r>
-            <a:rPr lang="en-US" sz="1300" kern="1200" dirty="0"/>
-            <a:t> </a:t>
-          </a:r>
-          <a:r>
-            <a:rPr lang="en-US" sz="1300" kern="1200" dirty="0" err="1"/>
-            <a:t>biệt</a:t>
-          </a:r>
-          <a:r>
-            <a:rPr lang="en-US" sz="1300" kern="1200" dirty="0"/>
-            <a:t>)</a:t>
-          </a:r>
-        </a:p>
-        <a:p>
-          <a:pPr marL="0" lvl="0" indent="0" algn="l" defTabSz="577850">
-            <a:lnSpc>
-              <a:spcPct val="90000"/>
-            </a:lnSpc>
-            <a:spcBef>
-              <a:spcPct val="0"/>
-            </a:spcBef>
-            <a:spcAft>
-              <a:spcPct val="35000"/>
-            </a:spcAft>
-            <a:buNone/>
-          </a:pPr>
-          <a:r>
-            <a:rPr lang="en-US" sz="1300" kern="1200"/>
-            <a:t>Sử dụng bất kì ngôn ngữ nào để tạo ra các test case.</a:t>
-          </a:r>
+          <a:endParaRPr lang="en-US" sz="2100" kern="1200" dirty="0">
+            <a:latin typeface="Times New Roman" panose="02020603050405020304" pitchFamily="18" charset="0"/>
+            <a:cs typeface="Times New Roman" panose="02020603050405020304" pitchFamily="18" charset="0"/>
+          </a:endParaRPr>
         </a:p>
       </dsp:txBody>
       <dsp:txXfrm>
-        <a:off x="6087721" y="1294225"/>
-        <a:ext cx="4814664" cy="1030790"/>
-      </dsp:txXfrm>
-    </dsp:sp>
-    <dsp:sp modelId="{C1C46E30-F96B-4A29-BBB1-6873AF1A20A2}">
-      <dsp:nvSpPr>
-        <dsp:cNvPr id="0" name=""/>
-        <dsp:cNvSpPr/>
-      </dsp:nvSpPr>
-      <dsp:spPr>
-        <a:xfrm>
-          <a:off x="-1909" y="2582714"/>
-          <a:ext cx="10900477" cy="1030790"/>
-        </a:xfrm>
-        <a:prstGeom prst="roundRect">
-          <a:avLst>
-            <a:gd name="adj" fmla="val 10000"/>
-          </a:avLst>
-        </a:prstGeom>
-        <a:solidFill>
-          <a:schemeClr val="accent2">
-            <a:hueOff val="39038"/>
-            <a:satOff val="-26876"/>
-            <a:lumOff val="-6863"/>
-            <a:alphaOff val="0"/>
-          </a:schemeClr>
-        </a:solidFill>
-        <a:ln>
-          <a:noFill/>
-        </a:ln>
-        <a:effectLst/>
-      </dsp:spPr>
-      <dsp:style>
-        <a:lnRef idx="0">
-          <a:scrgbClr r="0" g="0" b="0"/>
-        </a:lnRef>
-        <a:fillRef idx="1">
-          <a:scrgbClr r="0" g="0" b="0"/>
-        </a:fillRef>
-        <a:effectRef idx="0">
-          <a:scrgbClr r="0" g="0" b="0"/>
-        </a:effectRef>
-        <a:fontRef idx="minor"/>
-      </dsp:style>
-    </dsp:sp>
-    <dsp:sp modelId="{5FE249CC-A6A5-42EF-9967-800737146C9E}">
-      <dsp:nvSpPr>
-        <dsp:cNvPr id="0" name=""/>
-        <dsp:cNvSpPr/>
-      </dsp:nvSpPr>
-      <dsp:spPr>
-        <a:xfrm>
-          <a:off x="309905" y="2814642"/>
-          <a:ext cx="566934" cy="566934"/>
-        </a:xfrm>
-        <a:prstGeom prst="rect">
-          <a:avLst/>
-        </a:prstGeom>
-        <a:blipFill>
-          <a:blip xmlns:r="http://schemas.openxmlformats.org/officeDocument/2006/relationships" r:embed="rId5">
-            <a:extLst>
-              <a:ext uri="{28A0092B-C50C-407E-A947-70E740481C1C}">
-                <a14:useLocalDpi xmlns:a14="http://schemas.microsoft.com/office/drawing/2010/main" val="0"/>
-              </a:ext>
-              <a:ext uri="{96DAC541-7B7A-43D3-8B79-37D633B846F1}">
-                <asvg:svgBlip xmlns:asvg="http://schemas.microsoft.com/office/drawing/2016/SVG/main" r:embed="rId6"/>
-              </a:ext>
-            </a:extLst>
-          </a:blip>
-          <a:stretch>
-            <a:fillRect/>
-          </a:stretch>
-        </a:blipFill>
-        <a:ln w="15875" cap="flat" cmpd="sng" algn="ctr">
-          <a:noFill/>
-          <a:prstDash val="solid"/>
-        </a:ln>
-        <a:effectLst/>
-      </dsp:spPr>
-      <dsp:style>
-        <a:lnRef idx="2">
-          <a:scrgbClr r="0" g="0" b="0"/>
-        </a:lnRef>
-        <a:fillRef idx="1">
-          <a:scrgbClr r="0" g="0" b="0"/>
-        </a:fillRef>
-        <a:effectRef idx="0">
-          <a:scrgbClr r="0" g="0" b="0"/>
-        </a:effectRef>
-        <a:fontRef idx="minor">
-          <a:schemeClr val="lt1"/>
-        </a:fontRef>
-      </dsp:style>
-    </dsp:sp>
-    <dsp:sp modelId="{5AF7FA42-D027-44E4-B602-02EC506A4261}">
-      <dsp:nvSpPr>
-        <dsp:cNvPr id="0" name=""/>
-        <dsp:cNvSpPr/>
-      </dsp:nvSpPr>
-      <dsp:spPr>
-        <a:xfrm>
-          <a:off x="1188654" y="2582714"/>
-          <a:ext cx="4905214" cy="1030790"/>
-        </a:xfrm>
-        <a:prstGeom prst="rect">
-          <a:avLst/>
-        </a:prstGeom>
-        <a:noFill/>
-        <a:ln>
-          <a:noFill/>
-        </a:ln>
-        <a:effectLst/>
-      </dsp:spPr>
-      <dsp:style>
-        <a:lnRef idx="0">
-          <a:scrgbClr r="0" g="0" b="0"/>
-        </a:lnRef>
-        <a:fillRef idx="0">
-          <a:scrgbClr r="0" g="0" b="0"/>
-        </a:fillRef>
-        <a:effectRef idx="0">
-          <a:scrgbClr r="0" g="0" b="0"/>
-        </a:effectRef>
-        <a:fontRef idx="minor"/>
-      </dsp:style>
-      <dsp:txBody>
-        <a:bodyPr spcFirstLastPara="0" vert="horz" wrap="square" lIns="109092" tIns="109092" rIns="109092" bIns="109092" numCol="1" spcCol="1270" anchor="ctr" anchorCtr="0">
-          <a:noAutofit/>
-        </a:bodyPr>
-        <a:lstStyle/>
-        <a:p>
-          <a:pPr marL="0" lvl="0" indent="0" algn="l" defTabSz="1111250">
-            <a:lnSpc>
-              <a:spcPct val="90000"/>
-            </a:lnSpc>
-            <a:spcBef>
-              <a:spcPct val="0"/>
-            </a:spcBef>
-            <a:spcAft>
-              <a:spcPct val="35000"/>
-            </a:spcAft>
-            <a:buNone/>
-          </a:pPr>
-          <a:r>
-            <a:rPr lang="en-US" sz="2500" kern="1200"/>
-            <a:t>- Kiểm tra hiệu năng:</a:t>
-          </a:r>
-        </a:p>
-      </dsp:txBody>
-      <dsp:txXfrm>
-        <a:off x="1188654" y="2582714"/>
-        <a:ext cx="4905214" cy="1030790"/>
-      </dsp:txXfrm>
-    </dsp:sp>
-    <dsp:sp modelId="{217C1CDC-D79D-40F4-B8D0-8C4BFDE8B744}">
-      <dsp:nvSpPr>
-        <dsp:cNvPr id="0" name=""/>
-        <dsp:cNvSpPr/>
-      </dsp:nvSpPr>
-      <dsp:spPr>
-        <a:xfrm>
-          <a:off x="6093868" y="2582714"/>
-          <a:ext cx="4802370" cy="1030790"/>
-        </a:xfrm>
-        <a:prstGeom prst="rect">
-          <a:avLst/>
-        </a:prstGeom>
-        <a:noFill/>
-        <a:ln>
-          <a:noFill/>
-        </a:ln>
-        <a:effectLst/>
-      </dsp:spPr>
-      <dsp:style>
-        <a:lnRef idx="0">
-          <a:scrgbClr r="0" g="0" b="0"/>
-        </a:lnRef>
-        <a:fillRef idx="0">
-          <a:scrgbClr r="0" g="0" b="0"/>
-        </a:fillRef>
-        <a:effectRef idx="0">
-          <a:scrgbClr r="0" g="0" b="0"/>
-        </a:effectRef>
-        <a:fontRef idx="minor"/>
-      </dsp:style>
-      <dsp:txBody>
-        <a:bodyPr spcFirstLastPara="0" vert="horz" wrap="square" lIns="109092" tIns="109092" rIns="109092" bIns="109092" numCol="1" spcCol="1270" anchor="ctr" anchorCtr="0">
-          <a:noAutofit/>
-        </a:bodyPr>
-        <a:lstStyle/>
-        <a:p>
-          <a:pPr marL="0" lvl="0" indent="0" algn="l" defTabSz="577850">
-            <a:lnSpc>
-              <a:spcPct val="90000"/>
-            </a:lnSpc>
-            <a:spcBef>
-              <a:spcPct val="0"/>
-            </a:spcBef>
-            <a:spcAft>
-              <a:spcPct val="35000"/>
-            </a:spcAft>
-            <a:buNone/>
-          </a:pPr>
-          <a:r>
-            <a:rPr lang="en-US" sz="1300" kern="1200" dirty="0" err="1"/>
-            <a:t>Nới</a:t>
-          </a:r>
-          <a:r>
-            <a:rPr lang="en-US" sz="1300" kern="1200" dirty="0"/>
-            <a:t> </a:t>
-          </a:r>
-          <a:r>
-            <a:rPr lang="en-US" sz="1300" kern="1200" dirty="0" err="1"/>
-            <a:t>rộng</a:t>
-          </a:r>
-          <a:r>
-            <a:rPr lang="en-US" sz="1300" kern="1200" dirty="0"/>
-            <a:t> </a:t>
-          </a:r>
-          <a:r>
-            <a:rPr lang="en-US" sz="1300" kern="1200" dirty="0" err="1"/>
-            <a:t>bộ</a:t>
-          </a:r>
-          <a:r>
-            <a:rPr lang="en-US" sz="1300" kern="1200" dirty="0"/>
-            <a:t> </a:t>
-          </a:r>
-          <a:r>
-            <a:rPr lang="en-US" sz="1300" kern="1200" dirty="0" err="1"/>
-            <a:t>dữ</a:t>
-          </a:r>
-          <a:r>
-            <a:rPr lang="en-US" sz="1300" kern="1200" dirty="0"/>
-            <a:t> </a:t>
-          </a:r>
-          <a:r>
-            <a:rPr lang="en-US" sz="1300" kern="1200" dirty="0" err="1"/>
-            <a:t>liệu</a:t>
-          </a:r>
-          <a:r>
-            <a:rPr lang="en-US" sz="1300" kern="1200" dirty="0"/>
-            <a:t>, </a:t>
-          </a:r>
-          <a:r>
-            <a:rPr lang="en-US" sz="1300" kern="1200" dirty="0" err="1"/>
-            <a:t>làm</a:t>
-          </a:r>
-          <a:r>
-            <a:rPr lang="en-US" sz="1300" kern="1200" dirty="0"/>
-            <a:t> </a:t>
-          </a:r>
-          <a:r>
-            <a:rPr lang="en-US" sz="1300" kern="1200" dirty="0" err="1"/>
-            <a:t>dữ</a:t>
-          </a:r>
-          <a:r>
-            <a:rPr lang="en-US" sz="1300" kern="1200" dirty="0"/>
-            <a:t> </a:t>
-          </a:r>
-          <a:r>
-            <a:rPr lang="en-US" sz="1300" kern="1200" dirty="0" err="1"/>
-            <a:t>liệu</a:t>
-          </a:r>
-          <a:r>
-            <a:rPr lang="en-US" sz="1300" kern="1200" dirty="0"/>
-            <a:t> </a:t>
-          </a:r>
-          <a:r>
-            <a:rPr lang="en-US" sz="1300" kern="1200" dirty="0" err="1"/>
-            <a:t>lớn</a:t>
-          </a:r>
-          <a:r>
-            <a:rPr lang="en-US" sz="1300" kern="1200" dirty="0"/>
-            <a:t> </a:t>
-          </a:r>
-          <a:r>
-            <a:rPr lang="en-US" sz="1300" kern="1200" dirty="0" err="1"/>
-            <a:t>dần</a:t>
-          </a:r>
-          <a:r>
-            <a:rPr lang="en-US" sz="1300" kern="1200" dirty="0"/>
-            <a:t>.</a:t>
-          </a:r>
-        </a:p>
-      </dsp:txBody>
-      <dsp:txXfrm>
-        <a:off x="6093868" y="2582714"/>
-        <a:ext cx="4802370" cy="1030790"/>
+        <a:off x="0" y="4929032"/>
+        <a:ext cx="6797675" cy="712597"/>
       </dsp:txXfrm>
     </dsp:sp>
   </dsp:spTree>
@@ -15799,296 +15975,169 @@
 </file>
 
 <file path=ppt/diagrams/layout8.xml><?xml version="1.0" encoding="utf-8"?>
-<dgm:layoutDef xmlns:dgm="http://schemas.openxmlformats.org/drawingml/2006/diagram" xmlns:a="http://schemas.openxmlformats.org/drawingml/2006/main" uniqueId="urn:microsoft.com/office/officeart/2018/2/layout/IconVerticalSolidList">
-  <dgm:title val="Icon Vertical Solid List"/>
-  <dgm:desc val="Use to show a series of visuals from top to bottom with Level 1 or Level 1 and Level 2 text grouped in a shape. Works best with icons or small pictures with lengthier descriptions."/>
+<dgm:layoutDef xmlns:dgm="http://schemas.openxmlformats.org/drawingml/2006/diagram" xmlns:a="http://schemas.openxmlformats.org/drawingml/2006/main" uniqueId="urn:microsoft.com/office/officeart/2005/8/layout/vList2">
+  <dgm:title val=""/>
+  <dgm:desc val=""/>
   <dgm:catLst>
-    <dgm:cat type="icon" pri="500"/>
+    <dgm:cat type="list" pri="3000"/>
+    <dgm:cat type="convert" pri="1000"/>
   </dgm:catLst>
-  <dgm:sampData useDef="1">
+  <dgm:sampData>
     <dgm:dataModel>
-      <dgm:ptLst/>
+      <dgm:ptLst>
+        <dgm:pt modelId="0" type="doc"/>
+        <dgm:pt modelId="1">
+          <dgm:prSet phldr="1"/>
+        </dgm:pt>
+        <dgm:pt modelId="11">
+          <dgm:prSet phldr="1"/>
+        </dgm:pt>
+        <dgm:pt modelId="2">
+          <dgm:prSet phldr="1"/>
+        </dgm:pt>
+        <dgm:pt modelId="21">
+          <dgm:prSet phldr="1"/>
+        </dgm:pt>
+      </dgm:ptLst>
+      <dgm:cxnLst>
+        <dgm:cxn modelId="4" srcId="0" destId="1" srcOrd="0" destOrd="0"/>
+        <dgm:cxn modelId="5" srcId="0" destId="2" srcOrd="1" destOrd="0"/>
+        <dgm:cxn modelId="12" srcId="1" destId="11" srcOrd="0" destOrd="0"/>
+        <dgm:cxn modelId="23" srcId="2" destId="21" srcOrd="0" destOrd="0"/>
+      </dgm:cxnLst>
       <dgm:bg/>
       <dgm:whole/>
     </dgm:dataModel>
   </dgm:sampData>
-  <dgm:styleData useDef="1">
+  <dgm:styleData>
     <dgm:dataModel>
-      <dgm:ptLst/>
+      <dgm:ptLst>
+        <dgm:pt modelId="0" type="doc"/>
+        <dgm:pt modelId="1"/>
+        <dgm:pt modelId="2"/>
+      </dgm:ptLst>
+      <dgm:cxnLst>
+        <dgm:cxn modelId="3" srcId="0" destId="1" srcOrd="0" destOrd="0"/>
+        <dgm:cxn modelId="4" srcId="0" destId="2" srcOrd="1" destOrd="0"/>
+      </dgm:cxnLst>
       <dgm:bg/>
       <dgm:whole/>
     </dgm:dataModel>
   </dgm:styleData>
-  <dgm:clrData useDef="1">
+  <dgm:clrData>
     <dgm:dataModel>
-      <dgm:ptLst/>
+      <dgm:ptLst>
+        <dgm:pt modelId="0" type="doc"/>
+        <dgm:pt modelId="1"/>
+        <dgm:pt modelId="2"/>
+        <dgm:pt modelId="3"/>
+        <dgm:pt modelId="4"/>
+      </dgm:ptLst>
+      <dgm:cxnLst>
+        <dgm:cxn modelId="5" srcId="0" destId="1" srcOrd="0" destOrd="0"/>
+        <dgm:cxn modelId="6" srcId="0" destId="2" srcOrd="1" destOrd="0"/>
+        <dgm:cxn modelId="7" srcId="0" destId="3" srcOrd="2" destOrd="0"/>
+        <dgm:cxn modelId="8" srcId="0" destId="4" srcOrd="3" destOrd="0"/>
+      </dgm:cxnLst>
       <dgm:bg/>
       <dgm:whole/>
     </dgm:dataModel>
   </dgm:clrData>
-  <dgm:layoutNode name="root">
+  <dgm:layoutNode name="linear">
     <dgm:varLst>
-      <dgm:dir/>
+      <dgm:animLvl val="lvl"/>
       <dgm:resizeHandles val="exact"/>
     </dgm:varLst>
-    <dgm:choose name="Name0">
-      <dgm:if name="Name1" axis="self" func="var" arg="dir" op="equ" val="norm">
-        <dgm:alg type="lin">
-          <dgm:param type="linDir" val="fromT"/>
-          <dgm:param type="nodeHorzAlign" val="l"/>
-        </dgm:alg>
-      </dgm:if>
-      <dgm:else name="Name2">
-        <dgm:alg type="lin">
-          <dgm:param type="linDir" val="fromT"/>
-          <dgm:param type="nodeHorzAlign" val="r"/>
-        </dgm:alg>
-      </dgm:else>
-    </dgm:choose>
+    <dgm:alg type="lin">
+      <dgm:param type="linDir" val="fromT"/>
+      <dgm:param type="vertAlign" val="mid"/>
+    </dgm:alg>
     <dgm:shape xmlns:r="http://schemas.openxmlformats.org/officeDocument/2006/relationships" r:blip="">
       <dgm:adjLst/>
     </dgm:shape>
     <dgm:presOf/>
-    <dgm:choose name="Name3">
-      <dgm:if name="Name4" axis="ch" ptType="node" func="cnt" op="lte" val="3">
-        <dgm:constrLst>
-          <dgm:constr type="h" for="ch" forName="compNode" refType="h" fact="0.3"/>
-          <dgm:constr type="w" for="ch" forName="compNode" refType="w"/>
-          <dgm:constr type="h" for="ch" forName="sibTrans" refType="h" refFor="ch" refForName="compNode" fact="0.25"/>
-          <dgm:constr type="primFontSz" for="des" forName="parTx" val="25"/>
-          <dgm:constr type="primFontSz" for="des" forName="desTx" refType="primFontSz" refFor="des" refForName="parTx" op="lte" fact="0.75"/>
-          <dgm:constr type="h" for="des" forName="compNode" op="equ"/>
-          <dgm:constr type="h" for="des" forName="bgRect" op="equ"/>
-          <dgm:constr type="h" for="des" forName="iconRect" op="equ"/>
-          <dgm:constr type="w" for="des" forName="iconRect" op="equ"/>
-          <dgm:constr type="h" for="des" forName="spaceRect" op="equ"/>
-          <dgm:constr type="h" for="des" forName="parTx" op="equ"/>
-          <dgm:constr type="h" for="des" forName="desTx" op="equ"/>
-        </dgm:constrLst>
-      </dgm:if>
-      <dgm:if name="Name5" axis="ch" ptType="node" func="cnt" op="lte" val="4">
-        <dgm:constrLst>
-          <dgm:constr type="h" for="ch" forName="compNode" refType="h" fact="0.3"/>
-          <dgm:constr type="w" for="ch" forName="compNode" refType="w"/>
-          <dgm:constr type="h" for="ch" forName="sibTrans" refType="h" refFor="ch" refForName="compNode" fact="0.25"/>
-          <dgm:constr type="primFontSz" for="des" forName="parTx" val="22"/>
-          <dgm:constr type="primFontSz" for="des" forName="desTx" refType="primFontSz" refFor="des" refForName="parTx" op="lte" fact="0.75"/>
-          <dgm:constr type="h" for="des" forName="compNode" op="equ"/>
-          <dgm:constr type="h" for="des" forName="bgRect" op="equ"/>
-          <dgm:constr type="h" for="des" forName="iconRect" op="equ"/>
-          <dgm:constr type="w" for="des" forName="iconRect" op="equ"/>
-          <dgm:constr type="h" for="des" forName="spaceRect" op="equ"/>
-          <dgm:constr type="h" for="des" forName="parTx" op="equ"/>
-          <dgm:constr type="h" for="des" forName="desTx" op="equ"/>
-        </dgm:constrLst>
-      </dgm:if>
-      <dgm:if name="Name6" axis="ch" ptType="node" func="cnt" op="lte" val="6">
-        <dgm:constrLst>
-          <dgm:constr type="h" for="ch" forName="compNode" refType="h" fact="0.3"/>
-          <dgm:constr type="w" for="ch" forName="compNode" refType="w"/>
-          <dgm:constr type="h" for="ch" forName="sibTrans" refType="h" refFor="ch" refForName="compNode" fact="0.25"/>
-          <dgm:constr type="primFontSz" for="des" forName="parTx" val="19"/>
-          <dgm:constr type="primFontSz" for="des" forName="desTx" refType="primFontSz" refFor="des" refForName="parTx" op="lte" fact="0.75"/>
-          <dgm:constr type="h" for="des" forName="compNode" op="equ"/>
-          <dgm:constr type="h" for="des" forName="bgRect" op="equ"/>
-          <dgm:constr type="h" for="des" forName="iconRect" op="equ"/>
-          <dgm:constr type="w" for="des" forName="iconRect" op="equ"/>
-          <dgm:constr type="h" for="des" forName="spaceRect" op="equ"/>
-          <dgm:constr type="h" for="des" forName="parTx" op="equ"/>
-          <dgm:constr type="h" for="des" forName="desTx" op="equ"/>
-        </dgm:constrLst>
-      </dgm:if>
-      <dgm:else name="Name7">
-        <dgm:constrLst>
-          <dgm:constr type="h" for="ch" forName="compNode" refType="h" fact="0.3"/>
-          <dgm:constr type="w" for="ch" forName="compNode" refType="w"/>
-          <dgm:constr type="h" for="ch" forName="sibTrans" refType="h" refFor="ch" refForName="compNode" fact="0.25"/>
-          <dgm:constr type="primFontSz" for="des" forName="parTx" val="16"/>
-          <dgm:constr type="primFontSz" for="des" forName="desTx" refType="primFontSz" refFor="des" refForName="parTx" op="lte" fact="0.75"/>
-          <dgm:constr type="h" for="des" forName="compNode" op="equ"/>
-          <dgm:constr type="h" for="des" forName="bgRect" op="equ"/>
-          <dgm:constr type="h" for="des" forName="iconRect" op="equ"/>
-          <dgm:constr type="w" for="des" forName="iconRect" op="equ"/>
-          <dgm:constr type="h" for="des" forName="spaceRect" op="equ"/>
-          <dgm:constr type="h" for="des" forName="parTx" op="equ"/>
-          <dgm:constr type="h" for="des" forName="desTx" op="equ"/>
-        </dgm:constrLst>
-      </dgm:else>
-    </dgm:choose>
+    <dgm:constrLst>
+      <dgm:constr type="w" for="ch" forName="parentText" refType="w"/>
+      <dgm:constr type="h" for="ch" forName="parentText" refType="primFontSz" refFor="ch" refForName="parentText" fact="0.52"/>
+      <dgm:constr type="w" for="ch" forName="childText" refType="w"/>
+      <dgm:constr type="h" for="ch" forName="childText" refType="primFontSz" refFor="ch" refForName="parentText" fact="0.46"/>
+      <dgm:constr type="h" for="ch" forName="parentText" op="equ"/>
+      <dgm:constr type="primFontSz" for="ch" forName="parentText" op="equ" val="65"/>
+      <dgm:constr type="primFontSz" for="ch" forName="childText" refType="primFontSz" refFor="ch" refForName="parentText" op="equ"/>
+      <dgm:constr type="h" for="ch" forName="spacer" refType="primFontSz" refFor="ch" refForName="parentText" fact="0.08"/>
+    </dgm:constrLst>
     <dgm:ruleLst>
-      <dgm:rule type="h" for="ch" forName="compNode" val="0" fact="NaN" max="NaN"/>
+      <dgm:rule type="primFontSz" for="ch" forName="parentText" val="5" fact="NaN" max="NaN"/>
     </dgm:ruleLst>
-    <dgm:forEach name="Name8" axis="ch" ptType="node">
-      <dgm:layoutNode name="compNode">
-        <dgm:alg type="composite"/>
-        <dgm:shape xmlns:r="http://schemas.openxmlformats.org/officeDocument/2006/relationships" r:blip="">
+    <dgm:forEach name="Name0" axis="ch" ptType="node">
+      <dgm:layoutNode name="parentText" styleLbl="node1">
+        <dgm:varLst>
+          <dgm:chMax val="0"/>
+          <dgm:bulletEnabled val="1"/>
+        </dgm:varLst>
+        <dgm:alg type="tx">
+          <dgm:param type="parTxLTRAlign" val="l"/>
+          <dgm:param type="parTxRTLAlign" val="r"/>
+        </dgm:alg>
+        <dgm:shape xmlns:r="http://schemas.openxmlformats.org/officeDocument/2006/relationships" type="roundRect" r:blip="">
           <dgm:adjLst/>
         </dgm:shape>
         <dgm:presOf axis="self"/>
-        <dgm:choose name="Name9">
-          <dgm:if name="Name10" axis="ch" ptType="node" func="cnt" op="gte" val="1">
-            <dgm:constrLst>
-              <dgm:constr type="w" for="ch" forName="bgRect" refType="w"/>
-              <dgm:constr type="h" for="ch" forName="bgRect" refType="h"/>
-              <dgm:constr type="l" for="ch" forName="bgRect"/>
-              <dgm:constr type="t" for="ch" forName="bgRect"/>
-              <dgm:constr type="h" for="ch" forName="iconRect" refType="h" fact="0.55"/>
-              <dgm:constr type="w" for="ch" forName="iconRect" refType="h" refFor="ch" refForName="iconRect"/>
-              <dgm:constr type="l" for="ch" forName="iconRect" refType="h" refFor="ch" refForName="iconRect" fact="0.55"/>
-              <dgm:constr type="ctrY" for="ch" forName="iconRect" refType="ctrY" refFor="ch" refForName="bgRect"/>
-              <dgm:constr type="w" for="ch" forName="spaceRect" refType="l" refFor="ch" refForName="iconRect"/>
-              <dgm:constr type="h" for="ch" forName="spaceRect" refType="h"/>
-              <dgm:constr type="l" for="ch" forName="spaceRect" refType="r" refFor="ch" refForName="iconRect"/>
-              <dgm:constr type="t" for="ch" forName="spaceRect"/>
-              <dgm:constr type="w" for="ch" forName="parTx" refType="w" fact="0.45"/>
-              <dgm:constr type="h" for="ch" forName="parTx" refType="h"/>
-              <dgm:constr type="l" for="ch" forName="parTx" refType="r" refFor="ch" refForName="spaceRect"/>
-              <dgm:constr type="t" for="ch" forName="parTx"/>
-              <dgm:constr type="h" for="ch" forName="desTx" refType="h"/>
-              <dgm:constr type="l" for="ch" forName="desTx" refType="r" refFor="ch" refForName="parTx"/>
-              <dgm:constr type="t" for="ch" forName="desTx"/>
-            </dgm:constrLst>
-          </dgm:if>
-          <dgm:else name="Name11">
-            <dgm:constrLst>
-              <dgm:constr type="w" for="ch" forName="bgRect" refType="w"/>
-              <dgm:constr type="h" for="ch" forName="bgRect" refType="h"/>
-              <dgm:constr type="l" for="ch" forName="bgRect"/>
-              <dgm:constr type="t" for="ch" forName="bgRect"/>
-              <dgm:constr type="h" for="ch" forName="iconRect" refType="h" fact="0.55"/>
-              <dgm:constr type="w" for="ch" forName="iconRect" refType="h" refFor="ch" refForName="iconRect"/>
-              <dgm:constr type="l" for="ch" forName="iconRect" refType="h" refFor="ch" refForName="iconRect" fact="0.55"/>
-              <dgm:constr type="ctrY" for="ch" forName="iconRect" refType="ctrY" refFor="ch" refForName="bgRect"/>
-              <dgm:constr type="w" for="ch" forName="spaceRect" refType="l" refFor="ch" refForName="iconRect"/>
-              <dgm:constr type="h" for="ch" forName="spaceRect" refType="h"/>
-              <dgm:constr type="l" for="ch" forName="spaceRect" refType="r" refFor="ch" refForName="iconRect"/>
-              <dgm:constr type="t" for="ch" forName="spaceRect"/>
-              <dgm:constr type="h" for="ch" forName="parTx" refType="h"/>
-              <dgm:constr type="l" for="ch" forName="parTx" refType="r" refFor="ch" refForName="spaceRect"/>
-              <dgm:constr type="t" for="ch" forName="parTx"/>
-            </dgm:constrLst>
-          </dgm:else>
-        </dgm:choose>
+        <dgm:constrLst>
+          <dgm:constr type="tMarg" refType="primFontSz" fact="0.3"/>
+          <dgm:constr type="bMarg" refType="primFontSz" fact="0.3"/>
+          <dgm:constr type="lMarg" refType="primFontSz" fact="0.3"/>
+          <dgm:constr type="rMarg" refType="primFontSz" fact="0.3"/>
+        </dgm:constrLst>
         <dgm:ruleLst>
           <dgm:rule type="h" val="INF" fact="NaN" max="NaN"/>
         </dgm:ruleLst>
-        <dgm:layoutNode name="bgRect" styleLbl="bgShp">
-          <dgm:alg type="sp"/>
-          <dgm:shape xmlns:r="http://schemas.openxmlformats.org/officeDocument/2006/relationships" type="roundRect" r:blip="">
-            <dgm:adjLst>
-              <dgm:adj idx="1" val="0.1"/>
-            </dgm:adjLst>
-          </dgm:shape>
-          <dgm:presOf/>
-          <dgm:constrLst/>
-          <dgm:ruleLst/>
-        </dgm:layoutNode>
-        <dgm:layoutNode name="iconRect" styleLbl="node1">
-          <dgm:alg type="sp"/>
-          <dgm:shape xmlns:r="http://schemas.openxmlformats.org/officeDocument/2006/relationships" type="rect" r:blip="" blipPhldr="1">
-            <dgm:adjLst/>
-          </dgm:shape>
-          <dgm:presOf/>
-          <dgm:constrLst/>
-          <dgm:ruleLst/>
-        </dgm:layoutNode>
-        <dgm:layoutNode name="spaceRect">
-          <dgm:alg type="sp"/>
-          <dgm:shape xmlns:r="http://schemas.openxmlformats.org/officeDocument/2006/relationships" r:blip="">
-            <dgm:adjLst/>
-          </dgm:shape>
-          <dgm:presOf/>
-          <dgm:constrLst/>
-          <dgm:ruleLst/>
-        </dgm:layoutNode>
-        <dgm:layoutNode name="parTx" styleLbl="revTx">
-          <dgm:varLst>
-            <dgm:chMax val="0"/>
-            <dgm:chPref val="0"/>
-          </dgm:varLst>
-          <dgm:alg type="tx">
-            <dgm:param type="txAnchorVert" val="mid"/>
-            <dgm:param type="parTxLTRAlign" val="l"/>
-            <dgm:param type="shpTxLTRAlignCh" val="l"/>
-            <dgm:param type="parTxRTLAlign" val="r"/>
-            <dgm:param type="shpTxRTLAlignCh" val="r"/>
-          </dgm:alg>
-          <dgm:shape xmlns:r="http://schemas.openxmlformats.org/officeDocument/2006/relationships" type="rect" r:blip="">
-            <dgm:adjLst/>
-          </dgm:shape>
-          <dgm:presOf axis="self" ptType="node"/>
-          <dgm:constrLst>
-            <dgm:constr type="lMarg" refType="h" fact="0.3"/>
-            <dgm:constr type="rMarg" refType="h" fact="0.3"/>
-            <dgm:constr type="tMarg" refType="h" fact="0.3"/>
-            <dgm:constr type="bMarg" refType="h" fact="0.3"/>
-          </dgm:constrLst>
-          <dgm:ruleLst>
-            <dgm:rule type="primFontSz" val="14" fact="NaN" max="NaN"/>
-            <dgm:rule type="h" val="INF" fact="NaN" max="NaN"/>
-          </dgm:ruleLst>
-        </dgm:layoutNode>
-        <dgm:choose name="Name12">
-          <dgm:if name="Name13" axis="ch" ptType="node" func="cnt" op="gte" val="1">
-            <dgm:layoutNode name="desTx" styleLbl="revTx">
-              <dgm:varLst/>
-              <dgm:alg type="tx">
-                <dgm:param type="txAnchorVertCh" val="mid"/>
-                <dgm:param type="parTxLTRAlign" val="l"/>
-                <dgm:param type="shpTxLTRAlignCh" val="l"/>
-                <dgm:param type="parTxRTLAlign" val="r"/>
-                <dgm:param type="shpTxRTLAlignCh" val="r"/>
-                <dgm:param type="stBulletLvl" val="0"/>
-              </dgm:alg>
-              <dgm:shape xmlns:r="http://schemas.openxmlformats.org/officeDocument/2006/relationships" type="rect" r:blip="">
-                <dgm:adjLst/>
-              </dgm:shape>
-              <dgm:presOf axis="des" ptType="node"/>
-              <dgm:constrLst>
-                <dgm:constr type="primFontSz" val="18"/>
-                <dgm:constr type="secFontSz" refType="primFontSz"/>
-                <dgm:constr type="lMarg" refType="h" fact="0.3"/>
-                <dgm:constr type="rMarg" refType="h" fact="0.3"/>
-                <dgm:constr type="tMarg" refType="h" fact="0.3"/>
-                <dgm:constr type="bMarg" refType="h" fact="0.3"/>
-              </dgm:constrLst>
-              <dgm:ruleLst>
-                <dgm:rule type="primFontSz" val="11" fact="NaN" max="NaN"/>
-              </dgm:ruleLst>
-            </dgm:layoutNode>
-          </dgm:if>
-          <dgm:else name="Name14"/>
-        </dgm:choose>
       </dgm:layoutNode>
-      <dgm:forEach name="Name15" axis="followSib" ptType="sibTrans" cnt="1">
-        <dgm:layoutNode name="sibTrans">
-          <dgm:alg type="sp"/>
-          <dgm:shape xmlns:r="http://schemas.openxmlformats.org/officeDocument/2006/relationships" r:blip="">
-            <dgm:adjLst/>
-          </dgm:shape>
-          <dgm:presOf axis="self"/>
-          <dgm:constrLst/>
-          <dgm:ruleLst/>
-        </dgm:layoutNode>
-      </dgm:forEach>
+      <dgm:choose name="Name1">
+        <dgm:if name="Name2" axis="ch" ptType="node" func="cnt" op="gte" val="1">
+          <dgm:layoutNode name="childText" styleLbl="revTx">
+            <dgm:varLst>
+              <dgm:bulletEnabled val="1"/>
+            </dgm:varLst>
+            <dgm:alg type="tx">
+              <dgm:param type="stBulletLvl" val="1"/>
+              <dgm:param type="lnSpAfChP" val="20"/>
+            </dgm:alg>
+            <dgm:shape xmlns:r="http://schemas.openxmlformats.org/officeDocument/2006/relationships" type="rect" r:blip="">
+              <dgm:adjLst/>
+            </dgm:shape>
+            <dgm:presOf axis="des" ptType="node"/>
+            <dgm:constrLst>
+              <dgm:constr type="tMarg" refType="primFontSz" fact="0.1"/>
+              <dgm:constr type="bMarg" refType="primFontSz" fact="0.1"/>
+              <dgm:constr type="lMarg" refType="w" fact="0.09"/>
+            </dgm:constrLst>
+            <dgm:ruleLst>
+              <dgm:rule type="h" val="INF" fact="NaN" max="NaN"/>
+            </dgm:ruleLst>
+          </dgm:layoutNode>
+        </dgm:if>
+        <dgm:else name="Name3">
+          <dgm:choose name="Name4">
+            <dgm:if name="Name5" axis="par ch" ptType="doc node" func="cnt" op="gte" val="2">
+              <dgm:forEach name="Name6" axis="followSib" ptType="sibTrans" cnt="1">
+                <dgm:layoutNode name="spacer">
+                  <dgm:alg type="sp"/>
+                  <dgm:shape xmlns:r="http://schemas.openxmlformats.org/officeDocument/2006/relationships" r:blip="">
+                    <dgm:adjLst/>
+                  </dgm:shape>
+                  <dgm:presOf/>
+                  <dgm:constrLst/>
+                  <dgm:ruleLst/>
+                </dgm:layoutNode>
+              </dgm:forEach>
+            </dgm:if>
+            <dgm:else name="Name7"/>
+          </dgm:choose>
+        </dgm:else>
+      </dgm:choose>
     </dgm:forEach>
   </dgm:layoutNode>
-  <dgm:extLst>
-    <a:ext uri="{68A01E43-0DF5-4B5B-8FA6-DAF915123BFB}">
-      <dgm1612:lstStyle xmlns:dgm1612="http://schemas.microsoft.com/office/drawing/2016/12/diagram">
-        <a:lvl1pPr>
-          <a:lnSpc>
-            <a:spcPct val="100000"/>
-          </a:lnSpc>
-        </a:lvl1pPr>
-        <a:lvl2pPr>
-          <a:lnSpc>
-            <a:spcPct val="100000"/>
-          </a:lnSpc>
-        </a:lvl2pPr>
-      </dgm1612:lstStyle>
-    </a:ext>
-  </dgm:extLst>
 </dgm:layoutDef>
 </file>
 
@@ -24590,7 +24639,7 @@
           <a:p>
             <a:fld id="{F7FE361F-3F51-483A-BB7E-D265C0B82B86}" type="datetimeFigureOut">
               <a:rPr lang="en-US" smtClean="0"/>
-              <a:t>28-Mar-21</a:t>
+              <a:t>14-Jun-21</a:t>
             </a:fld>
             <a:endParaRPr lang="en-US"/>
           </a:p>
@@ -24798,7 +24847,7 @@
           <a:p>
             <a:fld id="{F7FE361F-3F51-483A-BB7E-D265C0B82B86}" type="datetimeFigureOut">
               <a:rPr lang="en-US" smtClean="0"/>
-              <a:t>28-Mar-21</a:t>
+              <a:t>14-Jun-21</a:t>
             </a:fld>
             <a:endParaRPr lang="en-US"/>
           </a:p>
@@ -25054,7 +25103,7 @@
           <a:p>
             <a:fld id="{F7FE361F-3F51-483A-BB7E-D265C0B82B86}" type="datetimeFigureOut">
               <a:rPr lang="en-US" smtClean="0"/>
-              <a:t>28-Mar-21</a:t>
+              <a:t>14-Jun-21</a:t>
             </a:fld>
             <a:endParaRPr lang="en-US"/>
           </a:p>
@@ -25228,7 +25277,7 @@
           <a:p>
             <a:fld id="{F7FE361F-3F51-483A-BB7E-D265C0B82B86}" type="datetimeFigureOut">
               <a:rPr lang="en-US" smtClean="0"/>
-              <a:t>28-Mar-21</a:t>
+              <a:t>14-Jun-21</a:t>
             </a:fld>
             <a:endParaRPr lang="en-US"/>
           </a:p>
@@ -25571,7 +25620,7 @@
           <a:p>
             <a:fld id="{F7FE361F-3F51-483A-BB7E-D265C0B82B86}" type="datetimeFigureOut">
               <a:rPr lang="en-US" smtClean="0"/>
-              <a:t>28-Mar-21</a:t>
+              <a:t>14-Jun-21</a:t>
             </a:fld>
             <a:endParaRPr lang="en-US"/>
           </a:p>
@@ -25846,7 +25895,7 @@
           <a:p>
             <a:fld id="{F7FE361F-3F51-483A-BB7E-D265C0B82B86}" type="datetimeFigureOut">
               <a:rPr lang="en-US" smtClean="0"/>
-              <a:t>28-Mar-21</a:t>
+              <a:t>14-Jun-21</a:t>
             </a:fld>
             <a:endParaRPr lang="en-US"/>
           </a:p>
@@ -26225,7 +26274,7 @@
           <a:p>
             <a:fld id="{F7FE361F-3F51-483A-BB7E-D265C0B82B86}" type="datetimeFigureOut">
               <a:rPr lang="en-US" smtClean="0"/>
-              <a:t>28-Mar-21</a:t>
+              <a:t>14-Jun-21</a:t>
             </a:fld>
             <a:endParaRPr lang="en-US"/>
           </a:p>
@@ -26343,7 +26392,7 @@
           <a:p>
             <a:fld id="{F7FE361F-3F51-483A-BB7E-D265C0B82B86}" type="datetimeFigureOut">
               <a:rPr lang="en-US" smtClean="0"/>
-              <a:t>28-Mar-21</a:t>
+              <a:t>14-Jun-21</a:t>
             </a:fld>
             <a:endParaRPr lang="en-US"/>
           </a:p>
@@ -26514,7 +26563,7 @@
           <a:p>
             <a:fld id="{F7FE361F-3F51-483A-BB7E-D265C0B82B86}" type="datetimeFigureOut">
               <a:rPr lang="en-US" smtClean="0"/>
-              <a:t>28-Mar-21</a:t>
+              <a:t>14-Jun-21</a:t>
             </a:fld>
             <a:endParaRPr lang="en-US"/>
           </a:p>
@@ -26868,7 +26917,7 @@
           <a:p>
             <a:fld id="{F7FE361F-3F51-483A-BB7E-D265C0B82B86}" type="datetimeFigureOut">
               <a:rPr lang="en-US" smtClean="0"/>
-              <a:t>28-Mar-21</a:t>
+              <a:t>14-Jun-21</a:t>
             </a:fld>
             <a:endParaRPr lang="en-US"/>
           </a:p>
@@ -27250,7 +27299,7 @@
           <a:p>
             <a:fld id="{F7FE361F-3F51-483A-BB7E-D265C0B82B86}" type="datetimeFigureOut">
               <a:rPr lang="en-US" smtClean="0"/>
-              <a:t>28-Mar-21</a:t>
+              <a:t>14-Jun-21</a:t>
             </a:fld>
             <a:endParaRPr lang="en-US"/>
           </a:p>
@@ -27537,7 +27586,7 @@
           <a:p>
             <a:fld id="{F7FE361F-3F51-483A-BB7E-D265C0B82B86}" type="datetimeFigureOut">
               <a:rPr lang="en-US" smtClean="0"/>
-              <a:t>28-Mar-21</a:t>
+              <a:t>14-Jun-21</a:t>
             </a:fld>
             <a:endParaRPr lang="en-US"/>
           </a:p>
@@ -28737,110 +28786,6 @@
 <file path=ppt/slides/slide10.xml><?xml version="1.0" encoding="utf-8"?>
 <p:sld xmlns:a="http://schemas.openxmlformats.org/drawingml/2006/main" xmlns:r="http://schemas.openxmlformats.org/officeDocument/2006/relationships" xmlns:p="http://schemas.openxmlformats.org/presentationml/2006/main">
   <p:cSld>
-    <p:bg>
-      <p:bgPr>
-        <a:solidFill>
-          <a:schemeClr val="bg1"/>
-        </a:solidFill>
-        <a:effectLst/>
-      </p:bgPr>
-    </p:bg>
-    <p:spTree>
-      <p:nvGrpSpPr>
-        <p:cNvPr id="1" name=""/>
-        <p:cNvGrpSpPr/>
-        <p:nvPr/>
-      </p:nvGrpSpPr>
-      <p:grpSpPr>
-        <a:xfrm>
-          <a:off x="0" y="0"/>
-          <a:ext cx="0" cy="0"/>
-          <a:chOff x="0" y="0"/>
-          <a:chExt cx="0" cy="0"/>
-        </a:xfrm>
-      </p:grpSpPr>
-      <p:sp>
-        <p:nvSpPr>
-          <p:cNvPr id="2" name="Title 1">
-            <a:extLst>
-              <a:ext uri="{FF2B5EF4-FFF2-40B4-BE49-F238E27FC236}">
-                <a16:creationId xmlns:a16="http://schemas.microsoft.com/office/drawing/2014/main" id="{C45783E2-7EAD-412A-B2FE-9D2B5571C54E}"/>
-              </a:ext>
-            </a:extLst>
-          </p:cNvPr>
-          <p:cNvSpPr>
-            <a:spLocks noGrp="1"/>
-          </p:cNvSpPr>
-          <p:nvPr>
-            <p:ph type="title"/>
-          </p:nvPr>
-        </p:nvSpPr>
-        <p:spPr>
-          <a:xfrm>
-            <a:off x="1097280" y="286603"/>
-            <a:ext cx="10058400" cy="1450757"/>
-          </a:xfrm>
-        </p:spPr>
-        <p:txBody>
-          <a:bodyPr>
-            <a:normAutofit/>
-          </a:bodyPr>
-          <a:lstStyle/>
-          <a:p>
-            <a:r>
-              <a:rPr lang="en-US"/>
-              <a:t>Phần loại kiểm thử động</a:t>
-            </a:r>
-          </a:p>
-        </p:txBody>
-      </p:sp>
-      <p:graphicFrame>
-        <p:nvGraphicFramePr>
-          <p:cNvPr id="14" name="Content Placeholder 2">
-            <a:extLst>
-              <a:ext uri="{FF2B5EF4-FFF2-40B4-BE49-F238E27FC236}">
-                <a16:creationId xmlns:a16="http://schemas.microsoft.com/office/drawing/2014/main" id="{C5C529F3-E4D5-47CC-8CE5-C1638138BA3E}"/>
-              </a:ext>
-            </a:extLst>
-          </p:cNvPr>
-          <p:cNvGraphicFramePr>
-            <a:graphicFrameLocks noGrp="1"/>
-          </p:cNvGraphicFramePr>
-          <p:nvPr>
-            <p:ph idx="1"/>
-            <p:extLst>
-              <p:ext uri="{D42A27DB-BD31-4B8C-83A1-F6EECF244321}">
-                <p14:modId xmlns:p14="http://schemas.microsoft.com/office/powerpoint/2010/main" val="29788883"/>
-              </p:ext>
-            </p:extLst>
-          </p:nvPr>
-        </p:nvGraphicFramePr>
-        <p:xfrm>
-          <a:off x="1096963" y="2098515"/>
-          <a:ext cx="10058400" cy="3786080"/>
-        </p:xfrm>
-        <a:graphic>
-          <a:graphicData uri="http://schemas.openxmlformats.org/drawingml/2006/diagram">
-            <dgm:relIds xmlns:dgm="http://schemas.openxmlformats.org/drawingml/2006/diagram" xmlns:r="http://schemas.openxmlformats.org/officeDocument/2006/relationships" r:dm="rId2" r:lo="rId3" r:qs="rId4" r:cs="rId5"/>
-          </a:graphicData>
-        </a:graphic>
-      </p:graphicFrame>
-    </p:spTree>
-    <p:extLst>
-      <p:ext uri="{BB962C8B-B14F-4D97-AF65-F5344CB8AC3E}">
-        <p14:creationId xmlns:p14="http://schemas.microsoft.com/office/powerpoint/2010/main" val="2362245134"/>
-      </p:ext>
-    </p:extLst>
-  </p:cSld>
-  <p:clrMapOvr>
-    <a:masterClrMapping/>
-  </p:clrMapOvr>
-</p:sld>
-</file>
-
-<file path=ppt/slides/slide11.xml><?xml version="1.0" encoding="utf-8"?>
-<p:sld xmlns:a="http://schemas.openxmlformats.org/drawingml/2006/main" xmlns:r="http://schemas.openxmlformats.org/officeDocument/2006/relationships" xmlns:p="http://schemas.openxmlformats.org/presentationml/2006/main">
-  <p:cSld>
     <p:spTree>
       <p:nvGrpSpPr>
         <p:cNvPr id="1" name=""/>
@@ -29300,7 +29245,7 @@
 </p:sld>
 </file>
 
-<file path=ppt/slides/slide12.xml><?xml version="1.0" encoding="utf-8"?>
+<file path=ppt/slides/slide11.xml><?xml version="1.0" encoding="utf-8"?>
 <p:sld xmlns:a="http://schemas.openxmlformats.org/drawingml/2006/main" xmlns:r="http://schemas.openxmlformats.org/officeDocument/2006/relationships" xmlns:p="http://schemas.openxmlformats.org/presentationml/2006/main">
   <p:cSld>
     <p:spTree>
@@ -29465,7 +29410,7 @@
 </p:sld>
 </file>
 
-<file path=ppt/slides/slide13.xml><?xml version="1.0" encoding="utf-8"?>
+<file path=ppt/slides/slide12.xml><?xml version="1.0" encoding="utf-8"?>
 <p:sld xmlns:a="http://schemas.openxmlformats.org/drawingml/2006/main" xmlns:r="http://schemas.openxmlformats.org/officeDocument/2006/relationships" xmlns:p="http://schemas.openxmlformats.org/presentationml/2006/main">
   <p:cSld>
     <p:bg>
@@ -29743,7 +29688,7 @@
 </p:sld>
 </file>
 
-<file path=ppt/slides/slide14.xml><?xml version="1.0" encoding="utf-8"?>
+<file path=ppt/slides/slide13.xml><?xml version="1.0" encoding="utf-8"?>
 <p:sld xmlns:a="http://schemas.openxmlformats.org/drawingml/2006/main" xmlns:r="http://schemas.openxmlformats.org/officeDocument/2006/relationships" xmlns:p="http://schemas.openxmlformats.org/presentationml/2006/main">
   <p:cSld>
     <p:spTree>
@@ -29897,7 +29842,7 @@
 </p:sld>
 </file>
 
-<file path=ppt/slides/slide15.xml><?xml version="1.0" encoding="utf-8"?>
+<file path=ppt/slides/slide14.xml><?xml version="1.0" encoding="utf-8"?>
 <p:sld xmlns:a="http://schemas.openxmlformats.org/drawingml/2006/main" xmlns:r="http://schemas.openxmlformats.org/officeDocument/2006/relationships" xmlns:p="http://schemas.openxmlformats.org/presentationml/2006/main">
   <p:cSld>
     <p:spTree>
@@ -30093,7 +30038,7 @@
 </p:sld>
 </file>
 
-<file path=ppt/slides/slide16.xml><?xml version="1.0" encoding="utf-8"?>
+<file path=ppt/slides/slide15.xml><?xml version="1.0" encoding="utf-8"?>
 <p:sld xmlns:a="http://schemas.openxmlformats.org/drawingml/2006/main" xmlns:r="http://schemas.openxmlformats.org/officeDocument/2006/relationships" xmlns:p="http://schemas.openxmlformats.org/presentationml/2006/main">
   <p:cSld>
     <p:bg>
@@ -30210,7 +30155,7 @@
 </p:sld>
 </file>
 
-<file path=ppt/slides/slide17.xml><?xml version="1.0" encoding="utf-8"?>
+<file path=ppt/slides/slide16.xml><?xml version="1.0" encoding="utf-8"?>
 <p:sld xmlns:a="http://schemas.openxmlformats.org/drawingml/2006/main" xmlns:r="http://schemas.openxmlformats.org/officeDocument/2006/relationships" xmlns:p="http://schemas.openxmlformats.org/presentationml/2006/main">
   <p:cSld>
     <p:bg>
@@ -30549,17 +30494,9 @@
 </p:sld>
 </file>
 
-<file path=ppt/slides/slide18.xml><?xml version="1.0" encoding="utf-8"?>
+<file path=ppt/slides/slide17.xml><?xml version="1.0" encoding="utf-8"?>
 <p:sld xmlns:a="http://schemas.openxmlformats.org/drawingml/2006/main" xmlns:r="http://schemas.openxmlformats.org/officeDocument/2006/relationships" xmlns:p="http://schemas.openxmlformats.org/presentationml/2006/main">
   <p:cSld>
-    <p:bg>
-      <p:bgPr>
-        <a:solidFill>
-          <a:schemeClr val="bg1"/>
-        </a:solidFill>
-        <a:effectLst/>
-      </p:bgPr>
-    </p:bg>
     <p:spTree>
       <p:nvGrpSpPr>
         <p:cNvPr id="1" name=""/>
@@ -30574,127 +30511,12 @@
           <a:chExt cx="0" cy="0"/>
         </a:xfrm>
       </p:grpSpPr>
-      <p:sp useBgFill="1">
-        <p:nvSpPr>
-          <p:cNvPr id="10" name="Rectangle 9">
-            <a:extLst>
-              <a:ext uri="{FF2B5EF4-FFF2-40B4-BE49-F238E27FC236}">
-                <a16:creationId xmlns:a16="http://schemas.microsoft.com/office/drawing/2014/main" id="{44CC594A-A820-450F-B363-C19201FCFEC6}"/>
-              </a:ext>
-              <a:ext uri="{C183D7F6-B498-43B3-948B-1728B52AA6E4}">
-                <adec:decorative xmlns:adec="http://schemas.microsoft.com/office/drawing/2017/decorative" val="1"/>
-              </a:ext>
-            </a:extLst>
-          </p:cNvPr>
-          <p:cNvSpPr>
-            <a:spLocks noGrp="1" noRot="1" noChangeAspect="1" noMove="1" noResize="1" noEditPoints="1" noAdjustHandles="1" noChangeArrowheads="1" noChangeShapeType="1" noTextEdit="1"/>
-          </p:cNvSpPr>
-          <p:nvPr>
-            <p:extLst>
-              <p:ext uri="{386F3935-93C4-4BCD-93E2-E3B085C9AB24}">
-                <p16:designElem xmlns:p16="http://schemas.microsoft.com/office/powerpoint/2015/main" val="1"/>
-              </p:ext>
-            </p:extLst>
-          </p:nvPr>
-        </p:nvSpPr>
-        <p:spPr>
-          <a:xfrm>
-            <a:off x="0" y="0"/>
-            <a:ext cx="12186315" cy="6858000"/>
-          </a:xfrm>
-          <a:prstGeom prst="rect">
-            <a:avLst/>
-          </a:prstGeom>
-          <a:ln>
-            <a:noFill/>
-          </a:ln>
-        </p:spPr>
-        <p:style>
-          <a:lnRef idx="2">
-            <a:schemeClr val="accent6">
-              <a:shade val="50000"/>
-            </a:schemeClr>
-          </a:lnRef>
-          <a:fillRef idx="1001">
-            <a:schemeClr val="lt1"/>
-          </a:fillRef>
-          <a:effectRef idx="0">
-            <a:schemeClr val="accent6"/>
-          </a:effectRef>
-          <a:fontRef idx="minor">
-            <a:schemeClr val="lt1"/>
-          </a:fontRef>
-        </p:style>
-        <p:txBody>
-          <a:bodyPr rtlCol="0" anchor="ctr"/>
-          <a:lstStyle/>
-          <a:p>
-            <a:pPr algn="ctr"/>
-            <a:endParaRPr lang="en-US"/>
-          </a:p>
-        </p:txBody>
-      </p:sp>
-      <p:sp>
-        <p:nvSpPr>
-          <p:cNvPr id="12" name="Rectangle 11">
-            <a:extLst>
-              <a:ext uri="{FF2B5EF4-FFF2-40B4-BE49-F238E27FC236}">
-                <a16:creationId xmlns:a16="http://schemas.microsoft.com/office/drawing/2014/main" id="{59FAB3DA-E9ED-4574-ABCC-378BC0FF1BBC}"/>
-              </a:ext>
-              <a:ext uri="{C183D7F6-B498-43B3-948B-1728B52AA6E4}">
-                <adec:decorative xmlns:adec="http://schemas.microsoft.com/office/drawing/2017/decorative" val="1"/>
-              </a:ext>
-            </a:extLst>
-          </p:cNvPr>
-          <p:cNvSpPr>
-            <a:spLocks noGrp="1" noRot="1" noChangeAspect="1" noMove="1" noResize="1" noEditPoints="1" noAdjustHandles="1" noChangeArrowheads="1" noChangeShapeType="1" noTextEdit="1"/>
-          </p:cNvSpPr>
-          <p:nvPr>
-            <p:extLst>
-              <p:ext uri="{386F3935-93C4-4BCD-93E2-E3B085C9AB24}">
-                <p16:designElem xmlns:p16="http://schemas.microsoft.com/office/powerpoint/2015/main" val="1"/>
-              </p:ext>
-            </p:extLst>
-          </p:nvPr>
-        </p:nvSpPr>
-        <p:spPr>
-          <a:xfrm>
-            <a:off x="16" y="0"/>
-            <a:ext cx="4050791" cy="6858000"/>
-          </a:xfrm>
-          <a:prstGeom prst="rect">
-            <a:avLst/>
-          </a:prstGeom>
-          <a:solidFill>
-            <a:schemeClr val="accent2"/>
-          </a:solidFill>
-          <a:ln>
-            <a:noFill/>
-          </a:ln>
-        </p:spPr>
-        <p:style>
-          <a:lnRef idx="2">
-            <a:schemeClr val="accent1">
-              <a:shade val="50000"/>
-            </a:schemeClr>
-          </a:lnRef>
-          <a:fillRef idx="1">
-            <a:schemeClr val="accent1"/>
-          </a:fillRef>
-          <a:effectRef idx="0">
-            <a:schemeClr val="accent1"/>
-          </a:effectRef>
-          <a:fontRef idx="minor">
-            <a:schemeClr val="lt1"/>
-          </a:fontRef>
-        </p:style>
-      </p:sp>
       <p:sp>
         <p:nvSpPr>
           <p:cNvPr id="2" name="Title 1">
             <a:extLst>
               <a:ext uri="{FF2B5EF4-FFF2-40B4-BE49-F238E27FC236}">
-                <a16:creationId xmlns:a16="http://schemas.microsoft.com/office/drawing/2014/main" id="{C1FA6507-1E01-4EC1-AE4A-94BBA03D5102}"/>
+                <a16:creationId xmlns:a16="http://schemas.microsoft.com/office/drawing/2014/main" id="{E88E073A-08DC-404D-B6CE-20BAB95414AA}"/>
               </a:ext>
             </a:extLst>
           </p:cNvPr>
@@ -30705,26 +30527,44 @@
             <p:ph type="title"/>
           </p:nvPr>
         </p:nvSpPr>
-        <p:spPr>
-          <a:xfrm>
-            <a:off x="492370" y="516835"/>
-            <a:ext cx="3084844" cy="2103875"/>
-          </a:xfrm>
-        </p:spPr>
+        <p:spPr/>
         <p:txBody>
-          <a:bodyPr>
-            <a:normAutofit/>
-          </a:bodyPr>
+          <a:bodyPr/>
           <a:lstStyle/>
           <a:p>
             <a:r>
-              <a:rPr lang="en-US" sz="3600">
-                <a:solidFill>
-                  <a:srgbClr val="FFFFFF"/>
-                </a:solidFill>
-              </a:rPr>
-              <a:t>Integration test – cách tiếp cận</a:t>
-            </a:r>
+              <a:rPr lang="en-US" dirty="0"/>
+              <a:t>System test – </a:t>
+            </a:r>
+            <a:r>
+              <a:rPr lang="en-US" dirty="0" err="1"/>
+              <a:t>kiểm</a:t>
+            </a:r>
+            <a:r>
+              <a:rPr lang="en-US" dirty="0"/>
+              <a:t> </a:t>
+            </a:r>
+            <a:r>
+              <a:rPr lang="en-US" dirty="0" err="1"/>
+              <a:t>thử</a:t>
+            </a:r>
+            <a:r>
+              <a:rPr lang="en-US" dirty="0"/>
+              <a:t> </a:t>
+            </a:r>
+            <a:r>
+              <a:rPr lang="en-US" dirty="0" err="1"/>
+              <a:t>hệ</a:t>
+            </a:r>
+            <a:r>
+              <a:rPr lang="en-US" dirty="0"/>
+              <a:t> </a:t>
+            </a:r>
+            <a:r>
+              <a:rPr lang="en-US" dirty="0" err="1"/>
+              <a:t>thống</a:t>
+            </a:r>
+            <a:endParaRPr lang="en-US" dirty="0"/>
           </a:p>
         </p:txBody>
       </p:sp>
@@ -30733,7 +30573,7 @@
           <p:cNvPr id="3" name="Content Placeholder 2">
             <a:extLst>
               <a:ext uri="{FF2B5EF4-FFF2-40B4-BE49-F238E27FC236}">
-                <a16:creationId xmlns:a16="http://schemas.microsoft.com/office/drawing/2014/main" id="{C47B21DF-29F9-4252-B5CA-F3FD8CBC28E9}"/>
+                <a16:creationId xmlns:a16="http://schemas.microsoft.com/office/drawing/2014/main" id="{4CA8AF1F-F4B9-441C-BE90-816F4C48559B}"/>
               </a:ext>
             </a:extLst>
           </p:cNvPr>
@@ -30744,144 +30584,414 @@
             <p:ph idx="1"/>
           </p:nvPr>
         </p:nvSpPr>
-        <p:spPr>
-          <a:xfrm>
-            <a:off x="492371" y="2653800"/>
-            <a:ext cx="3084844" cy="3335519"/>
-          </a:xfrm>
-        </p:spPr>
+        <p:spPr/>
         <p:txBody>
-          <a:bodyPr>
-            <a:normAutofit/>
-          </a:bodyPr>
+          <a:bodyPr/>
           <a:lstStyle/>
           <a:p>
-            <a:r>
-              <a:rPr lang="vi-VN" sz="1500" b="1" i="0">
+            <a:pPr algn="l">
+              <a:buFont typeface="Arial" panose="020B0604020202020204" pitchFamily="34" charset="0"/>
+              <a:buChar char="•"/>
+            </a:pPr>
+            <a:r>
+              <a:rPr lang="vi-VN" sz="2400" b="1" i="0" dirty="0">
                 <a:solidFill>
-                  <a:srgbClr val="FFFFFF"/>
+                  <a:srgbClr val="292B2C"/>
                 </a:solidFill>
                 <a:effectLst/>
                 <a:latin typeface="+mj-lt"/>
               </a:rPr>
-              <a:t>Big Bang:</a:t>
-            </a:r>
-            <a:r>
-              <a:rPr lang="vi-VN" sz="1500" b="0" i="0">
+              <a:t>Khái niệm:</a:t>
+            </a:r>
+            <a:r>
+              <a:rPr lang="vi-VN" sz="2400" b="0" i="0" dirty="0">
                 <a:solidFill>
-                  <a:srgbClr val="FFFFFF"/>
+                  <a:srgbClr val="292B2C"/>
                 </a:solidFill>
                 <a:effectLst/>
                 <a:latin typeface="+mj-lt"/>
               </a:rPr>
-              <a:t> tất cả các thành phần được tích hợp cùng một lúc và sau đó được kiểm thử. Cách tiếp cận này được thực hiện khi nhóm kiểm thử nhận được toàn bộ phần mềm</a:t>
-            </a:r>
-            <a:endParaRPr lang="en-US" sz="1500" b="0" i="0">
+              <a:t> Kiểm thử hệ thống là kiểm thử toàn bộ chức năng và giao diện của hệ thống.</a:t>
+            </a:r>
+          </a:p>
+          <a:p>
+            <a:pPr algn="l">
+              <a:buFont typeface="Arial" panose="020B0604020202020204" pitchFamily="34" charset="0"/>
+              <a:buChar char="•"/>
+            </a:pPr>
+            <a:r>
+              <a:rPr lang="vi-VN" sz="2400" b="1" i="0" dirty="0">
+                <a:solidFill>
+                  <a:srgbClr val="292B2C"/>
+                </a:solidFill>
+                <a:effectLst/>
+                <a:latin typeface="+mj-lt"/>
+              </a:rPr>
+              <a:t>Mục đích:</a:t>
+            </a:r>
+            <a:r>
+              <a:rPr lang="vi-VN" sz="2400" b="0" i="0" dirty="0">
+                <a:solidFill>
+                  <a:srgbClr val="292B2C"/>
+                </a:solidFill>
+                <a:effectLst/>
+                <a:latin typeface="+mj-lt"/>
+              </a:rPr>
+              <a:t> Đánh giá hệ thống có đáp ứng theo đúng yêu cầu nghiệp vụ, yêu cầu về chức năng đưa ra hay không.</a:t>
+            </a:r>
+          </a:p>
+          <a:p>
+            <a:pPr algn="l">
+              <a:buFont typeface="Arial" panose="020B0604020202020204" pitchFamily="34" charset="0"/>
+              <a:buChar char="•"/>
+            </a:pPr>
+            <a:r>
+              <a:rPr lang="vi-VN" sz="2400" b="1" i="0" dirty="0">
+                <a:solidFill>
+                  <a:srgbClr val="292B2C"/>
+                </a:solidFill>
+                <a:effectLst/>
+                <a:latin typeface="+mj-lt"/>
+              </a:rPr>
+              <a:t>Sử dụng phương pháp:</a:t>
+            </a:r>
+            <a:r>
+              <a:rPr lang="vi-VN" sz="2400" b="0" i="0" dirty="0">
+                <a:solidFill>
+                  <a:srgbClr val="292B2C"/>
+                </a:solidFill>
+                <a:effectLst/>
+                <a:latin typeface="+mj-lt"/>
+              </a:rPr>
+              <a:t> Kiểm thử hộp đen là phổ biến</a:t>
+            </a:r>
+          </a:p>
+          <a:p>
+            <a:pPr algn="l">
+              <a:buFont typeface="Arial" panose="020B0604020202020204" pitchFamily="34" charset="0"/>
+              <a:buChar char="•"/>
+            </a:pPr>
+            <a:r>
+              <a:rPr lang="vi-VN" sz="2400" b="1" i="0" dirty="0">
+                <a:solidFill>
+                  <a:srgbClr val="292B2C"/>
+                </a:solidFill>
+                <a:effectLst/>
+                <a:latin typeface="+mj-lt"/>
+              </a:rPr>
+              <a:t>Người thực hiện:</a:t>
+            </a:r>
+            <a:r>
+              <a:rPr lang="vi-VN" sz="2400" b="0" i="0" dirty="0">
+                <a:solidFill>
+                  <a:srgbClr val="292B2C"/>
+                </a:solidFill>
+                <a:effectLst/>
+                <a:latin typeface="+mj-lt"/>
+              </a:rPr>
+              <a:t> Thường là Tester thực hiện</a:t>
+            </a:r>
+          </a:p>
+          <a:p>
+            <a:endParaRPr lang="en-US" dirty="0"/>
+          </a:p>
+        </p:txBody>
+      </p:sp>
+    </p:spTree>
+    <p:extLst>
+      <p:ext uri="{BB962C8B-B14F-4D97-AF65-F5344CB8AC3E}">
+        <p14:creationId xmlns:p14="http://schemas.microsoft.com/office/powerpoint/2010/main" val="2032146940"/>
+      </p:ext>
+    </p:extLst>
+  </p:cSld>
+  <p:clrMapOvr>
+    <a:masterClrMapping/>
+  </p:clrMapOvr>
+</p:sld>
+</file>
+
+<file path=ppt/slides/slide18.xml><?xml version="1.0" encoding="utf-8"?>
+<p:sld xmlns:a="http://schemas.openxmlformats.org/drawingml/2006/main" xmlns:r="http://schemas.openxmlformats.org/officeDocument/2006/relationships" xmlns:p="http://schemas.openxmlformats.org/presentationml/2006/main">
+  <p:cSld>
+    <p:spTree>
+      <p:nvGrpSpPr>
+        <p:cNvPr id="1" name=""/>
+        <p:cNvGrpSpPr/>
+        <p:nvPr/>
+      </p:nvGrpSpPr>
+      <p:grpSpPr>
+        <a:xfrm>
+          <a:off x="0" y="0"/>
+          <a:ext cx="0" cy="0"/>
+          <a:chOff x="0" y="0"/>
+          <a:chExt cx="0" cy="0"/>
+        </a:xfrm>
+      </p:grpSpPr>
+      <p:sp>
+        <p:nvSpPr>
+          <p:cNvPr id="2" name="Title 1">
+            <a:extLst>
+              <a:ext uri="{FF2B5EF4-FFF2-40B4-BE49-F238E27FC236}">
+                <a16:creationId xmlns:a16="http://schemas.microsoft.com/office/drawing/2014/main" id="{4939C5ED-819A-4B76-8269-9D839E0D7488}"/>
+              </a:ext>
+            </a:extLst>
+          </p:cNvPr>
+          <p:cNvSpPr>
+            <a:spLocks noGrp="1"/>
+          </p:cNvSpPr>
+          <p:nvPr>
+            <p:ph type="title"/>
+          </p:nvPr>
+        </p:nvSpPr>
+        <p:spPr/>
+        <p:txBody>
+          <a:bodyPr/>
+          <a:lstStyle/>
+          <a:p>
+            <a:r>
+              <a:rPr lang="en-US" dirty="0"/>
+              <a:t>System test – </a:t>
+            </a:r>
+            <a:r>
+              <a:rPr lang="en-US" dirty="0" err="1"/>
+              <a:t>phân</a:t>
+            </a:r>
+            <a:r>
+              <a:rPr lang="en-US" dirty="0"/>
+              <a:t> </a:t>
+            </a:r>
+            <a:r>
+              <a:rPr lang="en-US" dirty="0" err="1"/>
+              <a:t>loại</a:t>
+            </a:r>
+            <a:endParaRPr lang="en-US" dirty="0"/>
+          </a:p>
+        </p:txBody>
+      </p:sp>
+      <p:sp>
+        <p:nvSpPr>
+          <p:cNvPr id="3" name="Content Placeholder 2">
+            <a:extLst>
+              <a:ext uri="{FF2B5EF4-FFF2-40B4-BE49-F238E27FC236}">
+                <a16:creationId xmlns:a16="http://schemas.microsoft.com/office/drawing/2014/main" id="{A13C235A-BC5F-417F-BB97-DE2F5C34A3B6}"/>
+              </a:ext>
+            </a:extLst>
+          </p:cNvPr>
+          <p:cNvSpPr>
+            <a:spLocks noGrp="1"/>
+          </p:cNvSpPr>
+          <p:nvPr>
+            <p:ph idx="1"/>
+          </p:nvPr>
+        </p:nvSpPr>
+        <p:spPr/>
+        <p:txBody>
+          <a:bodyPr/>
+          <a:lstStyle/>
+          <a:p>
+            <a:pPr algn="just">
+              <a:buFont typeface="Arial" panose="020B0604020202020204" pitchFamily="34" charset="0"/>
+              <a:buChar char="•"/>
+            </a:pPr>
+            <a:r>
+              <a:rPr lang="vi-VN" sz="2400" b="0" i="0" dirty="0">
+                <a:solidFill>
+                  <a:srgbClr val="333333"/>
+                </a:solidFill>
+                <a:effectLst/>
+                <a:latin typeface="+mj-lt"/>
+              </a:rPr>
+              <a:t>Kiểm thử chức năng (Functional Test)</a:t>
+            </a:r>
+          </a:p>
+          <a:p>
+            <a:pPr algn="just">
+              <a:buFont typeface="Arial" panose="020B0604020202020204" pitchFamily="34" charset="0"/>
+              <a:buChar char="•"/>
+            </a:pPr>
+            <a:r>
+              <a:rPr lang="vi-VN" sz="2400" b="0" i="0" dirty="0">
+                <a:solidFill>
+                  <a:srgbClr val="333333"/>
+                </a:solidFill>
+                <a:effectLst/>
+                <a:latin typeface="+mj-lt"/>
+              </a:rPr>
+              <a:t>Kiểm thử hiệu năng (Performance Test)</a:t>
+            </a:r>
+          </a:p>
+          <a:p>
+            <a:pPr algn="just">
+              <a:buFont typeface="Arial" panose="020B0604020202020204" pitchFamily="34" charset="0"/>
+              <a:buChar char="•"/>
+            </a:pPr>
+            <a:r>
+              <a:rPr lang="vi-VN" sz="2400" b="0" i="0" dirty="0">
+                <a:solidFill>
+                  <a:srgbClr val="333333"/>
+                </a:solidFill>
+                <a:effectLst/>
+                <a:latin typeface="+mj-lt"/>
+              </a:rPr>
+              <a:t>Kiểm thử bảo mật (Security Test)</a:t>
+            </a:r>
+          </a:p>
+          <a:p>
+            <a:pPr algn="just">
+              <a:buFont typeface="Arial" panose="020B0604020202020204" pitchFamily="34" charset="0"/>
+              <a:buChar char="•"/>
+            </a:pPr>
+            <a:r>
+              <a:rPr lang="vi-VN" sz="2400" b="0" i="0" dirty="0">
+                <a:solidFill>
+                  <a:srgbClr val="333333"/>
+                </a:solidFill>
+                <a:effectLst/>
+                <a:latin typeface="+mj-lt"/>
+              </a:rPr>
+              <a:t>Kiểm thử khả năng phục hồi (Recovery Test)</a:t>
+            </a:r>
+            <a:endParaRPr lang="en-US" sz="2400" b="0" i="0" dirty="0">
               <a:solidFill>
-                <a:srgbClr val="FFFFFF"/>
+                <a:srgbClr val="333333"/>
               </a:solidFill>
               <a:effectLst/>
               <a:latin typeface="+mj-lt"/>
             </a:endParaRPr>
           </a:p>
           <a:p>
-            <a:endParaRPr lang="en-US" sz="1500">
+            <a:pPr algn="just">
+              <a:buFont typeface="Arial" panose="020B0604020202020204" pitchFamily="34" charset="0"/>
+              <a:buChar char="•"/>
+            </a:pPr>
+            <a:r>
+              <a:rPr lang="en-US" sz="2400" b="0" i="0" dirty="0" err="1">
+                <a:solidFill>
+                  <a:srgbClr val="292B2C"/>
+                </a:solidFill>
+                <a:effectLst/>
+                <a:latin typeface="Times New Roman" panose="02020603050405020304" pitchFamily="18" charset="0"/>
+                <a:cs typeface="Times New Roman" panose="02020603050405020304" pitchFamily="18" charset="0"/>
+              </a:rPr>
+              <a:t>Kiểm</a:t>
+            </a:r>
+            <a:r>
+              <a:rPr lang="en-US" sz="2400" b="0" i="0" dirty="0">
+                <a:solidFill>
+                  <a:srgbClr val="292B2C"/>
+                </a:solidFill>
+                <a:effectLst/>
+                <a:latin typeface="Times New Roman" panose="02020603050405020304" pitchFamily="18" charset="0"/>
+                <a:cs typeface="Times New Roman" panose="02020603050405020304" pitchFamily="18" charset="0"/>
+              </a:rPr>
+              <a:t> </a:t>
+            </a:r>
+            <a:r>
+              <a:rPr lang="en-US" sz="2400" b="0" i="0" dirty="0" err="1">
+                <a:solidFill>
+                  <a:srgbClr val="292B2C"/>
+                </a:solidFill>
+                <a:effectLst/>
+                <a:latin typeface="Times New Roman" panose="02020603050405020304" pitchFamily="18" charset="0"/>
+                <a:cs typeface="Times New Roman" panose="02020603050405020304" pitchFamily="18" charset="0"/>
+              </a:rPr>
+              <a:t>thử</a:t>
+            </a:r>
+            <a:r>
+              <a:rPr lang="en-US" sz="2400" b="0" i="0" dirty="0">
+                <a:solidFill>
+                  <a:srgbClr val="292B2C"/>
+                </a:solidFill>
+                <a:effectLst/>
+                <a:latin typeface="Times New Roman" panose="02020603050405020304" pitchFamily="18" charset="0"/>
+                <a:cs typeface="Times New Roman" panose="02020603050405020304" pitchFamily="18" charset="0"/>
+              </a:rPr>
+              <a:t> </a:t>
+            </a:r>
+            <a:r>
+              <a:rPr lang="en-US" sz="2400" b="0" i="0" dirty="0" err="1">
+                <a:solidFill>
+                  <a:srgbClr val="292B2C"/>
+                </a:solidFill>
+                <a:effectLst/>
+                <a:latin typeface="Times New Roman" panose="02020603050405020304" pitchFamily="18" charset="0"/>
+                <a:cs typeface="Times New Roman" panose="02020603050405020304" pitchFamily="18" charset="0"/>
+              </a:rPr>
+              <a:t>tính</a:t>
+            </a:r>
+            <a:r>
+              <a:rPr lang="en-US" sz="2400" b="0" i="0" dirty="0">
+                <a:solidFill>
+                  <a:srgbClr val="292B2C"/>
+                </a:solidFill>
+                <a:effectLst/>
+                <a:latin typeface="Times New Roman" panose="02020603050405020304" pitchFamily="18" charset="0"/>
+                <a:cs typeface="Times New Roman" panose="02020603050405020304" pitchFamily="18" charset="0"/>
+              </a:rPr>
+              <a:t> </a:t>
+            </a:r>
+            <a:r>
+              <a:rPr lang="en-US" sz="2400" b="0" i="0" dirty="0" err="1">
+                <a:solidFill>
+                  <a:srgbClr val="292B2C"/>
+                </a:solidFill>
+                <a:effectLst/>
+                <a:latin typeface="Times New Roman" panose="02020603050405020304" pitchFamily="18" charset="0"/>
+                <a:cs typeface="Times New Roman" panose="02020603050405020304" pitchFamily="18" charset="0"/>
+              </a:rPr>
+              <a:t>khả</a:t>
+            </a:r>
+            <a:r>
+              <a:rPr lang="en-US" sz="2400" b="0" i="0" dirty="0">
+                <a:solidFill>
+                  <a:srgbClr val="292B2C"/>
+                </a:solidFill>
+                <a:effectLst/>
+                <a:latin typeface="Times New Roman" panose="02020603050405020304" pitchFamily="18" charset="0"/>
+                <a:cs typeface="Times New Roman" panose="02020603050405020304" pitchFamily="18" charset="0"/>
+              </a:rPr>
+              <a:t> </a:t>
+            </a:r>
+            <a:r>
+              <a:rPr lang="en-US" sz="2400" b="0" i="0" dirty="0" err="1">
+                <a:solidFill>
+                  <a:srgbClr val="292B2C"/>
+                </a:solidFill>
+                <a:effectLst/>
+                <a:latin typeface="Times New Roman" panose="02020603050405020304" pitchFamily="18" charset="0"/>
+                <a:cs typeface="Times New Roman" panose="02020603050405020304" pitchFamily="18" charset="0"/>
+              </a:rPr>
+              <a:t>dụng</a:t>
+            </a:r>
+            <a:r>
+              <a:rPr lang="en-US" sz="2400" b="0" i="0" dirty="0">
+                <a:solidFill>
+                  <a:srgbClr val="292B2C"/>
+                </a:solidFill>
+                <a:effectLst/>
+                <a:latin typeface="Times New Roman" panose="02020603050405020304" pitchFamily="18" charset="0"/>
+                <a:cs typeface="Times New Roman" panose="02020603050405020304" pitchFamily="18" charset="0"/>
+              </a:rPr>
+              <a:t> (Usability Test)</a:t>
+            </a:r>
+            <a:endParaRPr lang="vi-VN" sz="2400" b="0" i="0" dirty="0">
               <a:solidFill>
-                <a:srgbClr val="FFFFFF"/>
+                <a:srgbClr val="333333"/>
               </a:solidFill>
+              <a:effectLst/>
+              <a:latin typeface="Times New Roman" panose="02020603050405020304" pitchFamily="18" charset="0"/>
+              <a:cs typeface="Times New Roman" panose="02020603050405020304" pitchFamily="18" charset="0"/>
             </a:endParaRPr>
+          </a:p>
+          <a:p>
+            <a:endParaRPr lang="en-US" dirty="0"/>
           </a:p>
         </p:txBody>
       </p:sp>
-      <p:sp>
-        <p:nvSpPr>
-          <p:cNvPr id="14" name="Rectangle 13">
-            <a:extLst>
-              <a:ext uri="{FF2B5EF4-FFF2-40B4-BE49-F238E27FC236}">
-                <a16:creationId xmlns:a16="http://schemas.microsoft.com/office/drawing/2014/main" id="{53B8D6B0-55D6-48DC-86D8-FD95D5F118AB}"/>
-              </a:ext>
-              <a:ext uri="{C183D7F6-B498-43B3-948B-1728B52AA6E4}">
-                <adec:decorative xmlns:adec="http://schemas.microsoft.com/office/drawing/2017/decorative" val="1"/>
-              </a:ext>
-            </a:extLst>
-          </p:cNvPr>
-          <p:cNvSpPr>
-            <a:spLocks noGrp="1" noRot="1" noChangeAspect="1" noMove="1" noResize="1" noEditPoints="1" noAdjustHandles="1" noChangeArrowheads="1" noChangeShapeType="1" noTextEdit="1"/>
-          </p:cNvSpPr>
-          <p:nvPr>
-            <p:extLst>
-              <p:ext uri="{386F3935-93C4-4BCD-93E2-E3B085C9AB24}">
-                <p16:designElem xmlns:p16="http://schemas.microsoft.com/office/powerpoint/2015/main" val="1"/>
-              </p:ext>
-            </p:extLst>
-          </p:nvPr>
-        </p:nvSpPr>
-        <p:spPr>
-          <a:xfrm>
-            <a:off x="4040071" y="0"/>
-            <a:ext cx="64008" cy="6858000"/>
-          </a:xfrm>
-          <a:prstGeom prst="rect">
-            <a:avLst/>
-          </a:prstGeom>
-          <a:solidFill>
-            <a:schemeClr val="accent1"/>
-          </a:solidFill>
-          <a:ln>
-            <a:noFill/>
-          </a:ln>
-        </p:spPr>
-        <p:style>
-          <a:lnRef idx="2">
-            <a:schemeClr val="accent1">
-              <a:shade val="50000"/>
-            </a:schemeClr>
-          </a:lnRef>
-          <a:fillRef idx="1">
-            <a:schemeClr val="accent1"/>
-          </a:fillRef>
-          <a:effectRef idx="0">
-            <a:schemeClr val="accent1"/>
-          </a:effectRef>
-          <a:fontRef idx="minor">
-            <a:schemeClr val="lt1"/>
-          </a:fontRef>
-        </p:style>
-      </p:sp>
-      <p:pic>
-        <p:nvPicPr>
-          <p:cNvPr id="5" name="Picture 4">
-            <a:extLst>
-              <a:ext uri="{FF2B5EF4-FFF2-40B4-BE49-F238E27FC236}">
-                <a16:creationId xmlns:a16="http://schemas.microsoft.com/office/drawing/2014/main" id="{71687C4D-FF55-4B45-B791-4DE17B9426B1}"/>
-              </a:ext>
-            </a:extLst>
-          </p:cNvPr>
-          <p:cNvPicPr>
-            <a:picLocks noChangeAspect="1"/>
-          </p:cNvPicPr>
-          <p:nvPr/>
-        </p:nvPicPr>
-        <p:blipFill>
-          <a:blip r:embed="rId2"/>
-          <a:stretch>
-            <a:fillRect/>
-          </a:stretch>
-        </p:blipFill>
-        <p:spPr>
-          <a:xfrm>
-            <a:off x="4742017" y="939202"/>
-            <a:ext cx="6798082" cy="4979595"/>
-          </a:xfrm>
-          <a:prstGeom prst="rect">
-            <a:avLst/>
-          </a:prstGeom>
-        </p:spPr>
-      </p:pic>
     </p:spTree>
     <p:extLst>
       <p:ext uri="{BB962C8B-B14F-4D97-AF65-F5344CB8AC3E}">
-        <p14:creationId xmlns:p14="http://schemas.microsoft.com/office/powerpoint/2010/main" val="3122447978"/>
+        <p14:creationId xmlns:p14="http://schemas.microsoft.com/office/powerpoint/2010/main" val="726715786"/>
       </p:ext>
     </p:extLst>
   </p:cSld>
@@ -30910,10 +31020,67 @@
       </p:grpSpPr>
       <p:sp>
         <p:nvSpPr>
+          <p:cNvPr id="2" name="Title 1">
+            <a:extLst>
+              <a:ext uri="{FF2B5EF4-FFF2-40B4-BE49-F238E27FC236}">
+                <a16:creationId xmlns:a16="http://schemas.microsoft.com/office/drawing/2014/main" id="{F2234230-5FB6-4787-8214-02BE670CDFF2}"/>
+              </a:ext>
+            </a:extLst>
+          </p:cNvPr>
+          <p:cNvSpPr>
+            <a:spLocks noGrp="1"/>
+          </p:cNvSpPr>
+          <p:nvPr>
+            <p:ph type="title"/>
+          </p:nvPr>
+        </p:nvSpPr>
+        <p:spPr/>
+        <p:txBody>
+          <a:bodyPr/>
+          <a:lstStyle/>
+          <a:p>
+            <a:r>
+              <a:rPr lang="en-US" dirty="0"/>
+              <a:t>Acceptance test – </a:t>
+            </a:r>
+            <a:r>
+              <a:rPr lang="en-US" dirty="0" err="1"/>
+              <a:t>kiểm</a:t>
+            </a:r>
+            <a:r>
+              <a:rPr lang="en-US" dirty="0"/>
+              <a:t> </a:t>
+            </a:r>
+            <a:r>
+              <a:rPr lang="en-US" dirty="0" err="1"/>
+              <a:t>thử</a:t>
+            </a:r>
+            <a:r>
+              <a:rPr lang="en-US" dirty="0"/>
+              <a:t> </a:t>
+            </a:r>
+            <a:r>
+              <a:rPr lang="en-US" dirty="0" err="1"/>
+              <a:t>chấp</a:t>
+            </a:r>
+            <a:r>
+              <a:rPr lang="en-US" dirty="0"/>
+              <a:t> </a:t>
+            </a:r>
+            <a:r>
+              <a:rPr lang="en-US" dirty="0" err="1"/>
+              <a:t>nhận</a:t>
+            </a:r>
+            <a:endParaRPr lang="en-US" dirty="0"/>
+          </a:p>
+        </p:txBody>
+      </p:sp>
+      <p:sp>
+        <p:nvSpPr>
           <p:cNvPr id="3" name="Content Placeholder 2">
             <a:extLst>
               <a:ext uri="{FF2B5EF4-FFF2-40B4-BE49-F238E27FC236}">
-                <a16:creationId xmlns:a16="http://schemas.microsoft.com/office/drawing/2014/main" id="{AEB80284-298A-473B-A710-553E588E8284}"/>
+                <a16:creationId xmlns:a16="http://schemas.microsoft.com/office/drawing/2014/main" id="{534BEC71-A001-45B3-9209-2CBA0E5BDABE}"/>
               </a:ext>
             </a:extLst>
           </p:cNvPr>
@@ -30924,18 +31091,15 @@
             <p:ph idx="1"/>
           </p:nvPr>
         </p:nvSpPr>
-        <p:spPr>
-          <a:xfrm>
-            <a:off x="1205957" y="729762"/>
-            <a:ext cx="3773658" cy="2417884"/>
-          </a:xfrm>
-        </p:spPr>
+        <p:spPr/>
         <p:txBody>
-          <a:bodyPr>
-            <a:noAutofit/>
-          </a:bodyPr>
+          <a:bodyPr/>
           <a:lstStyle/>
           <a:p>
+            <a:pPr algn="l">
+              <a:buFont typeface="Arial" panose="020B0604020202020204" pitchFamily="34" charset="0"/>
+              <a:buChar char="•"/>
+            </a:pPr>
             <a:r>
               <a:rPr lang="vi-VN" sz="2400" b="1" i="0" dirty="0">
                 <a:solidFill>
@@ -30944,7 +31108,7 @@
                 <a:effectLst/>
                 <a:latin typeface="+mj-lt"/>
               </a:rPr>
-              <a:t>Top Down:</a:t>
+              <a:t>Khái niệm:</a:t>
             </a:r>
             <a:r>
               <a:rPr lang="vi-VN" sz="2400" b="0" i="0" dirty="0">
@@ -30954,72 +31118,14 @@
                 <a:effectLst/>
                 <a:latin typeface="+mj-lt"/>
               </a:rPr>
-              <a:t> Kiểm tra diễn ra từ trên xuống theo luồng điều khiển của hệ thống. Các đơn vị cao nhất được kiểm tra trước và các cấp đơn vị thấp hơn được kiểm tra từng bước sau đó.</a:t>
-            </a:r>
-            <a:endParaRPr lang="en-US" sz="2400" dirty="0">
-              <a:latin typeface="+mj-lt"/>
-            </a:endParaRPr>
+              <a:t> Kiểm thử chấp nhận là kiểm tra xem phần mềm đã thỏa mãn tất cả yêu cầu của khách hàng chưa? Và khách hàng có chấp nhận sản phẩm hay không?</a:t>
+            </a:r>
           </a:p>
-        </p:txBody>
-      </p:sp>
-      <p:pic>
-        <p:nvPicPr>
-          <p:cNvPr id="5" name="Picture 4">
-            <a:extLst>
-              <a:ext uri="{FF2B5EF4-FFF2-40B4-BE49-F238E27FC236}">
-                <a16:creationId xmlns:a16="http://schemas.microsoft.com/office/drawing/2014/main" id="{4BB602C5-D581-4E7C-8967-DCB5E9A501C0}"/>
-              </a:ext>
-            </a:extLst>
-          </p:cNvPr>
-          <p:cNvPicPr>
-            <a:picLocks noChangeAspect="1"/>
-          </p:cNvPicPr>
-          <p:nvPr/>
-        </p:nvPicPr>
-        <p:blipFill>
-          <a:blip r:embed="rId2"/>
-          <a:stretch>
-            <a:fillRect/>
-          </a:stretch>
-        </p:blipFill>
-        <p:spPr>
-          <a:xfrm>
-            <a:off x="935099" y="3147646"/>
-            <a:ext cx="4315375" cy="2582008"/>
-          </a:xfrm>
-          <a:prstGeom prst="rect">
-            <a:avLst/>
-          </a:prstGeom>
-        </p:spPr>
-      </p:pic>
-      <p:sp>
-        <p:nvSpPr>
-          <p:cNvPr id="6" name="TextBox 5">
-            <a:extLst>
-              <a:ext uri="{FF2B5EF4-FFF2-40B4-BE49-F238E27FC236}">
-                <a16:creationId xmlns:a16="http://schemas.microsoft.com/office/drawing/2014/main" id="{9FA04D35-9665-416D-8643-3D7CF045A42B}"/>
-              </a:ext>
-            </a:extLst>
-          </p:cNvPr>
-          <p:cNvSpPr txBox="1"/>
-          <p:nvPr/>
-        </p:nvSpPr>
-        <p:spPr>
-          <a:xfrm>
-            <a:off x="6829424" y="635782"/>
-            <a:ext cx="4401100" cy="1938992"/>
-          </a:xfrm>
-          <a:prstGeom prst="rect">
-            <a:avLst/>
-          </a:prstGeom>
-          <a:noFill/>
-        </p:spPr>
-        <p:txBody>
-          <a:bodyPr wrap="square" rtlCol="0">
-            <a:spAutoFit/>
-          </a:bodyPr>
-          <a:lstStyle/>
           <a:p>
+            <a:pPr algn="l">
+              <a:buFont typeface="Arial" panose="020B0604020202020204" pitchFamily="34" charset="0"/>
+              <a:buChar char="•"/>
+            </a:pPr>
             <a:r>
               <a:rPr lang="vi-VN" sz="2400" b="1" i="0" dirty="0">
                 <a:solidFill>
@@ -31028,7 +31134,7 @@
                 <a:effectLst/>
                 <a:latin typeface="+mj-lt"/>
               </a:rPr>
-              <a:t>Bottom up:</a:t>
+              <a:t>Mục đích:</a:t>
             </a:r>
             <a:r>
               <a:rPr lang="vi-VN" sz="2400" b="0" i="0" dirty="0">
@@ -31038,48 +31144,70 @@
                 <a:effectLst/>
                 <a:latin typeface="+mj-lt"/>
               </a:rPr>
-              <a:t> Ngược lại với Top Down, ở phương pháp tiếp cận này các đơn vị cấp thấp được kiểm tra trước và các cấp đơn vị cao hơn được kiểm tra sau đó.</a:t>
-            </a:r>
-            <a:endParaRPr lang="en-US" sz="2400" dirty="0">
-              <a:latin typeface="+mj-lt"/>
-            </a:endParaRPr>
+              <a:t> Để nghiệm thu hệ thống trước khi hệ thống được đưa vào hoạt động.</a:t>
+            </a:r>
+          </a:p>
+          <a:p>
+            <a:pPr algn="l">
+              <a:buFont typeface="Arial" panose="020B0604020202020204" pitchFamily="34" charset="0"/>
+              <a:buChar char="•"/>
+            </a:pPr>
+            <a:r>
+              <a:rPr lang="vi-VN" sz="2400" b="1" i="0" dirty="0">
+                <a:solidFill>
+                  <a:srgbClr val="292B2C"/>
+                </a:solidFill>
+                <a:effectLst/>
+                <a:latin typeface="+mj-lt"/>
+              </a:rPr>
+              <a:t>Sử dụng phương pháp:</a:t>
+            </a:r>
+            <a:r>
+              <a:rPr lang="vi-VN" sz="2400" b="0" i="0" dirty="0">
+                <a:solidFill>
+                  <a:srgbClr val="292B2C"/>
+                </a:solidFill>
+                <a:effectLst/>
+                <a:latin typeface="+mj-lt"/>
+              </a:rPr>
+              <a:t> Kiểm thử hộp đen</a:t>
+            </a:r>
+          </a:p>
+          <a:p>
+            <a:pPr algn="l">
+              <a:buFont typeface="Arial" panose="020B0604020202020204" pitchFamily="34" charset="0"/>
+              <a:buChar char="•"/>
+            </a:pPr>
+            <a:r>
+              <a:rPr lang="vi-VN" sz="2400" b="1" i="0" dirty="0">
+                <a:solidFill>
+                  <a:srgbClr val="292B2C"/>
+                </a:solidFill>
+                <a:effectLst/>
+                <a:latin typeface="+mj-lt"/>
+              </a:rPr>
+              <a:t>Người thực hiện:</a:t>
+            </a:r>
+            <a:r>
+              <a:rPr lang="vi-VN" sz="2400" b="0" i="0" dirty="0">
+                <a:solidFill>
+                  <a:srgbClr val="292B2C"/>
+                </a:solidFill>
+                <a:effectLst/>
+                <a:latin typeface="+mj-lt"/>
+              </a:rPr>
+              <a:t> Khách hàng hoặc bên thứ 3</a:t>
+            </a:r>
+          </a:p>
+          <a:p>
+            <a:endParaRPr lang="en-US" dirty="0"/>
           </a:p>
         </p:txBody>
       </p:sp>
-      <p:pic>
-        <p:nvPicPr>
-          <p:cNvPr id="8" name="Picture 7">
-            <a:extLst>
-              <a:ext uri="{FF2B5EF4-FFF2-40B4-BE49-F238E27FC236}">
-                <a16:creationId xmlns:a16="http://schemas.microsoft.com/office/drawing/2014/main" id="{E6439A39-F7E8-4EEA-AB3E-7728F351A1E9}"/>
-              </a:ext>
-            </a:extLst>
-          </p:cNvPr>
-          <p:cNvPicPr>
-            <a:picLocks noChangeAspect="1"/>
-          </p:cNvPicPr>
-          <p:nvPr/>
-        </p:nvPicPr>
-        <p:blipFill>
-          <a:blip r:embed="rId3"/>
-          <a:stretch>
-            <a:fillRect/>
-          </a:stretch>
-        </p:blipFill>
-        <p:spPr>
-          <a:xfrm>
-            <a:off x="6640966" y="2762531"/>
-            <a:ext cx="4901109" cy="3198654"/>
-          </a:xfrm>
-          <a:prstGeom prst="rect">
-            <a:avLst/>
-          </a:prstGeom>
-        </p:spPr>
-      </p:pic>
     </p:spTree>
     <p:extLst>
       <p:ext uri="{BB962C8B-B14F-4D97-AF65-F5344CB8AC3E}">
-        <p14:creationId xmlns:p14="http://schemas.microsoft.com/office/powerpoint/2010/main" val="3211244485"/>
+        <p14:creationId xmlns:p14="http://schemas.microsoft.com/office/powerpoint/2010/main" val="128876916"/>
       </p:ext>
     </p:extLst>
   </p:cSld>
@@ -31847,991 +31975,6 @@
       </p:grpSpPr>
       <p:sp>
         <p:nvSpPr>
-          <p:cNvPr id="3" name="Content Placeholder 2">
-            <a:extLst>
-              <a:ext uri="{FF2B5EF4-FFF2-40B4-BE49-F238E27FC236}">
-                <a16:creationId xmlns:a16="http://schemas.microsoft.com/office/drawing/2014/main" id="{F6782FCA-51F7-46E6-9A73-ABF0A282D243}"/>
-              </a:ext>
-            </a:extLst>
-          </p:cNvPr>
-          <p:cNvSpPr>
-            <a:spLocks noGrp="1"/>
-          </p:cNvSpPr>
-          <p:nvPr>
-            <p:ph idx="1"/>
-          </p:nvPr>
-        </p:nvSpPr>
-        <p:spPr>
-          <a:xfrm>
-            <a:off x="942974" y="413238"/>
-            <a:ext cx="10058400" cy="4348026"/>
-          </a:xfrm>
-        </p:spPr>
-        <p:txBody>
-          <a:bodyPr>
-            <a:normAutofit/>
-          </a:bodyPr>
-          <a:lstStyle/>
-          <a:p>
-            <a:r>
-              <a:rPr lang="vi-VN" sz="2400" b="1" i="0" dirty="0">
-                <a:solidFill>
-                  <a:srgbClr val="292B2C"/>
-                </a:solidFill>
-                <a:effectLst/>
-                <a:latin typeface="+mj-lt"/>
-              </a:rPr>
-              <a:t>Sandwich/Hybrid:</a:t>
-            </a:r>
-            <a:r>
-              <a:rPr lang="vi-VN" sz="2400" b="0" i="0" dirty="0">
-                <a:solidFill>
-                  <a:srgbClr val="292B2C"/>
-                </a:solidFill>
-                <a:effectLst/>
-                <a:latin typeface="+mj-lt"/>
-              </a:rPr>
-              <a:t> Là sự kết hợp của hai phương pháp Top Down và Bottom Up. Ở đây, các module hàng đầu được kiểm tra với các module thấp hơn đồng thời các module thấp hơn được tích hợp với các module hàng đầu và được kiểm thử.</a:t>
-            </a:r>
-            <a:endParaRPr lang="en-US" sz="2400" dirty="0">
-              <a:latin typeface="+mj-lt"/>
-            </a:endParaRPr>
-          </a:p>
-        </p:txBody>
-      </p:sp>
-      <p:pic>
-        <p:nvPicPr>
-          <p:cNvPr id="5" name="Picture 4">
-            <a:extLst>
-              <a:ext uri="{FF2B5EF4-FFF2-40B4-BE49-F238E27FC236}">
-                <a16:creationId xmlns:a16="http://schemas.microsoft.com/office/drawing/2014/main" id="{087DBF9F-F015-4462-87C4-C2E0CD02180D}"/>
-              </a:ext>
-            </a:extLst>
-          </p:cNvPr>
-          <p:cNvPicPr>
-            <a:picLocks noChangeAspect="1"/>
-          </p:cNvPicPr>
-          <p:nvPr/>
-        </p:nvPicPr>
-        <p:blipFill>
-          <a:blip r:embed="rId2"/>
-          <a:stretch>
-            <a:fillRect/>
-          </a:stretch>
-        </p:blipFill>
-        <p:spPr>
-          <a:xfrm>
-            <a:off x="2179978" y="2320435"/>
-            <a:ext cx="7373379" cy="3248025"/>
-          </a:xfrm>
-          <a:prstGeom prst="rect">
-            <a:avLst/>
-          </a:prstGeom>
-        </p:spPr>
-      </p:pic>
-    </p:spTree>
-    <p:extLst>
-      <p:ext uri="{BB962C8B-B14F-4D97-AF65-F5344CB8AC3E}">
-        <p14:creationId xmlns:p14="http://schemas.microsoft.com/office/powerpoint/2010/main" val="188955932"/>
-      </p:ext>
-    </p:extLst>
-  </p:cSld>
-  <p:clrMapOvr>
-    <a:masterClrMapping/>
-  </p:clrMapOvr>
-</p:sld>
-</file>
-
-<file path=ppt/slides/slide21.xml><?xml version="1.0" encoding="utf-8"?>
-<p:sld xmlns:a="http://schemas.openxmlformats.org/drawingml/2006/main" xmlns:r="http://schemas.openxmlformats.org/officeDocument/2006/relationships" xmlns:p="http://schemas.openxmlformats.org/presentationml/2006/main">
-  <p:cSld>
-    <p:spTree>
-      <p:nvGrpSpPr>
-        <p:cNvPr id="1" name=""/>
-        <p:cNvGrpSpPr/>
-        <p:nvPr/>
-      </p:nvGrpSpPr>
-      <p:grpSpPr>
-        <a:xfrm>
-          <a:off x="0" y="0"/>
-          <a:ext cx="0" cy="0"/>
-          <a:chOff x="0" y="0"/>
-          <a:chExt cx="0" cy="0"/>
-        </a:xfrm>
-      </p:grpSpPr>
-      <p:sp>
-        <p:nvSpPr>
-          <p:cNvPr id="2" name="Title 1">
-            <a:extLst>
-              <a:ext uri="{FF2B5EF4-FFF2-40B4-BE49-F238E27FC236}">
-                <a16:creationId xmlns:a16="http://schemas.microsoft.com/office/drawing/2014/main" id="{E88E073A-08DC-404D-B6CE-20BAB95414AA}"/>
-              </a:ext>
-            </a:extLst>
-          </p:cNvPr>
-          <p:cNvSpPr>
-            <a:spLocks noGrp="1"/>
-          </p:cNvSpPr>
-          <p:nvPr>
-            <p:ph type="title"/>
-          </p:nvPr>
-        </p:nvSpPr>
-        <p:spPr/>
-        <p:txBody>
-          <a:bodyPr/>
-          <a:lstStyle/>
-          <a:p>
-            <a:r>
-              <a:rPr lang="en-US" dirty="0"/>
-              <a:t>System test – </a:t>
-            </a:r>
-            <a:r>
-              <a:rPr lang="en-US" dirty="0" err="1"/>
-              <a:t>kiểm</a:t>
-            </a:r>
-            <a:r>
-              <a:rPr lang="en-US" dirty="0"/>
-              <a:t> </a:t>
-            </a:r>
-            <a:r>
-              <a:rPr lang="en-US" dirty="0" err="1"/>
-              <a:t>thử</a:t>
-            </a:r>
-            <a:r>
-              <a:rPr lang="en-US" dirty="0"/>
-              <a:t> </a:t>
-            </a:r>
-            <a:r>
-              <a:rPr lang="en-US" dirty="0" err="1"/>
-              <a:t>hệ</a:t>
-            </a:r>
-            <a:r>
-              <a:rPr lang="en-US" dirty="0"/>
-              <a:t> </a:t>
-            </a:r>
-            <a:r>
-              <a:rPr lang="en-US" dirty="0" err="1"/>
-              <a:t>thống</a:t>
-            </a:r>
-            <a:endParaRPr lang="en-US" dirty="0"/>
-          </a:p>
-        </p:txBody>
-      </p:sp>
-      <p:sp>
-        <p:nvSpPr>
-          <p:cNvPr id="3" name="Content Placeholder 2">
-            <a:extLst>
-              <a:ext uri="{FF2B5EF4-FFF2-40B4-BE49-F238E27FC236}">
-                <a16:creationId xmlns:a16="http://schemas.microsoft.com/office/drawing/2014/main" id="{4CA8AF1F-F4B9-441C-BE90-816F4C48559B}"/>
-              </a:ext>
-            </a:extLst>
-          </p:cNvPr>
-          <p:cNvSpPr>
-            <a:spLocks noGrp="1"/>
-          </p:cNvSpPr>
-          <p:nvPr>
-            <p:ph idx="1"/>
-          </p:nvPr>
-        </p:nvSpPr>
-        <p:spPr/>
-        <p:txBody>
-          <a:bodyPr/>
-          <a:lstStyle/>
-          <a:p>
-            <a:pPr algn="l">
-              <a:buFont typeface="Arial" panose="020B0604020202020204" pitchFamily="34" charset="0"/>
-              <a:buChar char="•"/>
-            </a:pPr>
-            <a:r>
-              <a:rPr lang="vi-VN" sz="2400" b="1" i="0" dirty="0">
-                <a:solidFill>
-                  <a:srgbClr val="292B2C"/>
-                </a:solidFill>
-                <a:effectLst/>
-                <a:latin typeface="+mj-lt"/>
-              </a:rPr>
-              <a:t>Khái niệm:</a:t>
-            </a:r>
-            <a:r>
-              <a:rPr lang="vi-VN" sz="2400" b="0" i="0" dirty="0">
-                <a:solidFill>
-                  <a:srgbClr val="292B2C"/>
-                </a:solidFill>
-                <a:effectLst/>
-                <a:latin typeface="+mj-lt"/>
-              </a:rPr>
-              <a:t> Kiểm thử hệ thống là kiểm thử toàn bộ chức năng và giao diện của hệ thống.</a:t>
-            </a:r>
-          </a:p>
-          <a:p>
-            <a:pPr algn="l">
-              <a:buFont typeface="Arial" panose="020B0604020202020204" pitchFamily="34" charset="0"/>
-              <a:buChar char="•"/>
-            </a:pPr>
-            <a:r>
-              <a:rPr lang="vi-VN" sz="2400" b="1" i="0" dirty="0">
-                <a:solidFill>
-                  <a:srgbClr val="292B2C"/>
-                </a:solidFill>
-                <a:effectLst/>
-                <a:latin typeface="+mj-lt"/>
-              </a:rPr>
-              <a:t>Mục đích:</a:t>
-            </a:r>
-            <a:r>
-              <a:rPr lang="vi-VN" sz="2400" b="0" i="0" dirty="0">
-                <a:solidFill>
-                  <a:srgbClr val="292B2C"/>
-                </a:solidFill>
-                <a:effectLst/>
-                <a:latin typeface="+mj-lt"/>
-              </a:rPr>
-              <a:t> Đánh giá hệ thống có đáp ứng theo đúng yêu cầu nghiệp vụ, yêu cầu về chức năng đưa ra hay không.</a:t>
-            </a:r>
-          </a:p>
-          <a:p>
-            <a:pPr algn="l">
-              <a:buFont typeface="Arial" panose="020B0604020202020204" pitchFamily="34" charset="0"/>
-              <a:buChar char="•"/>
-            </a:pPr>
-            <a:r>
-              <a:rPr lang="vi-VN" sz="2400" b="1" i="0" dirty="0">
-                <a:solidFill>
-                  <a:srgbClr val="292B2C"/>
-                </a:solidFill>
-                <a:effectLst/>
-                <a:latin typeface="+mj-lt"/>
-              </a:rPr>
-              <a:t>Sử dụng phương pháp:</a:t>
-            </a:r>
-            <a:r>
-              <a:rPr lang="vi-VN" sz="2400" b="0" i="0" dirty="0">
-                <a:solidFill>
-                  <a:srgbClr val="292B2C"/>
-                </a:solidFill>
-                <a:effectLst/>
-                <a:latin typeface="+mj-lt"/>
-              </a:rPr>
-              <a:t> Kiểm thử hộp đen là phổ biến</a:t>
-            </a:r>
-          </a:p>
-          <a:p>
-            <a:pPr algn="l">
-              <a:buFont typeface="Arial" panose="020B0604020202020204" pitchFamily="34" charset="0"/>
-              <a:buChar char="•"/>
-            </a:pPr>
-            <a:r>
-              <a:rPr lang="vi-VN" sz="2400" b="1" i="0" dirty="0">
-                <a:solidFill>
-                  <a:srgbClr val="292B2C"/>
-                </a:solidFill>
-                <a:effectLst/>
-                <a:latin typeface="+mj-lt"/>
-              </a:rPr>
-              <a:t>Người thực hiện:</a:t>
-            </a:r>
-            <a:r>
-              <a:rPr lang="vi-VN" sz="2400" b="0" i="0" dirty="0">
-                <a:solidFill>
-                  <a:srgbClr val="292B2C"/>
-                </a:solidFill>
-                <a:effectLst/>
-                <a:latin typeface="+mj-lt"/>
-              </a:rPr>
-              <a:t> Thường là Tester thực hiện</a:t>
-            </a:r>
-          </a:p>
-          <a:p>
-            <a:endParaRPr lang="en-US" dirty="0"/>
-          </a:p>
-        </p:txBody>
-      </p:sp>
-    </p:spTree>
-    <p:extLst>
-      <p:ext uri="{BB962C8B-B14F-4D97-AF65-F5344CB8AC3E}">
-        <p14:creationId xmlns:p14="http://schemas.microsoft.com/office/powerpoint/2010/main" val="2032146940"/>
-      </p:ext>
-    </p:extLst>
-  </p:cSld>
-  <p:clrMapOvr>
-    <a:masterClrMapping/>
-  </p:clrMapOvr>
-</p:sld>
-</file>
-
-<file path=ppt/slides/slide22.xml><?xml version="1.0" encoding="utf-8"?>
-<p:sld xmlns:a="http://schemas.openxmlformats.org/drawingml/2006/main" xmlns:r="http://schemas.openxmlformats.org/officeDocument/2006/relationships" xmlns:p="http://schemas.openxmlformats.org/presentationml/2006/main">
-  <p:cSld>
-    <p:spTree>
-      <p:nvGrpSpPr>
-        <p:cNvPr id="1" name=""/>
-        <p:cNvGrpSpPr/>
-        <p:nvPr/>
-      </p:nvGrpSpPr>
-      <p:grpSpPr>
-        <a:xfrm>
-          <a:off x="0" y="0"/>
-          <a:ext cx="0" cy="0"/>
-          <a:chOff x="0" y="0"/>
-          <a:chExt cx="0" cy="0"/>
-        </a:xfrm>
-      </p:grpSpPr>
-      <p:sp>
-        <p:nvSpPr>
-          <p:cNvPr id="2" name="Title 1">
-            <a:extLst>
-              <a:ext uri="{FF2B5EF4-FFF2-40B4-BE49-F238E27FC236}">
-                <a16:creationId xmlns:a16="http://schemas.microsoft.com/office/drawing/2014/main" id="{4939C5ED-819A-4B76-8269-9D839E0D7488}"/>
-              </a:ext>
-            </a:extLst>
-          </p:cNvPr>
-          <p:cNvSpPr>
-            <a:spLocks noGrp="1"/>
-          </p:cNvSpPr>
-          <p:nvPr>
-            <p:ph type="title"/>
-          </p:nvPr>
-        </p:nvSpPr>
-        <p:spPr/>
-        <p:txBody>
-          <a:bodyPr/>
-          <a:lstStyle/>
-          <a:p>
-            <a:r>
-              <a:rPr lang="en-US" dirty="0"/>
-              <a:t>System test – </a:t>
-            </a:r>
-            <a:r>
-              <a:rPr lang="en-US" dirty="0" err="1"/>
-              <a:t>phân</a:t>
-            </a:r>
-            <a:r>
-              <a:rPr lang="en-US" dirty="0"/>
-              <a:t> </a:t>
-            </a:r>
-            <a:r>
-              <a:rPr lang="en-US" dirty="0" err="1"/>
-              <a:t>loại</a:t>
-            </a:r>
-            <a:endParaRPr lang="en-US" dirty="0"/>
-          </a:p>
-        </p:txBody>
-      </p:sp>
-      <p:sp>
-        <p:nvSpPr>
-          <p:cNvPr id="3" name="Content Placeholder 2">
-            <a:extLst>
-              <a:ext uri="{FF2B5EF4-FFF2-40B4-BE49-F238E27FC236}">
-                <a16:creationId xmlns:a16="http://schemas.microsoft.com/office/drawing/2014/main" id="{A13C235A-BC5F-417F-BB97-DE2F5C34A3B6}"/>
-              </a:ext>
-            </a:extLst>
-          </p:cNvPr>
-          <p:cNvSpPr>
-            <a:spLocks noGrp="1"/>
-          </p:cNvSpPr>
-          <p:nvPr>
-            <p:ph idx="1"/>
-          </p:nvPr>
-        </p:nvSpPr>
-        <p:spPr/>
-        <p:txBody>
-          <a:bodyPr/>
-          <a:lstStyle/>
-          <a:p>
-            <a:pPr algn="just">
-              <a:buFont typeface="Arial" panose="020B0604020202020204" pitchFamily="34" charset="0"/>
-              <a:buChar char="•"/>
-            </a:pPr>
-            <a:r>
-              <a:rPr lang="vi-VN" sz="2400" b="0" i="0" dirty="0">
-                <a:solidFill>
-                  <a:srgbClr val="333333"/>
-                </a:solidFill>
-                <a:effectLst/>
-                <a:latin typeface="+mj-lt"/>
-              </a:rPr>
-              <a:t>Kiểm thử chức năng (Functional Test)</a:t>
-            </a:r>
-          </a:p>
-          <a:p>
-            <a:pPr algn="just">
-              <a:buFont typeface="Arial" panose="020B0604020202020204" pitchFamily="34" charset="0"/>
-              <a:buChar char="•"/>
-            </a:pPr>
-            <a:r>
-              <a:rPr lang="vi-VN" sz="2400" b="0" i="0" dirty="0">
-                <a:solidFill>
-                  <a:srgbClr val="333333"/>
-                </a:solidFill>
-                <a:effectLst/>
-                <a:latin typeface="+mj-lt"/>
-              </a:rPr>
-              <a:t>Kiểm thử hiệu năng (Performance Test)</a:t>
-            </a:r>
-          </a:p>
-          <a:p>
-            <a:pPr algn="just">
-              <a:buFont typeface="Arial" panose="020B0604020202020204" pitchFamily="34" charset="0"/>
-              <a:buChar char="•"/>
-            </a:pPr>
-            <a:r>
-              <a:rPr lang="vi-VN" sz="2400" b="0" i="0" dirty="0">
-                <a:solidFill>
-                  <a:srgbClr val="333333"/>
-                </a:solidFill>
-                <a:effectLst/>
-                <a:latin typeface="+mj-lt"/>
-              </a:rPr>
-              <a:t>Kiểm thử bảo mật (Security Test)</a:t>
-            </a:r>
-          </a:p>
-          <a:p>
-            <a:pPr algn="just">
-              <a:buFont typeface="Arial" panose="020B0604020202020204" pitchFamily="34" charset="0"/>
-              <a:buChar char="•"/>
-            </a:pPr>
-            <a:r>
-              <a:rPr lang="vi-VN" sz="2400" b="0" i="0" dirty="0">
-                <a:solidFill>
-                  <a:srgbClr val="333333"/>
-                </a:solidFill>
-                <a:effectLst/>
-                <a:latin typeface="+mj-lt"/>
-              </a:rPr>
-              <a:t>Kiểm thử khả năng phục hồi (Recovery Test)</a:t>
-            </a:r>
-            <a:endParaRPr lang="en-US" sz="2400" b="0" i="0" dirty="0">
-              <a:solidFill>
-                <a:srgbClr val="333333"/>
-              </a:solidFill>
-              <a:effectLst/>
-              <a:latin typeface="+mj-lt"/>
-            </a:endParaRPr>
-          </a:p>
-          <a:p>
-            <a:pPr algn="just">
-              <a:buFont typeface="Arial" panose="020B0604020202020204" pitchFamily="34" charset="0"/>
-              <a:buChar char="•"/>
-            </a:pPr>
-            <a:r>
-              <a:rPr lang="en-US" sz="2400" b="0" i="0" dirty="0" err="1">
-                <a:solidFill>
-                  <a:srgbClr val="292B2C"/>
-                </a:solidFill>
-                <a:effectLst/>
-                <a:latin typeface="Times New Roman" panose="02020603050405020304" pitchFamily="18" charset="0"/>
-                <a:cs typeface="Times New Roman" panose="02020603050405020304" pitchFamily="18" charset="0"/>
-              </a:rPr>
-              <a:t>Kiểm</a:t>
-            </a:r>
-            <a:r>
-              <a:rPr lang="en-US" sz="2400" b="0" i="0" dirty="0">
-                <a:solidFill>
-                  <a:srgbClr val="292B2C"/>
-                </a:solidFill>
-                <a:effectLst/>
-                <a:latin typeface="Times New Roman" panose="02020603050405020304" pitchFamily="18" charset="0"/>
-                <a:cs typeface="Times New Roman" panose="02020603050405020304" pitchFamily="18" charset="0"/>
-              </a:rPr>
-              <a:t> </a:t>
-            </a:r>
-            <a:r>
-              <a:rPr lang="en-US" sz="2400" b="0" i="0" dirty="0" err="1">
-                <a:solidFill>
-                  <a:srgbClr val="292B2C"/>
-                </a:solidFill>
-                <a:effectLst/>
-                <a:latin typeface="Times New Roman" panose="02020603050405020304" pitchFamily="18" charset="0"/>
-                <a:cs typeface="Times New Roman" panose="02020603050405020304" pitchFamily="18" charset="0"/>
-              </a:rPr>
-              <a:t>thử</a:t>
-            </a:r>
-            <a:r>
-              <a:rPr lang="en-US" sz="2400" b="0" i="0" dirty="0">
-                <a:solidFill>
-                  <a:srgbClr val="292B2C"/>
-                </a:solidFill>
-                <a:effectLst/>
-                <a:latin typeface="Times New Roman" panose="02020603050405020304" pitchFamily="18" charset="0"/>
-                <a:cs typeface="Times New Roman" panose="02020603050405020304" pitchFamily="18" charset="0"/>
-              </a:rPr>
-              <a:t> </a:t>
-            </a:r>
-            <a:r>
-              <a:rPr lang="en-US" sz="2400" b="0" i="0" dirty="0" err="1">
-                <a:solidFill>
-                  <a:srgbClr val="292B2C"/>
-                </a:solidFill>
-                <a:effectLst/>
-                <a:latin typeface="Times New Roman" panose="02020603050405020304" pitchFamily="18" charset="0"/>
-                <a:cs typeface="Times New Roman" panose="02020603050405020304" pitchFamily="18" charset="0"/>
-              </a:rPr>
-              <a:t>tính</a:t>
-            </a:r>
-            <a:r>
-              <a:rPr lang="en-US" sz="2400" b="0" i="0" dirty="0">
-                <a:solidFill>
-                  <a:srgbClr val="292B2C"/>
-                </a:solidFill>
-                <a:effectLst/>
-                <a:latin typeface="Times New Roman" panose="02020603050405020304" pitchFamily="18" charset="0"/>
-                <a:cs typeface="Times New Roman" panose="02020603050405020304" pitchFamily="18" charset="0"/>
-              </a:rPr>
-              <a:t> </a:t>
-            </a:r>
-            <a:r>
-              <a:rPr lang="en-US" sz="2400" b="0" i="0" dirty="0" err="1">
-                <a:solidFill>
-                  <a:srgbClr val="292B2C"/>
-                </a:solidFill>
-                <a:effectLst/>
-                <a:latin typeface="Times New Roman" panose="02020603050405020304" pitchFamily="18" charset="0"/>
-                <a:cs typeface="Times New Roman" panose="02020603050405020304" pitchFamily="18" charset="0"/>
-              </a:rPr>
-              <a:t>khả</a:t>
-            </a:r>
-            <a:r>
-              <a:rPr lang="en-US" sz="2400" b="0" i="0" dirty="0">
-                <a:solidFill>
-                  <a:srgbClr val="292B2C"/>
-                </a:solidFill>
-                <a:effectLst/>
-                <a:latin typeface="Times New Roman" panose="02020603050405020304" pitchFamily="18" charset="0"/>
-                <a:cs typeface="Times New Roman" panose="02020603050405020304" pitchFamily="18" charset="0"/>
-              </a:rPr>
-              <a:t> </a:t>
-            </a:r>
-            <a:r>
-              <a:rPr lang="en-US" sz="2400" b="0" i="0" dirty="0" err="1">
-                <a:solidFill>
-                  <a:srgbClr val="292B2C"/>
-                </a:solidFill>
-                <a:effectLst/>
-                <a:latin typeface="Times New Roman" panose="02020603050405020304" pitchFamily="18" charset="0"/>
-                <a:cs typeface="Times New Roman" panose="02020603050405020304" pitchFamily="18" charset="0"/>
-              </a:rPr>
-              <a:t>dụng</a:t>
-            </a:r>
-            <a:r>
-              <a:rPr lang="en-US" sz="2400" b="0" i="0" dirty="0">
-                <a:solidFill>
-                  <a:srgbClr val="292B2C"/>
-                </a:solidFill>
-                <a:effectLst/>
-                <a:latin typeface="Times New Roman" panose="02020603050405020304" pitchFamily="18" charset="0"/>
-                <a:cs typeface="Times New Roman" panose="02020603050405020304" pitchFamily="18" charset="0"/>
-              </a:rPr>
-              <a:t> (Usability Test)</a:t>
-            </a:r>
-            <a:endParaRPr lang="vi-VN" sz="2400" b="0" i="0" dirty="0">
-              <a:solidFill>
-                <a:srgbClr val="333333"/>
-              </a:solidFill>
-              <a:effectLst/>
-              <a:latin typeface="Times New Roman" panose="02020603050405020304" pitchFamily="18" charset="0"/>
-              <a:cs typeface="Times New Roman" panose="02020603050405020304" pitchFamily="18" charset="0"/>
-            </a:endParaRPr>
-          </a:p>
-          <a:p>
-            <a:endParaRPr lang="en-US" dirty="0"/>
-          </a:p>
-        </p:txBody>
-      </p:sp>
-    </p:spTree>
-    <p:extLst>
-      <p:ext uri="{BB962C8B-B14F-4D97-AF65-F5344CB8AC3E}">
-        <p14:creationId xmlns:p14="http://schemas.microsoft.com/office/powerpoint/2010/main" val="726715786"/>
-      </p:ext>
-    </p:extLst>
-  </p:cSld>
-  <p:clrMapOvr>
-    <a:masterClrMapping/>
-  </p:clrMapOvr>
-</p:sld>
-</file>
-
-<file path=ppt/slides/slide23.xml><?xml version="1.0" encoding="utf-8"?>
-<p:sld xmlns:a="http://schemas.openxmlformats.org/drawingml/2006/main" xmlns:r="http://schemas.openxmlformats.org/officeDocument/2006/relationships" xmlns:p="http://schemas.openxmlformats.org/presentationml/2006/main">
-  <p:cSld>
-    <p:spTree>
-      <p:nvGrpSpPr>
-        <p:cNvPr id="1" name=""/>
-        <p:cNvGrpSpPr/>
-        <p:nvPr/>
-      </p:nvGrpSpPr>
-      <p:grpSpPr>
-        <a:xfrm>
-          <a:off x="0" y="0"/>
-          <a:ext cx="0" cy="0"/>
-          <a:chOff x="0" y="0"/>
-          <a:chExt cx="0" cy="0"/>
-        </a:xfrm>
-      </p:grpSpPr>
-      <p:sp>
-        <p:nvSpPr>
-          <p:cNvPr id="2" name="Title 1">
-            <a:extLst>
-              <a:ext uri="{FF2B5EF4-FFF2-40B4-BE49-F238E27FC236}">
-                <a16:creationId xmlns:a16="http://schemas.microsoft.com/office/drawing/2014/main" id="{F2234230-5FB6-4787-8214-02BE670CDFF2}"/>
-              </a:ext>
-            </a:extLst>
-          </p:cNvPr>
-          <p:cNvSpPr>
-            <a:spLocks noGrp="1"/>
-          </p:cNvSpPr>
-          <p:nvPr>
-            <p:ph type="title"/>
-          </p:nvPr>
-        </p:nvSpPr>
-        <p:spPr/>
-        <p:txBody>
-          <a:bodyPr/>
-          <a:lstStyle/>
-          <a:p>
-            <a:r>
-              <a:rPr lang="en-US" dirty="0"/>
-              <a:t>Acceptance test – </a:t>
-            </a:r>
-            <a:r>
-              <a:rPr lang="en-US" dirty="0" err="1"/>
-              <a:t>kiểm</a:t>
-            </a:r>
-            <a:r>
-              <a:rPr lang="en-US" dirty="0"/>
-              <a:t> </a:t>
-            </a:r>
-            <a:r>
-              <a:rPr lang="en-US" dirty="0" err="1"/>
-              <a:t>thử</a:t>
-            </a:r>
-            <a:r>
-              <a:rPr lang="en-US" dirty="0"/>
-              <a:t> </a:t>
-            </a:r>
-            <a:r>
-              <a:rPr lang="en-US" dirty="0" err="1"/>
-              <a:t>chấp</a:t>
-            </a:r>
-            <a:r>
-              <a:rPr lang="en-US" dirty="0"/>
-              <a:t> </a:t>
-            </a:r>
-            <a:r>
-              <a:rPr lang="en-US" dirty="0" err="1"/>
-              <a:t>nhận</a:t>
-            </a:r>
-            <a:endParaRPr lang="en-US" dirty="0"/>
-          </a:p>
-        </p:txBody>
-      </p:sp>
-      <p:sp>
-        <p:nvSpPr>
-          <p:cNvPr id="3" name="Content Placeholder 2">
-            <a:extLst>
-              <a:ext uri="{FF2B5EF4-FFF2-40B4-BE49-F238E27FC236}">
-                <a16:creationId xmlns:a16="http://schemas.microsoft.com/office/drawing/2014/main" id="{534BEC71-A001-45B3-9209-2CBA0E5BDABE}"/>
-              </a:ext>
-            </a:extLst>
-          </p:cNvPr>
-          <p:cNvSpPr>
-            <a:spLocks noGrp="1"/>
-          </p:cNvSpPr>
-          <p:nvPr>
-            <p:ph idx="1"/>
-          </p:nvPr>
-        </p:nvSpPr>
-        <p:spPr/>
-        <p:txBody>
-          <a:bodyPr/>
-          <a:lstStyle/>
-          <a:p>
-            <a:pPr algn="l">
-              <a:buFont typeface="Arial" panose="020B0604020202020204" pitchFamily="34" charset="0"/>
-              <a:buChar char="•"/>
-            </a:pPr>
-            <a:r>
-              <a:rPr lang="vi-VN" sz="2400" b="1" i="0" dirty="0">
-                <a:solidFill>
-                  <a:srgbClr val="292B2C"/>
-                </a:solidFill>
-                <a:effectLst/>
-                <a:latin typeface="+mj-lt"/>
-              </a:rPr>
-              <a:t>Khái niệm:</a:t>
-            </a:r>
-            <a:r>
-              <a:rPr lang="vi-VN" sz="2400" b="0" i="0" dirty="0">
-                <a:solidFill>
-                  <a:srgbClr val="292B2C"/>
-                </a:solidFill>
-                <a:effectLst/>
-                <a:latin typeface="+mj-lt"/>
-              </a:rPr>
-              <a:t> Kiểm thử chấp nhận là kiểm tra xem phần mềm đã thỏa mãn tất cả yêu cầu của khách hàng chưa? Và khách hàng có chấp nhận sản phẩm hay không?</a:t>
-            </a:r>
-          </a:p>
-          <a:p>
-            <a:pPr algn="l">
-              <a:buFont typeface="Arial" panose="020B0604020202020204" pitchFamily="34" charset="0"/>
-              <a:buChar char="•"/>
-            </a:pPr>
-            <a:r>
-              <a:rPr lang="vi-VN" sz="2400" b="1" i="0" dirty="0">
-                <a:solidFill>
-                  <a:srgbClr val="292B2C"/>
-                </a:solidFill>
-                <a:effectLst/>
-                <a:latin typeface="+mj-lt"/>
-              </a:rPr>
-              <a:t>Mục đích:</a:t>
-            </a:r>
-            <a:r>
-              <a:rPr lang="vi-VN" sz="2400" b="0" i="0" dirty="0">
-                <a:solidFill>
-                  <a:srgbClr val="292B2C"/>
-                </a:solidFill>
-                <a:effectLst/>
-                <a:latin typeface="+mj-lt"/>
-              </a:rPr>
-              <a:t> Để nghiệm thu hệ thống trước khi hệ thống được đưa vào hoạt động.</a:t>
-            </a:r>
-          </a:p>
-          <a:p>
-            <a:pPr algn="l">
-              <a:buFont typeface="Arial" panose="020B0604020202020204" pitchFamily="34" charset="0"/>
-              <a:buChar char="•"/>
-            </a:pPr>
-            <a:r>
-              <a:rPr lang="vi-VN" sz="2400" b="1" i="0" dirty="0">
-                <a:solidFill>
-                  <a:srgbClr val="292B2C"/>
-                </a:solidFill>
-                <a:effectLst/>
-                <a:latin typeface="+mj-lt"/>
-              </a:rPr>
-              <a:t>Sử dụng phương pháp:</a:t>
-            </a:r>
-            <a:r>
-              <a:rPr lang="vi-VN" sz="2400" b="0" i="0" dirty="0">
-                <a:solidFill>
-                  <a:srgbClr val="292B2C"/>
-                </a:solidFill>
-                <a:effectLst/>
-                <a:latin typeface="+mj-lt"/>
-              </a:rPr>
-              <a:t> Kiểm thử hộp đen</a:t>
-            </a:r>
-          </a:p>
-          <a:p>
-            <a:pPr algn="l">
-              <a:buFont typeface="Arial" panose="020B0604020202020204" pitchFamily="34" charset="0"/>
-              <a:buChar char="•"/>
-            </a:pPr>
-            <a:r>
-              <a:rPr lang="vi-VN" sz="2400" b="1" i="0" dirty="0">
-                <a:solidFill>
-                  <a:srgbClr val="292B2C"/>
-                </a:solidFill>
-                <a:effectLst/>
-                <a:latin typeface="+mj-lt"/>
-              </a:rPr>
-              <a:t>Người thực hiện:</a:t>
-            </a:r>
-            <a:r>
-              <a:rPr lang="vi-VN" sz="2400" b="0" i="0" dirty="0">
-                <a:solidFill>
-                  <a:srgbClr val="292B2C"/>
-                </a:solidFill>
-                <a:effectLst/>
-                <a:latin typeface="+mj-lt"/>
-              </a:rPr>
-              <a:t> Khách hàng hoặc bên thứ 3</a:t>
-            </a:r>
-          </a:p>
-          <a:p>
-            <a:endParaRPr lang="en-US" dirty="0"/>
-          </a:p>
-        </p:txBody>
-      </p:sp>
-    </p:spTree>
-    <p:extLst>
-      <p:ext uri="{BB962C8B-B14F-4D97-AF65-F5344CB8AC3E}">
-        <p14:creationId xmlns:p14="http://schemas.microsoft.com/office/powerpoint/2010/main" val="128876916"/>
-      </p:ext>
-    </p:extLst>
-  </p:cSld>
-  <p:clrMapOvr>
-    <a:masterClrMapping/>
-  </p:clrMapOvr>
-</p:sld>
-</file>
-
-<file path=ppt/slides/slide24.xml><?xml version="1.0" encoding="utf-8"?>
-<p:sld xmlns:a="http://schemas.openxmlformats.org/drawingml/2006/main" xmlns:r="http://schemas.openxmlformats.org/officeDocument/2006/relationships" xmlns:p="http://schemas.openxmlformats.org/presentationml/2006/main">
-  <p:cSld>
-    <p:spTree>
-      <p:nvGrpSpPr>
-        <p:cNvPr id="1" name=""/>
-        <p:cNvGrpSpPr/>
-        <p:nvPr/>
-      </p:nvGrpSpPr>
-      <p:grpSpPr>
-        <a:xfrm>
-          <a:off x="0" y="0"/>
-          <a:ext cx="0" cy="0"/>
-          <a:chOff x="0" y="0"/>
-          <a:chExt cx="0" cy="0"/>
-        </a:xfrm>
-      </p:grpSpPr>
-      <p:sp>
-        <p:nvSpPr>
-          <p:cNvPr id="2" name="Title 1">
-            <a:extLst>
-              <a:ext uri="{FF2B5EF4-FFF2-40B4-BE49-F238E27FC236}">
-                <a16:creationId xmlns:a16="http://schemas.microsoft.com/office/drawing/2014/main" id="{623D4CD2-1D31-4C06-B3A3-7264D6EE613B}"/>
-              </a:ext>
-            </a:extLst>
-          </p:cNvPr>
-          <p:cNvSpPr>
-            <a:spLocks noGrp="1"/>
-          </p:cNvSpPr>
-          <p:nvPr>
-            <p:ph type="title"/>
-          </p:nvPr>
-        </p:nvSpPr>
-        <p:spPr/>
-        <p:txBody>
-          <a:bodyPr/>
-          <a:lstStyle/>
-          <a:p>
-            <a:r>
-              <a:rPr lang="en-US" dirty="0"/>
-              <a:t>Acceptance test – </a:t>
-            </a:r>
-            <a:r>
-              <a:rPr lang="en-US" dirty="0" err="1"/>
-              <a:t>phân</a:t>
-            </a:r>
-            <a:r>
-              <a:rPr lang="en-US" dirty="0"/>
-              <a:t> </a:t>
-            </a:r>
-            <a:r>
-              <a:rPr lang="en-US" dirty="0" err="1"/>
-              <a:t>loại</a:t>
-            </a:r>
-            <a:endParaRPr lang="en-US" dirty="0"/>
-          </a:p>
-        </p:txBody>
-      </p:sp>
-      <p:sp>
-        <p:nvSpPr>
-          <p:cNvPr id="3" name="Content Placeholder 2">
-            <a:extLst>
-              <a:ext uri="{FF2B5EF4-FFF2-40B4-BE49-F238E27FC236}">
-                <a16:creationId xmlns:a16="http://schemas.microsoft.com/office/drawing/2014/main" id="{EB9B734A-D5D5-4654-A4A6-71FCCBC3BE81}"/>
-              </a:ext>
-            </a:extLst>
-          </p:cNvPr>
-          <p:cNvSpPr>
-            <a:spLocks noGrp="1"/>
-          </p:cNvSpPr>
-          <p:nvPr>
-            <p:ph idx="1"/>
-          </p:nvPr>
-        </p:nvSpPr>
-        <p:spPr/>
-        <p:txBody>
-          <a:bodyPr/>
-          <a:lstStyle/>
-          <a:p>
-            <a:pPr algn="l">
-              <a:buFont typeface="Arial" panose="020B0604020202020204" pitchFamily="34" charset="0"/>
-              <a:buChar char="•"/>
-            </a:pPr>
-            <a:r>
-              <a:rPr lang="vi-VN" sz="2400" b="1" i="0" dirty="0">
-                <a:solidFill>
-                  <a:srgbClr val="292B2C"/>
-                </a:solidFill>
-                <a:effectLst/>
-                <a:latin typeface="+mj-lt"/>
-              </a:rPr>
-              <a:t>Alpha test:</a:t>
-            </a:r>
-            <a:r>
-              <a:rPr lang="vi-VN" sz="2400" b="0" i="0" dirty="0">
-                <a:solidFill>
-                  <a:srgbClr val="292B2C"/>
-                </a:solidFill>
-                <a:effectLst/>
-                <a:latin typeface="+mj-lt"/>
-              </a:rPr>
-              <a:t> Được thực hiện bởi các thành viên của tổ chức phát triển phần mềm nhưng không liên quan trực tiếp đến dự án (Thường là các thành viên của quản lý sản phẩm). Alpha test thực hiện test tại nơi sản xuất phần mềm, là một hình thức kiểm thử nội bộ, trước khi phần mềm được tiến hành kiểm thử Beta.</a:t>
-            </a:r>
-          </a:p>
-          <a:p>
-            <a:pPr algn="l">
-              <a:buFont typeface="Arial" panose="020B0604020202020204" pitchFamily="34" charset="0"/>
-              <a:buChar char="•"/>
-            </a:pPr>
-            <a:r>
-              <a:rPr lang="vi-VN" sz="2400" b="1" i="0" dirty="0">
-                <a:solidFill>
-                  <a:srgbClr val="292B2C"/>
-                </a:solidFill>
-                <a:effectLst/>
-                <a:latin typeface="+mj-lt"/>
-              </a:rPr>
-              <a:t>Beta test:</a:t>
-            </a:r>
-            <a:r>
-              <a:rPr lang="vi-VN" sz="2400" b="0" i="0" dirty="0">
-                <a:solidFill>
-                  <a:srgbClr val="292B2C"/>
-                </a:solidFill>
-                <a:effectLst/>
-                <a:latin typeface="+mj-lt"/>
-              </a:rPr>
-              <a:t> Được thực hiện bởi người dùng cuối cùng (thường là khách hàng). Beta test thực hiện tại địa điểm của khách hàng, người dùng test hay sử dụng hệ thống trong môi trường riêng của họ - không phải nơi phát triển phần mềm.</a:t>
-            </a:r>
-          </a:p>
-          <a:p>
-            <a:endParaRPr lang="en-US" dirty="0"/>
-          </a:p>
-        </p:txBody>
-      </p:sp>
-    </p:spTree>
-    <p:extLst>
-      <p:ext uri="{BB962C8B-B14F-4D97-AF65-F5344CB8AC3E}">
-        <p14:creationId xmlns:p14="http://schemas.microsoft.com/office/powerpoint/2010/main" val="1563040040"/>
-      </p:ext>
-    </p:extLst>
-  </p:cSld>
-  <p:clrMapOvr>
-    <a:masterClrMapping/>
-  </p:clrMapOvr>
-</p:sld>
-</file>
-
-<file path=ppt/slides/slide25.xml><?xml version="1.0" encoding="utf-8"?>
-<p:sld xmlns:a="http://schemas.openxmlformats.org/drawingml/2006/main" xmlns:r="http://schemas.openxmlformats.org/officeDocument/2006/relationships" xmlns:p="http://schemas.openxmlformats.org/presentationml/2006/main">
-  <p:cSld>
-    <p:spTree>
-      <p:nvGrpSpPr>
-        <p:cNvPr id="1" name=""/>
-        <p:cNvGrpSpPr/>
-        <p:nvPr/>
-      </p:nvGrpSpPr>
-      <p:grpSpPr>
-        <a:xfrm>
-          <a:off x="0" y="0"/>
-          <a:ext cx="0" cy="0"/>
-          <a:chOff x="0" y="0"/>
-          <a:chExt cx="0" cy="0"/>
-        </a:xfrm>
-      </p:grpSpPr>
-      <p:sp>
-        <p:nvSpPr>
           <p:cNvPr id="2" name="Title 1">
             <a:extLst>
               <a:ext uri="{FF2B5EF4-FFF2-40B4-BE49-F238E27FC236}">
@@ -32951,7 +32094,467 @@
 </p:sld>
 </file>
 
-<file path=ppt/slides/slide26.xml><?xml version="1.0" encoding="utf-8"?>
+<file path=ppt/slides/slide21.xml><?xml version="1.0" encoding="utf-8"?>
+<p:sld xmlns:a="http://schemas.openxmlformats.org/drawingml/2006/main" xmlns:r="http://schemas.openxmlformats.org/officeDocument/2006/relationships" xmlns:p="http://schemas.openxmlformats.org/presentationml/2006/main">
+  <p:cSld>
+    <p:bg>
+      <p:bgPr>
+        <a:gradFill rotWithShape="1">
+          <a:gsLst>
+            <a:gs pos="0">
+              <a:schemeClr val="bg1">
+                <a:tint val="96000"/>
+                <a:shade val="99000"/>
+                <a:satMod val="140000"/>
+              </a:schemeClr>
+            </a:gs>
+            <a:gs pos="65000">
+              <a:schemeClr val="bg1">
+                <a:tint val="100000"/>
+                <a:shade val="80000"/>
+                <a:satMod val="130000"/>
+              </a:schemeClr>
+            </a:gs>
+            <a:gs pos="100000">
+              <a:schemeClr val="bg1">
+                <a:tint val="100000"/>
+                <a:shade val="48000"/>
+                <a:satMod val="120000"/>
+              </a:schemeClr>
+            </a:gs>
+          </a:gsLst>
+          <a:lin ang="16200000" scaled="0"/>
+        </a:gradFill>
+        <a:effectLst/>
+      </p:bgPr>
+    </p:bg>
+    <p:spTree>
+      <p:nvGrpSpPr>
+        <p:cNvPr id="1" name=""/>
+        <p:cNvGrpSpPr/>
+        <p:nvPr/>
+      </p:nvGrpSpPr>
+      <p:grpSpPr>
+        <a:xfrm>
+          <a:off x="0" y="0"/>
+          <a:ext cx="0" cy="0"/>
+          <a:chOff x="0" y="0"/>
+          <a:chExt cx="0" cy="0"/>
+        </a:xfrm>
+      </p:grpSpPr>
+      <p:sp>
+        <p:nvSpPr>
+          <p:cNvPr id="9" name="Rectangle 8">
+            <a:extLst>
+              <a:ext uri="{FF2B5EF4-FFF2-40B4-BE49-F238E27FC236}">
+                <a16:creationId xmlns:a16="http://schemas.microsoft.com/office/drawing/2014/main" id="{25C8D2C1-DA83-420D-9635-D52CE066B5DA}"/>
+              </a:ext>
+              <a:ext uri="{C183D7F6-B498-43B3-948B-1728B52AA6E4}">
+                <adec:decorative xmlns:adec="http://schemas.microsoft.com/office/drawing/2017/decorative" val="1"/>
+              </a:ext>
+            </a:extLst>
+          </p:cNvPr>
+          <p:cNvSpPr>
+            <a:spLocks noGrp="1" noRot="1" noChangeAspect="1" noMove="1" noResize="1" noEditPoints="1" noAdjustHandles="1" noChangeArrowheads="1" noChangeShapeType="1" noTextEdit="1"/>
+          </p:cNvSpPr>
+          <p:nvPr>
+            <p:extLst>
+              <p:ext uri="{386F3935-93C4-4BCD-93E2-E3B085C9AB24}">
+                <p16:designElem xmlns:p16="http://schemas.microsoft.com/office/powerpoint/2015/main" val="1"/>
+              </p:ext>
+            </p:extLst>
+          </p:nvPr>
+        </p:nvSpPr>
+        <p:spPr>
+          <a:xfrm>
+            <a:off x="3175" y="6400800"/>
+            <a:ext cx="12188825" cy="457200"/>
+          </a:xfrm>
+          <a:prstGeom prst="rect">
+            <a:avLst/>
+          </a:prstGeom>
+          <a:solidFill>
+            <a:schemeClr val="accent2"/>
+          </a:solidFill>
+          <a:ln>
+            <a:noFill/>
+          </a:ln>
+        </p:spPr>
+        <p:style>
+          <a:lnRef idx="2">
+            <a:schemeClr val="accent1">
+              <a:shade val="50000"/>
+            </a:schemeClr>
+          </a:lnRef>
+          <a:fillRef idx="1">
+            <a:schemeClr val="accent1"/>
+          </a:fillRef>
+          <a:effectRef idx="0">
+            <a:schemeClr val="accent1"/>
+          </a:effectRef>
+          <a:fontRef idx="minor">
+            <a:schemeClr val="lt1"/>
+          </a:fontRef>
+        </p:style>
+      </p:sp>
+      <p:sp>
+        <p:nvSpPr>
+          <p:cNvPr id="11" name="Rectangle 10">
+            <a:extLst>
+              <a:ext uri="{FF2B5EF4-FFF2-40B4-BE49-F238E27FC236}">
+                <a16:creationId xmlns:a16="http://schemas.microsoft.com/office/drawing/2014/main" id="{434F74C9-6A0B-409E-AD1C-45B58BE91BB8}"/>
+              </a:ext>
+              <a:ext uri="{C183D7F6-B498-43B3-948B-1728B52AA6E4}">
+                <adec:decorative xmlns:adec="http://schemas.microsoft.com/office/drawing/2017/decorative" val="1"/>
+              </a:ext>
+            </a:extLst>
+          </p:cNvPr>
+          <p:cNvSpPr>
+            <a:spLocks noGrp="1" noRot="1" noChangeAspect="1" noMove="1" noResize="1" noEditPoints="1" noAdjustHandles="1" noChangeArrowheads="1" noChangeShapeType="1" noTextEdit="1"/>
+          </p:cNvSpPr>
+          <p:nvPr>
+            <p:extLst>
+              <p:ext uri="{386F3935-93C4-4BCD-93E2-E3B085C9AB24}">
+                <p16:designElem xmlns:p16="http://schemas.microsoft.com/office/powerpoint/2015/main" val="1"/>
+              </p:ext>
+            </p:extLst>
+          </p:nvPr>
+        </p:nvSpPr>
+        <p:spPr>
+          <a:xfrm>
+            <a:off x="15" y="6334316"/>
+            <a:ext cx="12188825" cy="64008"/>
+          </a:xfrm>
+          <a:prstGeom prst="rect">
+            <a:avLst/>
+          </a:prstGeom>
+          <a:solidFill>
+            <a:schemeClr val="accent1"/>
+          </a:solidFill>
+          <a:ln>
+            <a:noFill/>
+          </a:ln>
+        </p:spPr>
+        <p:style>
+          <a:lnRef idx="2">
+            <a:schemeClr val="accent1">
+              <a:shade val="50000"/>
+            </a:schemeClr>
+          </a:lnRef>
+          <a:fillRef idx="1">
+            <a:schemeClr val="accent1"/>
+          </a:fillRef>
+          <a:effectRef idx="0">
+            <a:schemeClr val="accent1"/>
+          </a:effectRef>
+          <a:fontRef idx="minor">
+            <a:schemeClr val="lt1"/>
+          </a:fontRef>
+        </p:style>
+      </p:sp>
+      <p:cxnSp>
+        <p:nvCxnSpPr>
+          <p:cNvPr id="13" name="Straight Connector 12">
+            <a:extLst>
+              <a:ext uri="{FF2B5EF4-FFF2-40B4-BE49-F238E27FC236}">
+                <a16:creationId xmlns:a16="http://schemas.microsoft.com/office/drawing/2014/main" id="{F5486A9D-1265-4B57-91E6-68E666B978BC}"/>
+              </a:ext>
+              <a:ext uri="{C183D7F6-B498-43B3-948B-1728B52AA6E4}">
+                <adec:decorative xmlns:adec="http://schemas.microsoft.com/office/drawing/2017/decorative" val="1"/>
+              </a:ext>
+            </a:extLst>
+          </p:cNvPr>
+          <p:cNvCxnSpPr>
+            <a:cxnSpLocks noGrp="1" noRot="1" noChangeAspect="1" noMove="1" noResize="1" noEditPoints="1" noAdjustHandles="1" noChangeArrowheads="1" noChangeShapeType="1"/>
+          </p:cNvCxnSpPr>
+          <p:nvPr>
+            <p:extLst>
+              <p:ext uri="{386F3935-93C4-4BCD-93E2-E3B085C9AB24}">
+                <p16:designElem xmlns:p16="http://schemas.microsoft.com/office/powerpoint/2015/main" val="1"/>
+              </p:ext>
+            </p:extLst>
+          </p:nvPr>
+        </p:nvCxnSpPr>
+        <p:spPr>
+          <a:xfrm>
+            <a:off x="1207658" y="4343400"/>
+            <a:ext cx="9875520" cy="0"/>
+          </a:xfrm>
+          <a:prstGeom prst="line">
+            <a:avLst/>
+          </a:prstGeom>
+          <a:ln w="6350">
+            <a:solidFill>
+              <a:schemeClr val="tx1">
+                <a:lumMod val="50000"/>
+                <a:lumOff val="50000"/>
+              </a:schemeClr>
+            </a:solidFill>
+          </a:ln>
+        </p:spPr>
+        <p:style>
+          <a:lnRef idx="1">
+            <a:schemeClr val="accent1"/>
+          </a:lnRef>
+          <a:fillRef idx="0">
+            <a:schemeClr val="accent1"/>
+          </a:fillRef>
+          <a:effectRef idx="0">
+            <a:schemeClr val="accent1"/>
+          </a:effectRef>
+          <a:fontRef idx="minor">
+            <a:schemeClr val="tx1"/>
+          </a:fontRef>
+        </p:style>
+      </p:cxnSp>
+      <p:pic>
+        <p:nvPicPr>
+          <p:cNvPr id="5" name="Picture 4" descr="Pipette filling tray with sample">
+            <a:extLst>
+              <a:ext uri="{FF2B5EF4-FFF2-40B4-BE49-F238E27FC236}">
+                <a16:creationId xmlns:a16="http://schemas.microsoft.com/office/drawing/2014/main" id="{BC7992AC-AAA6-4A5D-9358-546692279A39}"/>
+              </a:ext>
+            </a:extLst>
+          </p:cNvPr>
+          <p:cNvPicPr>
+            <a:picLocks noChangeAspect="1"/>
+          </p:cNvPicPr>
+          <p:nvPr/>
+        </p:nvPicPr>
+        <p:blipFill rotWithShape="1">
+          <a:blip r:embed="rId2">
+            <a:alphaModFix amt="35000"/>
+          </a:blip>
+          <a:srcRect t="13390" b="2341"/>
+          <a:stretch/>
+        </p:blipFill>
+        <p:spPr>
+          <a:xfrm>
+            <a:off x="20" y="10"/>
+            <a:ext cx="12191980" cy="6857990"/>
+          </a:xfrm>
+          <a:prstGeom prst="rect">
+            <a:avLst/>
+          </a:prstGeom>
+        </p:spPr>
+      </p:pic>
+      <p:sp>
+        <p:nvSpPr>
+          <p:cNvPr id="2" name="Title 1">
+            <a:extLst>
+              <a:ext uri="{FF2B5EF4-FFF2-40B4-BE49-F238E27FC236}">
+                <a16:creationId xmlns:a16="http://schemas.microsoft.com/office/drawing/2014/main" id="{C8854813-AAE6-44F6-9DC8-EC8ED681BF88}"/>
+              </a:ext>
+            </a:extLst>
+          </p:cNvPr>
+          <p:cNvSpPr>
+            <a:spLocks noGrp="1"/>
+          </p:cNvSpPr>
+          <p:nvPr>
+            <p:ph type="title"/>
+          </p:nvPr>
+        </p:nvSpPr>
+        <p:spPr>
+          <a:xfrm>
+            <a:off x="1097280" y="758952"/>
+            <a:ext cx="10058400" cy="3566160"/>
+          </a:xfrm>
+        </p:spPr>
+        <p:txBody>
+          <a:bodyPr vert="horz" lIns="91440" tIns="45720" rIns="91440" bIns="45720" rtlCol="0" anchor="b">
+            <a:normAutofit/>
+          </a:bodyPr>
+          <a:lstStyle/>
+          <a:p>
+            <a:r>
+              <a:rPr lang="en-US" sz="8000" dirty="0">
+                <a:solidFill>
+                  <a:srgbClr val="FFFFFF"/>
+                </a:solidFill>
+              </a:rPr>
+              <a:t>UNIT TEST</a:t>
+            </a:r>
+          </a:p>
+        </p:txBody>
+      </p:sp>
+      <p:cxnSp>
+        <p:nvCxnSpPr>
+          <p:cNvPr id="15" name="Straight Connector 14">
+            <a:extLst>
+              <a:ext uri="{FF2B5EF4-FFF2-40B4-BE49-F238E27FC236}">
+                <a16:creationId xmlns:a16="http://schemas.microsoft.com/office/drawing/2014/main" id="{4071767D-5FF7-4508-B8B7-BB60FF3AB250}"/>
+              </a:ext>
+              <a:ext uri="{C183D7F6-B498-43B3-948B-1728B52AA6E4}">
+                <adec:decorative xmlns:adec="http://schemas.microsoft.com/office/drawing/2017/decorative" val="1"/>
+              </a:ext>
+            </a:extLst>
+          </p:cNvPr>
+          <p:cNvCxnSpPr>
+            <a:cxnSpLocks noGrp="1" noRot="1" noChangeAspect="1" noMove="1" noResize="1" noEditPoints="1" noAdjustHandles="1" noChangeArrowheads="1" noChangeShapeType="1"/>
+          </p:cNvCxnSpPr>
+          <p:nvPr>
+            <p:extLst>
+              <p:ext uri="{386F3935-93C4-4BCD-93E2-E3B085C9AB24}">
+                <p16:designElem xmlns:p16="http://schemas.microsoft.com/office/powerpoint/2015/main" val="1"/>
+              </p:ext>
+            </p:extLst>
+          </p:nvPr>
+        </p:nvCxnSpPr>
+        <p:spPr>
+          <a:xfrm>
+            <a:off x="1207658" y="4343400"/>
+            <a:ext cx="9875520" cy="0"/>
+          </a:xfrm>
+          <a:prstGeom prst="line">
+            <a:avLst/>
+          </a:prstGeom>
+          <a:ln w="6350">
+            <a:solidFill>
+              <a:schemeClr val="tx1">
+                <a:alpha val="80000"/>
+              </a:schemeClr>
+            </a:solidFill>
+          </a:ln>
+        </p:spPr>
+        <p:style>
+          <a:lnRef idx="1">
+            <a:schemeClr val="accent1"/>
+          </a:lnRef>
+          <a:fillRef idx="0">
+            <a:schemeClr val="accent1"/>
+          </a:fillRef>
+          <a:effectRef idx="0">
+            <a:schemeClr val="accent1"/>
+          </a:effectRef>
+          <a:fontRef idx="minor">
+            <a:schemeClr val="tx1"/>
+          </a:fontRef>
+        </p:style>
+      </p:cxnSp>
+      <p:sp>
+        <p:nvSpPr>
+          <p:cNvPr id="17" name="Rectangle 16">
+            <a:extLst>
+              <a:ext uri="{FF2B5EF4-FFF2-40B4-BE49-F238E27FC236}">
+                <a16:creationId xmlns:a16="http://schemas.microsoft.com/office/drawing/2014/main" id="{C4E89C94-E462-4566-A15A-32835FD68BCD}"/>
+              </a:ext>
+              <a:ext uri="{C183D7F6-B498-43B3-948B-1728B52AA6E4}">
+                <adec:decorative xmlns:adec="http://schemas.microsoft.com/office/drawing/2017/decorative" val="1"/>
+              </a:ext>
+            </a:extLst>
+          </p:cNvPr>
+          <p:cNvSpPr>
+            <a:spLocks noGrp="1" noRot="1" noChangeAspect="1" noMove="1" noResize="1" noEditPoints="1" noAdjustHandles="1" noChangeArrowheads="1" noChangeShapeType="1" noTextEdit="1"/>
+          </p:cNvSpPr>
+          <p:nvPr>
+            <p:extLst>
+              <p:ext uri="{386F3935-93C4-4BCD-93E2-E3B085C9AB24}">
+                <p16:designElem xmlns:p16="http://schemas.microsoft.com/office/powerpoint/2015/main" val="1"/>
+              </p:ext>
+            </p:extLst>
+          </p:nvPr>
+        </p:nvSpPr>
+        <p:spPr>
+          <a:xfrm>
+            <a:off x="15" y="6334316"/>
+            <a:ext cx="12191985" cy="66484"/>
+          </a:xfrm>
+          <a:prstGeom prst="rect">
+            <a:avLst/>
+          </a:prstGeom>
+          <a:solidFill>
+            <a:schemeClr val="accent1"/>
+          </a:solidFill>
+          <a:ln>
+            <a:noFill/>
+          </a:ln>
+        </p:spPr>
+        <p:style>
+          <a:lnRef idx="2">
+            <a:schemeClr val="accent1">
+              <a:shade val="50000"/>
+            </a:schemeClr>
+          </a:lnRef>
+          <a:fillRef idx="1">
+            <a:schemeClr val="accent1"/>
+          </a:fillRef>
+          <a:effectRef idx="0">
+            <a:schemeClr val="accent1"/>
+          </a:effectRef>
+          <a:fontRef idx="minor">
+            <a:schemeClr val="lt1"/>
+          </a:fontRef>
+        </p:style>
+      </p:sp>
+      <p:sp>
+        <p:nvSpPr>
+          <p:cNvPr id="19" name="Rectangle 18">
+            <a:extLst>
+              <a:ext uri="{FF2B5EF4-FFF2-40B4-BE49-F238E27FC236}">
+                <a16:creationId xmlns:a16="http://schemas.microsoft.com/office/drawing/2014/main" id="{E25F4A20-71FB-4A26-92E2-89DED49264CA}"/>
+              </a:ext>
+              <a:ext uri="{C183D7F6-B498-43B3-948B-1728B52AA6E4}">
+                <adec:decorative xmlns:adec="http://schemas.microsoft.com/office/drawing/2017/decorative" val="1"/>
+              </a:ext>
+            </a:extLst>
+          </p:cNvPr>
+          <p:cNvSpPr>
+            <a:spLocks noGrp="1" noRot="1" noChangeAspect="1" noMove="1" noResize="1" noEditPoints="1" noAdjustHandles="1" noChangeArrowheads="1" noChangeShapeType="1" noTextEdit="1"/>
+          </p:cNvSpPr>
+          <p:nvPr>
+            <p:extLst>
+              <p:ext uri="{386F3935-93C4-4BCD-93E2-E3B085C9AB24}">
+                <p16:designElem xmlns:p16="http://schemas.microsoft.com/office/powerpoint/2015/main" val="1"/>
+              </p:ext>
+            </p:extLst>
+          </p:nvPr>
+        </p:nvSpPr>
+        <p:spPr>
+          <a:xfrm>
+            <a:off x="1" y="6400800"/>
+            <a:ext cx="12192000" cy="457200"/>
+          </a:xfrm>
+          <a:prstGeom prst="rect">
+            <a:avLst/>
+          </a:prstGeom>
+          <a:solidFill>
+            <a:schemeClr val="accent2"/>
+          </a:solidFill>
+          <a:ln>
+            <a:noFill/>
+          </a:ln>
+        </p:spPr>
+        <p:style>
+          <a:lnRef idx="2">
+            <a:schemeClr val="accent1">
+              <a:shade val="50000"/>
+            </a:schemeClr>
+          </a:lnRef>
+          <a:fillRef idx="1">
+            <a:schemeClr val="accent1"/>
+          </a:fillRef>
+          <a:effectRef idx="0">
+            <a:schemeClr val="accent1"/>
+          </a:effectRef>
+          <a:fontRef idx="minor">
+            <a:schemeClr val="lt1"/>
+          </a:fontRef>
+        </p:style>
+      </p:sp>
+    </p:spTree>
+    <p:extLst>
+      <p:ext uri="{BB962C8B-B14F-4D97-AF65-F5344CB8AC3E}">
+        <p14:creationId xmlns:p14="http://schemas.microsoft.com/office/powerpoint/2010/main" val="531952232"/>
+      </p:ext>
+    </p:extLst>
+  </p:cSld>
+  <p:clrMapOvr>
+    <a:overrideClrMapping bg1="dk1" tx1="lt1" bg2="dk2" tx2="lt2" accent1="accent1" accent2="accent2" accent3="accent3" accent4="accent4" accent5="accent5" accent6="accent6" hlink="hlink" folHlink="folHlink"/>
+  </p:clrMapOvr>
+</p:sld>
+</file>
+
+<file path=ppt/slides/slide22.xml><?xml version="1.0" encoding="utf-8"?>
 <p:sld xmlns:a="http://schemas.openxmlformats.org/drawingml/2006/main" xmlns:r="http://schemas.openxmlformats.org/officeDocument/2006/relationships" xmlns:p="http://schemas.openxmlformats.org/presentationml/2006/main">
   <p:cSld>
     <p:spTree>
@@ -33057,7 +32660,7 @@
 </p:sld>
 </file>
 
-<file path=ppt/slides/slide27.xml><?xml version="1.0" encoding="utf-8"?>
+<file path=ppt/slides/slide23.xml><?xml version="1.0" encoding="utf-8"?>
 <p:sld xmlns:a="http://schemas.openxmlformats.org/drawingml/2006/main" xmlns:r="http://schemas.openxmlformats.org/officeDocument/2006/relationships" xmlns:p="http://schemas.openxmlformats.org/presentationml/2006/main">
   <p:cSld>
     <p:bg>
@@ -33084,10 +32687,10 @@
       </p:grpSpPr>
       <p:sp useBgFill="1">
         <p:nvSpPr>
-          <p:cNvPr id="12" name="Rectangle 11">
+          <p:cNvPr id="21" name="Rectangle 20">
             <a:extLst>
               <a:ext uri="{FF2B5EF4-FFF2-40B4-BE49-F238E27FC236}">
-                <a16:creationId xmlns:a16="http://schemas.microsoft.com/office/drawing/2014/main" id="{F9E80720-23E6-4B89-B77E-04A7689F1BA8}"/>
+                <a16:creationId xmlns:a16="http://schemas.microsoft.com/office/drawing/2014/main" id="{FB5993E2-C02B-4335-ABA5-D8EC465551E3}"/>
               </a:ext>
               <a:ext uri="{C183D7F6-B498-43B3-948B-1728B52AA6E4}">
                 <adec:decorative xmlns:adec="http://schemas.microsoft.com/office/drawing/2017/decorative" val="1"/>
@@ -33107,8 +32710,8 @@
         </p:nvSpPr>
         <p:spPr>
           <a:xfrm>
-            <a:off x="1507" y="0"/>
-            <a:ext cx="12192000" cy="6858000"/>
+            <a:off x="0" y="0"/>
+            <a:ext cx="12186315" cy="6858000"/>
           </a:xfrm>
           <a:prstGeom prst="rect">
             <a:avLst/>
@@ -33119,15 +32722,15 @@
         </p:spPr>
         <p:style>
           <a:lnRef idx="2">
-            <a:schemeClr val="accent1">
+            <a:schemeClr val="accent6">
               <a:shade val="50000"/>
             </a:schemeClr>
           </a:lnRef>
-          <a:fillRef idx="1">
-            <a:schemeClr val="accent1"/>
+          <a:fillRef idx="1001">
+            <a:schemeClr val="lt1"/>
           </a:fillRef>
           <a:effectRef idx="0">
-            <a:schemeClr val="accent1"/>
+            <a:schemeClr val="accent6"/>
           </a:effectRef>
           <a:fontRef idx="minor">
             <a:schemeClr val="lt1"/>
@@ -33144,10 +32747,10 @@
       </p:sp>
       <p:sp>
         <p:nvSpPr>
-          <p:cNvPr id="14" name="Rectangle 13">
+          <p:cNvPr id="23" name="Rectangle 22">
             <a:extLst>
               <a:ext uri="{FF2B5EF4-FFF2-40B4-BE49-F238E27FC236}">
-                <a16:creationId xmlns:a16="http://schemas.microsoft.com/office/drawing/2014/main" id="{CD1D3CA1-3EB6-41F3-A419-8424B56BE63A}"/>
+                <a16:creationId xmlns:a16="http://schemas.microsoft.com/office/drawing/2014/main" id="{C0B801A2-5622-4BE8-9AD2-C337A2CD0022}"/>
               </a:ext>
               <a:ext uri="{C183D7F6-B498-43B3-948B-1728B52AA6E4}">
                 <adec:decorative xmlns:adec="http://schemas.microsoft.com/office/drawing/2017/decorative" val="1"/>
@@ -33165,10 +32768,10 @@
             </p:extLst>
           </p:nvPr>
         </p:nvSpPr>
-        <p:spPr bwMode="white">
+        <p:spPr>
           <a:xfrm>
-            <a:off x="1507" y="4953000"/>
-            <a:ext cx="12188952" cy="1905000"/>
+            <a:off x="16" y="0"/>
+            <a:ext cx="4050791" cy="6858000"/>
           </a:xfrm>
           <a:prstGeom prst="rect">
             <a:avLst/>
@@ -33215,19 +32818,18 @@
         </p:nvSpPr>
         <p:spPr>
           <a:xfrm>
-            <a:off x="1066800" y="5252936"/>
-            <a:ext cx="10058400" cy="1028715"/>
+            <a:off x="492370" y="516835"/>
+            <a:ext cx="3084844" cy="5772840"/>
           </a:xfrm>
         </p:spPr>
         <p:txBody>
-          <a:bodyPr>
+          <a:bodyPr anchor="ctr">
             <a:normAutofit/>
           </a:bodyPr>
           <a:lstStyle/>
           <a:p>
-            <a:pPr algn="ctr"/>
-            <a:r>
-              <a:rPr lang="en-US">
+            <a:r>
+              <a:rPr lang="en-US" sz="3600">
                 <a:solidFill>
                   <a:srgbClr val="FFFFFF"/>
                 </a:solidFill>
@@ -33239,10 +32841,10 @@
       </p:sp>
       <p:sp>
         <p:nvSpPr>
-          <p:cNvPr id="16" name="Rectangle 15">
+          <p:cNvPr id="25" name="Rectangle 24">
             <a:extLst>
               <a:ext uri="{FF2B5EF4-FFF2-40B4-BE49-F238E27FC236}">
-                <a16:creationId xmlns:a16="http://schemas.microsoft.com/office/drawing/2014/main" id="{4D87F7B2-AA36-4B58-BC2C-1BBA135E8B6B}"/>
+                <a16:creationId xmlns:a16="http://schemas.microsoft.com/office/drawing/2014/main" id="{B7AF614F-5BC3-4086-99F5-B87C5847A071}"/>
               </a:ext>
               <a:ext uri="{C183D7F6-B498-43B3-948B-1728B52AA6E4}">
                 <adec:decorative xmlns:adec="http://schemas.microsoft.com/office/drawing/2017/decorative" val="1"/>
@@ -33262,8 +32864,8 @@
         </p:nvSpPr>
         <p:spPr>
           <a:xfrm>
-            <a:off x="1507" y="4906176"/>
-            <a:ext cx="12188952" cy="64008"/>
+            <a:off x="4040071" y="0"/>
+            <a:ext cx="64008" cy="6858000"/>
           </a:xfrm>
           <a:prstGeom prst="rect">
             <a:avLst/>
@@ -33308,14 +32910,14 @@
             <p:ph idx="1"/>
             <p:extLst>
               <p:ext uri="{D42A27DB-BD31-4B8C-83A1-F6EECF244321}">
-                <p14:modId xmlns:p14="http://schemas.microsoft.com/office/powerpoint/2010/main" val="1279326409"/>
+                <p14:modId xmlns:p14="http://schemas.microsoft.com/office/powerpoint/2010/main" val="2131169921"/>
               </p:ext>
             </p:extLst>
           </p:nvPr>
         </p:nvGraphicFramePr>
         <p:xfrm>
-          <a:off x="643466" y="643467"/>
-          <a:ext cx="10900477" cy="3619242"/>
+          <a:off x="4741863" y="639763"/>
+          <a:ext cx="6797675" cy="5649912"/>
         </p:xfrm>
         <a:graphic>
           <a:graphicData uri="http://schemas.openxmlformats.org/drawingml/2006/diagram">
@@ -33336,7 +32938,7 @@
 </p:sld>
 </file>
 
-<file path=ppt/slides/slide28.xml><?xml version="1.0" encoding="utf-8"?>
+<file path=ppt/slides/slide24.xml><?xml version="1.0" encoding="utf-8"?>
 <p:sld xmlns:a="http://schemas.openxmlformats.org/drawingml/2006/main" xmlns:r="http://schemas.openxmlformats.org/officeDocument/2006/relationships" xmlns:p="http://schemas.openxmlformats.org/presentationml/2006/main">
   <p:cSld>
     <p:bg>
@@ -33505,7 +33107,7 @@
           <a:lstStyle/>
           <a:p>
             <a:r>
-              <a:rPr lang="en-US" sz="3600">
+              <a:rPr lang="en-US" sz="3600" dirty="0">
                 <a:solidFill>
                   <a:srgbClr val="FFFFFF"/>
                 </a:solidFill>
@@ -33642,7 +33244,7 @@
 </p:sld>
 </file>
 
-<file path=ppt/slides/slide29.xml><?xml version="1.0" encoding="utf-8"?>
+<file path=ppt/slides/slide25.xml><?xml version="1.0" encoding="utf-8"?>
 <p:sld xmlns:a="http://schemas.openxmlformats.org/drawingml/2006/main" xmlns:r="http://schemas.openxmlformats.org/officeDocument/2006/relationships" xmlns:p="http://schemas.openxmlformats.org/presentationml/2006/main">
   <p:cSld>
     <p:bg>
@@ -33800,24 +33402,263 @@
         </p:nvSpPr>
         <p:spPr>
           <a:xfrm>
-            <a:off x="492370" y="605896"/>
-            <a:ext cx="3084844" cy="5646208"/>
+            <a:off x="1" y="-1"/>
+            <a:ext cx="4104078" cy="6688899"/>
           </a:xfrm>
         </p:spPr>
         <p:txBody>
           <a:bodyPr anchor="ctr">
-            <a:normAutofit/>
+            <a:noAutofit/>
           </a:bodyPr>
           <a:lstStyle/>
           <a:p>
             <a:r>
-              <a:rPr lang="en-US" sz="3600">
+              <a:rPr lang="vi-VN" sz="2000" b="0" i="0" dirty="0">
                 <a:solidFill>
-                  <a:srgbClr val="FFFFFF"/>
+                  <a:schemeClr val="bg1"/>
+                </a:solidFill>
+                <a:effectLst/>
+              </a:rPr>
+              <a:t>Bài tập: Nộp file input và output cho bài tập Tảo</a:t>
+            </a:r>
+            <a:br>
+              <a:rPr lang="vi-VN" sz="2000" dirty="0">
+                <a:solidFill>
+                  <a:schemeClr val="bg1"/>
                 </a:solidFill>
               </a:rPr>
-              <a:t>Bài tập về nhà: tạo bộ test kiểm tra bài tảo biển</a:t>
-            </a:r>
+            </a:br>
+            <a:r>
+              <a:rPr lang="vi-VN" sz="2000" b="0" i="0" dirty="0">
+                <a:solidFill>
+                  <a:schemeClr val="bg1"/>
+                </a:solidFill>
+                <a:effectLst/>
+              </a:rPr>
+              <a:t>Về email:</a:t>
+            </a:r>
+            <a:r>
+              <a:rPr lang="vi-VN" sz="2000" b="0" i="0" dirty="0">
+                <a:solidFill>
+                  <a:schemeClr val="bg1"/>
+                </a:solidFill>
+                <a:effectLst/>
+                <a:hlinkClick r:id="rId2">
+                  <a:extLst>
+                    <a:ext uri="{A12FA001-AC4F-418D-AE19-62706E023703}">
+                      <ahyp:hlinkClr xmlns:ahyp="http://schemas.microsoft.com/office/drawing/2018/hyperlinkcolor" val="tx"/>
+                    </a:ext>
+                  </a:extLst>
+                </a:hlinkClick>
+              </a:rPr>
+              <a:t>19522295@gm.uit.edu.vn</a:t>
+            </a:r>
+            <a:br>
+              <a:rPr lang="vi-VN" sz="2000" dirty="0">
+                <a:solidFill>
+                  <a:schemeClr val="bg1"/>
+                </a:solidFill>
+              </a:rPr>
+            </a:br>
+            <a:r>
+              <a:rPr lang="vi-VN" sz="2000" b="0" i="0" dirty="0">
+                <a:solidFill>
+                  <a:schemeClr val="bg1"/>
+                </a:solidFill>
+                <a:effectLst/>
+              </a:rPr>
+              <a:t>Định dạng file:</a:t>
+            </a:r>
+            <a:br>
+              <a:rPr lang="vi-VN" sz="2000">
+                <a:solidFill>
+                  <a:schemeClr val="bg1"/>
+                </a:solidFill>
+              </a:rPr>
+            </a:br>
+            <a:r>
+              <a:rPr lang="vi-VN" sz="2000" b="0" i="0">
+                <a:solidFill>
+                  <a:schemeClr val="bg1"/>
+                </a:solidFill>
+                <a:effectLst/>
+              </a:rPr>
+              <a:t>1 </a:t>
+            </a:r>
+            <a:r>
+              <a:rPr lang="vi-VN" sz="2000" b="0" i="0" dirty="0">
+                <a:solidFill>
+                  <a:schemeClr val="bg1"/>
+                </a:solidFill>
+                <a:effectLst/>
+              </a:rPr>
+              <a:t>folder tên nhóm bên trong gồm có:</a:t>
+            </a:r>
+            <a:br>
+              <a:rPr lang="vi-VN" sz="2000" dirty="0">
+                <a:solidFill>
+                  <a:schemeClr val="bg1"/>
+                </a:solidFill>
+              </a:rPr>
+            </a:br>
+            <a:r>
+              <a:rPr lang="vi-VN" sz="2000" b="0" i="0" dirty="0">
+                <a:solidFill>
+                  <a:schemeClr val="bg1"/>
+                </a:solidFill>
+                <a:effectLst/>
+              </a:rPr>
+              <a:t>-1 folder input bên trong gồm có các file:</a:t>
+            </a:r>
+            <a:br>
+              <a:rPr lang="vi-VN" sz="2000" dirty="0">
+                <a:solidFill>
+                  <a:schemeClr val="bg1"/>
+                </a:solidFill>
+              </a:rPr>
+            </a:br>
+            <a:r>
+              <a:rPr lang="vi-VN" sz="2000" b="0" i="0" dirty="0">
+                <a:solidFill>
+                  <a:schemeClr val="bg1"/>
+                </a:solidFill>
+                <a:effectLst/>
+              </a:rPr>
+              <a:t>+ input1: file txt (tương ứng duy nhất 1 test case)</a:t>
+            </a:r>
+            <a:br>
+              <a:rPr lang="vi-VN" sz="2000" dirty="0">
+                <a:solidFill>
+                  <a:schemeClr val="bg1"/>
+                </a:solidFill>
+              </a:rPr>
+            </a:br>
+            <a:r>
+              <a:rPr lang="vi-VN" sz="2000" b="0" i="0" dirty="0">
+                <a:solidFill>
+                  <a:schemeClr val="bg1"/>
+                </a:solidFill>
+                <a:effectLst/>
+              </a:rPr>
+              <a:t>+input2:</a:t>
+            </a:r>
+            <a:br>
+              <a:rPr lang="vi-VN" sz="2000" dirty="0">
+                <a:solidFill>
+                  <a:schemeClr val="bg1"/>
+                </a:solidFill>
+              </a:rPr>
+            </a:br>
+            <a:r>
+              <a:rPr lang="vi-VN" sz="2000" b="0" i="0" dirty="0">
+                <a:solidFill>
+                  <a:schemeClr val="bg1"/>
+                </a:solidFill>
+                <a:effectLst/>
+              </a:rPr>
+              <a:t>+.........</a:t>
+            </a:r>
+            <a:br>
+              <a:rPr lang="vi-VN" sz="2000" dirty="0">
+                <a:solidFill>
+                  <a:schemeClr val="bg1"/>
+                </a:solidFill>
+              </a:rPr>
+            </a:br>
+            <a:r>
+              <a:rPr lang="vi-VN" sz="2000" b="0" i="0" dirty="0">
+                <a:solidFill>
+                  <a:schemeClr val="bg1"/>
+                </a:solidFill>
+                <a:effectLst/>
+              </a:rPr>
+              <a:t>-1 folder output bên trong gồm có các file:</a:t>
+            </a:r>
+            <a:br>
+              <a:rPr lang="vi-VN" sz="2000" dirty="0">
+                <a:solidFill>
+                  <a:schemeClr val="bg1"/>
+                </a:solidFill>
+              </a:rPr>
+            </a:br>
+            <a:r>
+              <a:rPr lang="vi-VN" sz="2000" b="0" i="0" dirty="0">
+                <a:solidFill>
+                  <a:schemeClr val="bg1"/>
+                </a:solidFill>
+                <a:effectLst/>
+              </a:rPr>
+              <a:t>+ output1: (là output tương ứng cho input1)</a:t>
+            </a:r>
+            <a:br>
+              <a:rPr lang="vi-VN" sz="2000" dirty="0">
+                <a:solidFill>
+                  <a:schemeClr val="bg1"/>
+                </a:solidFill>
+              </a:rPr>
+            </a:br>
+            <a:r>
+              <a:rPr lang="vi-VN" sz="2000" b="0" i="0" dirty="0">
+                <a:solidFill>
+                  <a:schemeClr val="bg1"/>
+                </a:solidFill>
+                <a:effectLst/>
+              </a:rPr>
+              <a:t>+ output:2</a:t>
+            </a:r>
+            <a:br>
+              <a:rPr lang="vi-VN" sz="2000" dirty="0">
+                <a:solidFill>
+                  <a:schemeClr val="bg1"/>
+                </a:solidFill>
+              </a:rPr>
+            </a:br>
+            <a:r>
+              <a:rPr lang="vi-VN" sz="2000" b="0" i="0" dirty="0">
+                <a:solidFill>
+                  <a:schemeClr val="bg1"/>
+                </a:solidFill>
+                <a:effectLst/>
+              </a:rPr>
+              <a:t>+ output.....</a:t>
+            </a:r>
+            <a:br>
+              <a:rPr lang="vi-VN" sz="2000" dirty="0">
+                <a:solidFill>
+                  <a:schemeClr val="bg1"/>
+                </a:solidFill>
+              </a:rPr>
+            </a:br>
+            <a:r>
+              <a:rPr lang="vi-VN" sz="2000" b="0" i="0" dirty="0">
+                <a:solidFill>
+                  <a:schemeClr val="bg1"/>
+                </a:solidFill>
+                <a:effectLst/>
+              </a:rPr>
+              <a:t>Lưu ý: Không giới hạn số lượng input và output số lượng input phải bằng số lượng output</a:t>
+            </a:r>
+            <a:br>
+              <a:rPr lang="vi-VN" sz="2000" dirty="0">
+                <a:solidFill>
+                  <a:schemeClr val="bg1"/>
+                </a:solidFill>
+              </a:rPr>
+            </a:br>
+            <a:r>
+              <a:rPr lang="vi-VN" sz="2000" b="0" i="0" dirty="0">
+                <a:solidFill>
+                  <a:schemeClr val="bg1"/>
+                </a:solidFill>
+                <a:effectLst/>
+              </a:rPr>
+              <a:t>Deadline: 0h:0ph 3/4/2021</a:t>
+            </a:r>
+            <a:endParaRPr lang="en-US" sz="2000" dirty="0">
+              <a:solidFill>
+                <a:schemeClr val="bg1"/>
+              </a:solidFill>
+            </a:endParaRPr>
           </a:p>
         </p:txBody>
       </p:sp>
@@ -33905,20 +33746,20 @@
           <a:lstStyle/>
           <a:p>
             <a:r>
-              <a:rPr lang="vi-VN" sz="1700" b="1" i="0">
+              <a:rPr lang="vi-VN" sz="1700" b="1" i="0" dirty="0">
                 <a:effectLst/>
                 <a:latin typeface="-apple-system"/>
               </a:rPr>
               <a:t>TẢO BIỂN</a:t>
             </a:r>
-            <a:endParaRPr lang="vi-VN" sz="1700" b="0" i="0">
+            <a:endParaRPr lang="vi-VN" sz="1700" b="0" i="0" dirty="0">
               <a:effectLst/>
               <a:latin typeface="-apple-system"/>
             </a:endParaRPr>
           </a:p>
           <a:p>
             <a:r>
-              <a:rPr lang="vi-VN" sz="1700" b="0" i="0">
+              <a:rPr lang="vi-VN" sz="1700" b="0" i="0" dirty="0">
                 <a:effectLst/>
                 <a:latin typeface="-apple-system"/>
               </a:rPr>
@@ -33927,7 +33768,7 @@
           </a:p>
           <a:p>
             <a:r>
-              <a:rPr lang="vi-VN" sz="1700" b="0" i="0">
+              <a:rPr lang="vi-VN" sz="1700" b="0" i="0" dirty="0">
                 <a:effectLst/>
                 <a:latin typeface="-apple-system"/>
               </a:rPr>
@@ -33940,21 +33781,21 @@
               <a:buChar char="•"/>
             </a:pPr>
             <a:r>
-              <a:rPr lang="vi-VN" sz="1700" b="0" i="0">
+              <a:rPr lang="vi-VN" sz="1700" b="0" i="0" dirty="0">
                 <a:effectLst/>
                 <a:latin typeface="-apple-system"/>
               </a:rPr>
               <a:t>Ngày đầu tiên (ngày 0) có </a:t>
             </a:r>
             <a:r>
-              <a:rPr lang="vi-VN" sz="1700" b="1" i="1">
+              <a:rPr lang="vi-VN" sz="1700" b="1" i="1" dirty="0">
                 <a:effectLst/>
                 <a:latin typeface="-apple-system"/>
               </a:rPr>
               <a:t>n</a:t>
             </a:r>
             <a:r>
-              <a:rPr lang="vi-VN" sz="1700" b="0" i="0">
+              <a:rPr lang="vi-VN" sz="1700" b="0" i="0" dirty="0">
                 <a:effectLst/>
                 <a:latin typeface="-apple-system"/>
               </a:rPr>
@@ -33967,35 +33808,35 @@
               <a:buChar char="•"/>
             </a:pPr>
             <a:r>
-              <a:rPr lang="vi-VN" sz="1700" b="0" i="0">
+              <a:rPr lang="vi-VN" sz="1700" b="0" i="0" dirty="0">
                 <a:effectLst/>
                 <a:latin typeface="-apple-system"/>
               </a:rPr>
               <a:t>Ở mỗi ngày tiếp theo, mỗi cá thể mức </a:t>
             </a:r>
             <a:r>
-              <a:rPr lang="vi-VN" sz="1700" b="1" i="1">
+              <a:rPr lang="vi-VN" sz="1700" b="1" i="1" dirty="0">
                 <a:effectLst/>
                 <a:latin typeface="-apple-system"/>
               </a:rPr>
               <a:t>i</a:t>
             </a:r>
             <a:r>
-              <a:rPr lang="vi-VN" sz="1700" b="0" i="0">
+              <a:rPr lang="vi-VN" sz="1700" b="0" i="0" dirty="0">
                 <a:effectLst/>
                 <a:latin typeface="-apple-system"/>
               </a:rPr>
               <a:t> sinh ra </a:t>
             </a:r>
             <a:r>
-              <a:rPr lang="vi-VN" sz="1700" b="1" i="1">
+              <a:rPr lang="vi-VN" sz="1700" b="1" i="1" dirty="0">
                 <a:effectLst/>
                 <a:latin typeface="-apple-system"/>
               </a:rPr>
               <a:t>i</a:t>
             </a:r>
             <a:r>
-              <a:rPr lang="vi-VN" sz="1700" b="0" i="0">
+              <a:rPr lang="vi-VN" sz="1700" b="0" i="0" dirty="0">
                 <a:effectLst/>
                 <a:latin typeface="-apple-system"/>
               </a:rPr>
@@ -34008,35 +33849,35 @@
               <a:buChar char="•"/>
             </a:pPr>
             <a:r>
-              <a:rPr lang="vi-VN" sz="1700" b="0" i="0">
+              <a:rPr lang="vi-VN" sz="1700" b="0" i="0" dirty="0">
                 <a:effectLst/>
                 <a:latin typeface="-apple-system"/>
               </a:rPr>
               <a:t>Bản thân các cá thể mức </a:t>
             </a:r>
             <a:r>
-              <a:rPr lang="vi-VN" sz="1700" b="1" i="1">
+              <a:rPr lang="vi-VN" sz="1700" b="1" i="1" dirty="0">
                 <a:effectLst/>
                 <a:latin typeface="-apple-system"/>
               </a:rPr>
               <a:t>i</a:t>
             </a:r>
             <a:r>
-              <a:rPr lang="vi-VN" sz="1700" b="0" i="0">
+              <a:rPr lang="vi-VN" sz="1700" b="0" i="0" dirty="0">
                 <a:effectLst/>
                 <a:latin typeface="-apple-system"/>
               </a:rPr>
               <a:t> phát triển thành mức </a:t>
             </a:r>
             <a:r>
-              <a:rPr lang="vi-VN" sz="1700" b="1" i="1">
+              <a:rPr lang="vi-VN" sz="1700" b="1" i="1" dirty="0">
                 <a:effectLst/>
                 <a:latin typeface="-apple-system"/>
               </a:rPr>
               <a:t>i</a:t>
             </a:r>
             <a:r>
-              <a:rPr lang="vi-VN" sz="1700" b="0" i="0">
+              <a:rPr lang="vi-VN" sz="1700" b="0" i="0" dirty="0">
                 <a:effectLst/>
                 <a:latin typeface="-apple-system"/>
               </a:rPr>
@@ -34045,21 +33886,21 @@
           </a:p>
           <a:p>
             <a:r>
-              <a:rPr lang="vi-VN" sz="1700" b="0" i="0">
+              <a:rPr lang="vi-VN" sz="1700" b="0" i="0" dirty="0">
                 <a:effectLst/>
                 <a:latin typeface="-apple-system"/>
               </a:rPr>
               <a:t>Hãy xác định sau </a:t>
             </a:r>
             <a:r>
-              <a:rPr lang="vi-VN" sz="1700" b="1" i="1">
+              <a:rPr lang="vi-VN" sz="1700" b="1" i="1" dirty="0">
                 <a:effectLst/>
                 <a:latin typeface="-apple-system"/>
               </a:rPr>
               <a:t>k</a:t>
             </a:r>
             <a:r>
-              <a:rPr lang="vi-VN" sz="1700" b="0" i="0">
+              <a:rPr lang="vi-VN" sz="1700" b="0" i="0" dirty="0">
                 <a:effectLst/>
                 <a:latin typeface="-apple-system"/>
               </a:rPr>
@@ -34068,84 +33909,84 @@
           </a:p>
           <a:p>
             <a:r>
-              <a:rPr lang="vi-VN" sz="1700" b="1" i="1">
+              <a:rPr lang="vi-VN" sz="1700" b="1" i="1" dirty="0">
                 <a:effectLst/>
                 <a:latin typeface="-apple-system"/>
               </a:rPr>
               <a:t>Dữ liệu:</a:t>
             </a:r>
             <a:r>
-              <a:rPr lang="vi-VN" sz="1700" b="0" i="0">
+              <a:rPr lang="vi-VN" sz="1700" b="0" i="0" dirty="0">
                 <a:effectLst/>
                 <a:latin typeface="-apple-system"/>
               </a:rPr>
               <a:t> Vào từ thiết bị nhập chuẩn gồm một dòng chứa 2 số nguyên </a:t>
             </a:r>
             <a:r>
-              <a:rPr lang="vi-VN" sz="1700" b="1" i="1">
+              <a:rPr lang="vi-VN" sz="1700" b="1" i="1" dirty="0">
                 <a:effectLst/>
                 <a:latin typeface="-apple-system"/>
               </a:rPr>
               <a:t>n</a:t>
             </a:r>
             <a:r>
-              <a:rPr lang="vi-VN" sz="1700" b="0" i="0">
+              <a:rPr lang="vi-VN" sz="1700" b="0" i="0" dirty="0">
                 <a:effectLst/>
                 <a:latin typeface="-apple-system"/>
               </a:rPr>
               <a:t> và </a:t>
             </a:r>
             <a:r>
-              <a:rPr lang="vi-VN" sz="1700" b="1" i="1">
+              <a:rPr lang="vi-VN" sz="1700" b="1" i="1" dirty="0">
                 <a:effectLst/>
                 <a:latin typeface="-apple-system"/>
               </a:rPr>
               <a:t>k</a:t>
             </a:r>
             <a:r>
-              <a:rPr lang="vi-VN" sz="1700" b="0" i="0">
+              <a:rPr lang="vi-VN" sz="1700" b="0" i="0" dirty="0">
                 <a:effectLst/>
                 <a:latin typeface="-apple-system"/>
               </a:rPr>
               <a:t> (1 ≤ </a:t>
             </a:r>
             <a:r>
-              <a:rPr lang="vi-VN" sz="1700" b="1" i="1">
+              <a:rPr lang="vi-VN" sz="1700" b="1" i="1" dirty="0">
                 <a:effectLst/>
                 <a:latin typeface="-apple-system"/>
               </a:rPr>
               <a:t>n</a:t>
             </a:r>
             <a:r>
-              <a:rPr lang="vi-VN" sz="1700" b="0" i="0">
+              <a:rPr lang="vi-VN" sz="1700" b="0" i="0" dirty="0">
                 <a:effectLst/>
                 <a:latin typeface="-apple-system"/>
               </a:rPr>
               <a:t> ≤ 1000, 1 ≤ </a:t>
             </a:r>
             <a:r>
-              <a:rPr lang="vi-VN" sz="1700" b="1" i="1">
+              <a:rPr lang="vi-VN" sz="1700" b="1" i="1" dirty="0">
                 <a:effectLst/>
                 <a:latin typeface="-apple-system"/>
               </a:rPr>
               <a:t>k</a:t>
             </a:r>
             <a:r>
-              <a:rPr lang="vi-VN" sz="1700" b="0" i="0">
+              <a:rPr lang="vi-VN" sz="1700" b="0" i="0" dirty="0">
                 <a:effectLst/>
                 <a:latin typeface="-apple-system"/>
               </a:rPr>
               <a:t> ≤ 10</a:t>
             </a:r>
             <a:r>
-              <a:rPr lang="en-US" sz="1700" b="0" i="0" baseline="30000">
+              <a:rPr lang="en-US" sz="1700" b="0" i="0" baseline="30000" dirty="0">
                 <a:effectLst/>
                 <a:latin typeface="-apple-system"/>
               </a:rPr>
               <a:t>5</a:t>
             </a:r>
             <a:r>
-              <a:rPr lang="vi-VN" sz="1700" b="0" i="0">
+              <a:rPr lang="vi-VN" sz="1700" b="0" i="0" dirty="0">
                 <a:effectLst/>
                 <a:latin typeface="-apple-system"/>
               </a:rPr>
@@ -34154,28 +33995,28 @@
           </a:p>
           <a:p>
             <a:r>
-              <a:rPr lang="vi-VN" sz="1700" b="1" i="1">
+              <a:rPr lang="vi-VN" sz="1700" b="1" i="1" dirty="0">
                 <a:effectLst/>
                 <a:latin typeface="-apple-system"/>
               </a:rPr>
               <a:t>Kết quả:</a:t>
             </a:r>
             <a:r>
-              <a:rPr lang="vi-VN" sz="1700" b="0" i="0">
+              <a:rPr lang="vi-VN" sz="1700" b="0" i="0" dirty="0">
                 <a:effectLst/>
                 <a:latin typeface="-apple-system"/>
               </a:rPr>
               <a:t> Đưa ra thiết bị xuất chuẩn một số nguyên – số lượng cá thể  tảo theo mô đun 10</a:t>
             </a:r>
             <a:r>
-              <a:rPr lang="vi-VN" sz="1700" b="0" i="0" baseline="30000">
+              <a:rPr lang="vi-VN" sz="1700" b="0" i="0" baseline="30000" dirty="0">
                 <a:effectLst/>
                 <a:latin typeface="-apple-system"/>
               </a:rPr>
               <a:t>9</a:t>
             </a:r>
             <a:r>
-              <a:rPr lang="vi-VN" sz="1700" b="0" i="0">
+              <a:rPr lang="vi-VN" sz="1700" b="0" i="0" dirty="0">
                 <a:effectLst/>
                 <a:latin typeface="-apple-system"/>
               </a:rPr>
@@ -34197,496 +34038,7 @@
 </p:sld>
 </file>
 
-<file path=ppt/slides/slide3.xml><?xml version="1.0" encoding="utf-8"?>
-<p:sld xmlns:a="http://schemas.openxmlformats.org/drawingml/2006/main" xmlns:r="http://schemas.openxmlformats.org/officeDocument/2006/relationships" xmlns:p="http://schemas.openxmlformats.org/presentationml/2006/main">
-  <p:cSld>
-    <p:bg>
-      <p:bgPr>
-        <a:solidFill>
-          <a:schemeClr val="bg1"/>
-        </a:solidFill>
-        <a:effectLst/>
-      </p:bgPr>
-    </p:bg>
-    <p:spTree>
-      <p:nvGrpSpPr>
-        <p:cNvPr id="1" name=""/>
-        <p:cNvGrpSpPr/>
-        <p:nvPr/>
-      </p:nvGrpSpPr>
-      <p:grpSpPr>
-        <a:xfrm>
-          <a:off x="0" y="0"/>
-          <a:ext cx="0" cy="0"/>
-          <a:chOff x="0" y="0"/>
-          <a:chExt cx="0" cy="0"/>
-        </a:xfrm>
-      </p:grpSpPr>
-      <p:sp useBgFill="1">
-        <p:nvSpPr>
-          <p:cNvPr id="12" name="Rectangle 11">
-            <a:extLst>
-              <a:ext uri="{FF2B5EF4-FFF2-40B4-BE49-F238E27FC236}">
-                <a16:creationId xmlns:a16="http://schemas.microsoft.com/office/drawing/2014/main" id="{10162E77-11AD-44A7-84EC-40C59EEFBD2E}"/>
-              </a:ext>
-              <a:ext uri="{C183D7F6-B498-43B3-948B-1728B52AA6E4}">
-                <adec:decorative xmlns:adec="http://schemas.microsoft.com/office/drawing/2017/decorative" val="1"/>
-              </a:ext>
-            </a:extLst>
-          </p:cNvPr>
-          <p:cNvSpPr>
-            <a:spLocks noGrp="1" noRot="1" noChangeAspect="1" noMove="1" noResize="1" noEditPoints="1" noAdjustHandles="1" noChangeArrowheads="1" noChangeShapeType="1" noTextEdit="1"/>
-          </p:cNvSpPr>
-          <p:nvPr>
-            <p:extLst>
-              <p:ext uri="{386F3935-93C4-4BCD-93E2-E3B085C9AB24}">
-                <p16:designElem xmlns:p16="http://schemas.microsoft.com/office/powerpoint/2015/main" val="1"/>
-              </p:ext>
-            </p:extLst>
-          </p:nvPr>
-        </p:nvSpPr>
-        <p:spPr>
-          <a:xfrm>
-            <a:off x="0" y="0"/>
-            <a:ext cx="12192001" cy="6334316"/>
-          </a:xfrm>
-          <a:prstGeom prst="rect">
-            <a:avLst/>
-          </a:prstGeom>
-          <a:ln>
-            <a:noFill/>
-          </a:ln>
-        </p:spPr>
-        <p:style>
-          <a:lnRef idx="2">
-            <a:schemeClr val="accent1">
-              <a:shade val="50000"/>
-            </a:schemeClr>
-          </a:lnRef>
-          <a:fillRef idx="1">
-            <a:schemeClr val="accent1"/>
-          </a:fillRef>
-          <a:effectRef idx="0">
-            <a:schemeClr val="accent1"/>
-          </a:effectRef>
-          <a:fontRef idx="minor">
-            <a:schemeClr val="lt1"/>
-          </a:fontRef>
-        </p:style>
-        <p:txBody>
-          <a:bodyPr rtlCol="0" anchor="ctr"/>
-          <a:lstStyle/>
-          <a:p>
-            <a:pPr algn="ctr"/>
-            <a:endParaRPr lang="en-US"/>
-          </a:p>
-        </p:txBody>
-      </p:sp>
-      <p:sp>
-        <p:nvSpPr>
-          <p:cNvPr id="4" name="TextBox 3">
-            <a:extLst>
-              <a:ext uri="{FF2B5EF4-FFF2-40B4-BE49-F238E27FC236}">
-                <a16:creationId xmlns:a16="http://schemas.microsoft.com/office/drawing/2014/main" id="{2D7B97AB-D04D-40C3-890C-6A07C54323D8}"/>
-              </a:ext>
-            </a:extLst>
-          </p:cNvPr>
-          <p:cNvSpPr txBox="1"/>
-          <p:nvPr/>
-        </p:nvSpPr>
-        <p:spPr>
-          <a:xfrm>
-            <a:off x="7859485" y="634946"/>
-            <a:ext cx="3690257" cy="1450757"/>
-          </a:xfrm>
-          <a:prstGeom prst="rect">
-            <a:avLst/>
-          </a:prstGeom>
-        </p:spPr>
-        <p:txBody>
-          <a:bodyPr vert="horz" lIns="91440" tIns="45720" rIns="91440" bIns="45720" rtlCol="0" anchor="b">
-            <a:normAutofit/>
-          </a:bodyPr>
-          <a:lstStyle/>
-          <a:p>
-            <a:pPr defTabSz="914400">
-              <a:lnSpc>
-                <a:spcPct val="85000"/>
-              </a:lnSpc>
-              <a:spcBef>
-                <a:spcPct val="0"/>
-              </a:spcBef>
-              <a:spcAft>
-                <a:spcPts val="600"/>
-              </a:spcAft>
-            </a:pPr>
-            <a:r>
-              <a:rPr lang="en-US" sz="4400" kern="1200" spc="-50" baseline="0" dirty="0">
-                <a:solidFill>
-                  <a:schemeClr val="tx1">
-                    <a:lumMod val="75000"/>
-                    <a:lumOff val="25000"/>
-                  </a:schemeClr>
-                </a:solidFill>
-                <a:latin typeface="+mj-lt"/>
-                <a:ea typeface="+mj-ea"/>
-                <a:cs typeface="+mj-cs"/>
-              </a:rPr>
-              <a:t>Kiểm thử phần mền là gì?</a:t>
-            </a:r>
-          </a:p>
-        </p:txBody>
-      </p:sp>
-      <p:pic>
-        <p:nvPicPr>
-          <p:cNvPr id="7" name="Picture 6" descr="Graphical user interface, diagram&#10;&#10;Description automatically generated">
-            <a:extLst>
-              <a:ext uri="{FF2B5EF4-FFF2-40B4-BE49-F238E27FC236}">
-                <a16:creationId xmlns:a16="http://schemas.microsoft.com/office/drawing/2014/main" id="{522EC7EE-0536-4F2D-BEDD-C1D4B7ECF1B9}"/>
-              </a:ext>
-            </a:extLst>
-          </p:cNvPr>
-          <p:cNvPicPr>
-            <a:picLocks noChangeAspect="1"/>
-          </p:cNvPicPr>
-          <p:nvPr/>
-        </p:nvPicPr>
-        <p:blipFill rotWithShape="1">
-          <a:blip r:embed="rId2">
-            <a:extLst>
-              <a:ext uri="{28A0092B-C50C-407E-A947-70E740481C1C}">
-                <a14:useLocalDpi xmlns:a14="http://schemas.microsoft.com/office/drawing/2010/main" val="0"/>
-              </a:ext>
-            </a:extLst>
-          </a:blip>
-          <a:srcRect l="13025" r="14162" b="-1"/>
-          <a:stretch/>
-        </p:blipFill>
-        <p:spPr>
-          <a:xfrm>
-            <a:off x="733698" y="1171577"/>
-            <a:ext cx="5007680" cy="3567478"/>
-          </a:xfrm>
-          <a:prstGeom prst="rect">
-            <a:avLst/>
-          </a:prstGeom>
-        </p:spPr>
-      </p:pic>
-      <p:cxnSp>
-        <p:nvCxnSpPr>
-          <p:cNvPr id="14" name="Straight Connector 13">
-            <a:extLst>
-              <a:ext uri="{FF2B5EF4-FFF2-40B4-BE49-F238E27FC236}">
-                <a16:creationId xmlns:a16="http://schemas.microsoft.com/office/drawing/2014/main" id="{5AB158E9-1B40-4CD6-95F0-95CA11DF7B7A}"/>
-              </a:ext>
-              <a:ext uri="{C183D7F6-B498-43B3-948B-1728B52AA6E4}">
-                <adec:decorative xmlns:adec="http://schemas.microsoft.com/office/drawing/2017/decorative" val="1"/>
-              </a:ext>
-            </a:extLst>
-          </p:cNvPr>
-          <p:cNvCxnSpPr>
-            <a:cxnSpLocks noGrp="1" noRot="1" noChangeAspect="1" noMove="1" noResize="1" noEditPoints="1" noAdjustHandles="1" noChangeArrowheads="1" noChangeShapeType="1"/>
-          </p:cNvCxnSpPr>
-          <p:nvPr>
-            <p:extLst>
-              <p:ext uri="{386F3935-93C4-4BCD-93E2-E3B085C9AB24}">
-                <p16:designElem xmlns:p16="http://schemas.microsoft.com/office/powerpoint/2015/main" val="1"/>
-              </p:ext>
-            </p:extLst>
-          </p:nvPr>
-        </p:nvCxnSpPr>
-        <p:spPr>
-          <a:xfrm>
-            <a:off x="7892143" y="2085703"/>
-            <a:ext cx="3566160" cy="0"/>
-          </a:xfrm>
-          <a:prstGeom prst="line">
-            <a:avLst/>
-          </a:prstGeom>
-          <a:ln w="6350">
-            <a:solidFill>
-              <a:schemeClr val="tx1">
-                <a:lumMod val="50000"/>
-                <a:lumOff val="50000"/>
-                <a:alpha val="90000"/>
-              </a:schemeClr>
-            </a:solidFill>
-          </a:ln>
-        </p:spPr>
-        <p:style>
-          <a:lnRef idx="1">
-            <a:schemeClr val="accent1"/>
-          </a:lnRef>
-          <a:fillRef idx="0">
-            <a:schemeClr val="accent1"/>
-          </a:fillRef>
-          <a:effectRef idx="0">
-            <a:schemeClr val="accent1"/>
-          </a:effectRef>
-          <a:fontRef idx="minor">
-            <a:schemeClr val="tx1"/>
-          </a:fontRef>
-        </p:style>
-      </p:cxnSp>
-      <p:sp>
-        <p:nvSpPr>
-          <p:cNvPr id="5" name="TextBox 4">
-            <a:extLst>
-              <a:ext uri="{FF2B5EF4-FFF2-40B4-BE49-F238E27FC236}">
-                <a16:creationId xmlns:a16="http://schemas.microsoft.com/office/drawing/2014/main" id="{E22523C8-33C0-412A-88FA-BD2BAA0AC035}"/>
-              </a:ext>
-            </a:extLst>
-          </p:cNvPr>
-          <p:cNvSpPr txBox="1"/>
-          <p:nvPr/>
-        </p:nvSpPr>
-        <p:spPr>
-          <a:xfrm>
-            <a:off x="7462750" y="2467489"/>
-            <a:ext cx="3690257" cy="3755565"/>
-          </a:xfrm>
-          <a:prstGeom prst="rect">
-            <a:avLst/>
-          </a:prstGeom>
-        </p:spPr>
-        <p:txBody>
-          <a:bodyPr vert="horz" lIns="0" tIns="45720" rIns="0" bIns="45720" rtlCol="0">
-            <a:noAutofit/>
-          </a:bodyPr>
-          <a:lstStyle/>
-          <a:p>
-            <a:pPr defTabSz="914400">
-              <a:lnSpc>
-                <a:spcPct val="90000"/>
-              </a:lnSpc>
-              <a:spcAft>
-                <a:spcPts val="600"/>
-              </a:spcAft>
-              <a:buClr>
-                <a:schemeClr val="accent1"/>
-              </a:buClr>
-              <a:buFont typeface="Calibri" panose="020F0502020204030204" pitchFamily="34" charset="0"/>
-            </a:pPr>
-            <a:r>
-              <a:rPr lang="en-US" sz="2400" dirty="0">
-                <a:solidFill>
-                  <a:schemeClr val="tx1">
-                    <a:lumMod val="75000"/>
-                    <a:lumOff val="25000"/>
-                  </a:schemeClr>
-                </a:solidFill>
-                <a:latin typeface="Times New Roman" panose="02020603050405020304" pitchFamily="18" charset="0"/>
-                <a:cs typeface="Times New Roman" panose="02020603050405020304" pitchFamily="18" charset="0"/>
-              </a:rPr>
-              <a:t>Là một tiến trình hay một tập hợp các tiến trình được thiết kế ra </a:t>
-            </a:r>
-            <a:r>
-              <a:rPr lang="en-US" sz="2400" dirty="0" err="1">
-                <a:solidFill>
-                  <a:schemeClr val="tx1">
-                    <a:lumMod val="75000"/>
-                    <a:lumOff val="25000"/>
-                  </a:schemeClr>
-                </a:solidFill>
-                <a:latin typeface="Times New Roman" panose="02020603050405020304" pitchFamily="18" charset="0"/>
-                <a:cs typeface="Times New Roman" panose="02020603050405020304" pitchFamily="18" charset="0"/>
-              </a:rPr>
-              <a:t>để</a:t>
-            </a:r>
-            <a:r>
-              <a:rPr lang="en-US" sz="2400" dirty="0">
-                <a:solidFill>
-                  <a:schemeClr val="tx1">
-                    <a:lumMod val="75000"/>
-                    <a:lumOff val="25000"/>
-                  </a:schemeClr>
-                </a:solidFill>
-                <a:latin typeface="Times New Roman" panose="02020603050405020304" pitchFamily="18" charset="0"/>
-                <a:cs typeface="Times New Roman" panose="02020603050405020304" pitchFamily="18" charset="0"/>
-              </a:rPr>
-              <a:t>:</a:t>
-            </a:r>
-          </a:p>
-          <a:p>
-            <a:pPr defTabSz="914400">
-              <a:lnSpc>
-                <a:spcPct val="90000"/>
-              </a:lnSpc>
-              <a:spcAft>
-                <a:spcPts val="600"/>
-              </a:spcAft>
-              <a:buClr>
-                <a:schemeClr val="accent1"/>
-              </a:buClr>
-              <a:buFont typeface="Calibri" panose="020F0502020204030204" pitchFamily="34" charset="0"/>
-            </a:pPr>
-            <a:r>
-              <a:rPr lang="en-US" sz="2400" dirty="0">
-                <a:solidFill>
-                  <a:schemeClr val="tx1">
-                    <a:lumMod val="75000"/>
-                    <a:lumOff val="25000"/>
-                  </a:schemeClr>
-                </a:solidFill>
-                <a:latin typeface="Times New Roman" panose="02020603050405020304" pitchFamily="18" charset="0"/>
-                <a:cs typeface="Times New Roman" panose="02020603050405020304" pitchFamily="18" charset="0"/>
-              </a:rPr>
-              <a:t>- Đảm bảo phần mềm thực hiện đúng theo những thứ mà chúng đã được thiết kế.</a:t>
-            </a:r>
-          </a:p>
-          <a:p>
-            <a:pPr defTabSz="914400">
-              <a:lnSpc>
-                <a:spcPct val="90000"/>
-              </a:lnSpc>
-              <a:spcAft>
-                <a:spcPts val="600"/>
-              </a:spcAft>
-              <a:buClr>
-                <a:schemeClr val="accent1"/>
-              </a:buClr>
-              <a:buFont typeface="Calibri" panose="020F0502020204030204" pitchFamily="34" charset="0"/>
-            </a:pPr>
-            <a:r>
-              <a:rPr lang="en-US" sz="2400" dirty="0">
-                <a:solidFill>
-                  <a:schemeClr val="tx1">
-                    <a:lumMod val="75000"/>
-                    <a:lumOff val="25000"/>
-                  </a:schemeClr>
-                </a:solidFill>
-                <a:latin typeface="Times New Roman" panose="02020603050405020304" pitchFamily="18" charset="0"/>
-                <a:cs typeface="Times New Roman" panose="02020603050405020304" pitchFamily="18" charset="0"/>
-              </a:rPr>
-              <a:t>-Trong quá trình sử dụng phần mềm không phát sinh bất cứ thứ gì không mong muốn.</a:t>
-            </a:r>
-          </a:p>
-        </p:txBody>
-      </p:sp>
-      <p:sp>
-        <p:nvSpPr>
-          <p:cNvPr id="16" name="Rectangle 15">
-            <a:extLst>
-              <a:ext uri="{FF2B5EF4-FFF2-40B4-BE49-F238E27FC236}">
-                <a16:creationId xmlns:a16="http://schemas.microsoft.com/office/drawing/2014/main" id="{6329CBCE-21AE-419D-AC1F-8ACF510A6670}"/>
-              </a:ext>
-              <a:ext uri="{C183D7F6-B498-43B3-948B-1728B52AA6E4}">
-                <adec:decorative xmlns:adec="http://schemas.microsoft.com/office/drawing/2017/decorative" val="1"/>
-              </a:ext>
-            </a:extLst>
-          </p:cNvPr>
-          <p:cNvSpPr>
-            <a:spLocks noGrp="1" noRot="1" noChangeAspect="1" noMove="1" noResize="1" noEditPoints="1" noAdjustHandles="1" noChangeArrowheads="1" noChangeShapeType="1" noTextEdit="1"/>
-          </p:cNvSpPr>
-          <p:nvPr>
-            <p:extLst>
-              <p:ext uri="{386F3935-93C4-4BCD-93E2-E3B085C9AB24}">
-                <p16:designElem xmlns:p16="http://schemas.microsoft.com/office/powerpoint/2015/main" val="1"/>
-              </p:ext>
-            </p:extLst>
-          </p:nvPr>
-        </p:nvSpPr>
-        <p:spPr>
-          <a:xfrm>
-            <a:off x="15" y="6334316"/>
-            <a:ext cx="12191985" cy="66484"/>
-          </a:xfrm>
-          <a:prstGeom prst="rect">
-            <a:avLst/>
-          </a:prstGeom>
-          <a:solidFill>
-            <a:schemeClr val="accent1"/>
-          </a:solidFill>
-          <a:ln>
-            <a:noFill/>
-          </a:ln>
-        </p:spPr>
-        <p:style>
-          <a:lnRef idx="2">
-            <a:schemeClr val="accent1">
-              <a:shade val="50000"/>
-            </a:schemeClr>
-          </a:lnRef>
-          <a:fillRef idx="1">
-            <a:schemeClr val="accent1"/>
-          </a:fillRef>
-          <a:effectRef idx="0">
-            <a:schemeClr val="accent1"/>
-          </a:effectRef>
-          <a:fontRef idx="minor">
-            <a:schemeClr val="lt1"/>
-          </a:fontRef>
-        </p:style>
-      </p:sp>
-      <p:sp>
-        <p:nvSpPr>
-          <p:cNvPr id="18" name="Rectangle 17">
-            <a:extLst>
-              <a:ext uri="{FF2B5EF4-FFF2-40B4-BE49-F238E27FC236}">
-                <a16:creationId xmlns:a16="http://schemas.microsoft.com/office/drawing/2014/main" id="{FF2DA012-1414-493D-888F-5D99D0BDA322}"/>
-              </a:ext>
-              <a:ext uri="{C183D7F6-B498-43B3-948B-1728B52AA6E4}">
-                <adec:decorative xmlns:adec="http://schemas.microsoft.com/office/drawing/2017/decorative" val="1"/>
-              </a:ext>
-            </a:extLst>
-          </p:cNvPr>
-          <p:cNvSpPr>
-            <a:spLocks noGrp="1" noRot="1" noChangeAspect="1" noMove="1" noResize="1" noEditPoints="1" noAdjustHandles="1" noChangeArrowheads="1" noChangeShapeType="1" noTextEdit="1"/>
-          </p:cNvSpPr>
-          <p:nvPr>
-            <p:extLst>
-              <p:ext uri="{386F3935-93C4-4BCD-93E2-E3B085C9AB24}">
-                <p16:designElem xmlns:p16="http://schemas.microsoft.com/office/powerpoint/2015/main" val="1"/>
-              </p:ext>
-            </p:extLst>
-          </p:nvPr>
-        </p:nvSpPr>
-        <p:spPr>
-          <a:xfrm>
-            <a:off x="1" y="6400800"/>
-            <a:ext cx="12192000" cy="457200"/>
-          </a:xfrm>
-          <a:prstGeom prst="rect">
-            <a:avLst/>
-          </a:prstGeom>
-          <a:solidFill>
-            <a:schemeClr val="accent2"/>
-          </a:solidFill>
-          <a:ln>
-            <a:noFill/>
-          </a:ln>
-        </p:spPr>
-        <p:style>
-          <a:lnRef idx="2">
-            <a:schemeClr val="accent1">
-              <a:shade val="50000"/>
-            </a:schemeClr>
-          </a:lnRef>
-          <a:fillRef idx="1">
-            <a:schemeClr val="accent1"/>
-          </a:fillRef>
-          <a:effectRef idx="0">
-            <a:schemeClr val="accent1"/>
-          </a:effectRef>
-          <a:fontRef idx="minor">
-            <a:schemeClr val="lt1"/>
-          </a:fontRef>
-        </p:style>
-      </p:sp>
-    </p:spTree>
-    <p:extLst>
-      <p:ext uri="{BB962C8B-B14F-4D97-AF65-F5344CB8AC3E}">
-        <p14:creationId xmlns:p14="http://schemas.microsoft.com/office/powerpoint/2010/main" val="471678108"/>
-      </p:ext>
-    </p:extLst>
-  </p:cSld>
-  <p:clrMapOvr>
-    <a:masterClrMapping/>
-  </p:clrMapOvr>
-</p:sld>
-</file>
-
-<file path=ppt/slides/slide30.xml><?xml version="1.0" encoding="utf-8"?>
+<file path=ppt/slides/slide26.xml><?xml version="1.0" encoding="utf-8"?>
 <p:sld xmlns:a="http://schemas.openxmlformats.org/drawingml/2006/main" xmlns:r="http://schemas.openxmlformats.org/officeDocument/2006/relationships" xmlns:p="http://schemas.openxmlformats.org/presentationml/2006/main">
   <p:cSld>
     <p:bg>
@@ -35012,7 +34364,7 @@
 </p:sld>
 </file>
 
-<file path=ppt/slides/slide31.xml><?xml version="1.0" encoding="utf-8"?>
+<file path=ppt/slides/slide27.xml><?xml version="1.0" encoding="utf-8"?>
 <p:sld xmlns:a="http://schemas.openxmlformats.org/drawingml/2006/main" xmlns:r="http://schemas.openxmlformats.org/officeDocument/2006/relationships" xmlns:p="http://schemas.openxmlformats.org/presentationml/2006/main">
   <p:cSld>
     <p:spTree>
@@ -35098,6 +34450,495 @@
     <p:extLst>
       <p:ext uri="{BB962C8B-B14F-4D97-AF65-F5344CB8AC3E}">
         <p14:creationId xmlns:p14="http://schemas.microsoft.com/office/powerpoint/2010/main" val="3680423056"/>
+      </p:ext>
+    </p:extLst>
+  </p:cSld>
+  <p:clrMapOvr>
+    <a:masterClrMapping/>
+  </p:clrMapOvr>
+</p:sld>
+</file>
+
+<file path=ppt/slides/slide3.xml><?xml version="1.0" encoding="utf-8"?>
+<p:sld xmlns:a="http://schemas.openxmlformats.org/drawingml/2006/main" xmlns:r="http://schemas.openxmlformats.org/officeDocument/2006/relationships" xmlns:p="http://schemas.openxmlformats.org/presentationml/2006/main">
+  <p:cSld>
+    <p:bg>
+      <p:bgPr>
+        <a:solidFill>
+          <a:schemeClr val="bg1"/>
+        </a:solidFill>
+        <a:effectLst/>
+      </p:bgPr>
+    </p:bg>
+    <p:spTree>
+      <p:nvGrpSpPr>
+        <p:cNvPr id="1" name=""/>
+        <p:cNvGrpSpPr/>
+        <p:nvPr/>
+      </p:nvGrpSpPr>
+      <p:grpSpPr>
+        <a:xfrm>
+          <a:off x="0" y="0"/>
+          <a:ext cx="0" cy="0"/>
+          <a:chOff x="0" y="0"/>
+          <a:chExt cx="0" cy="0"/>
+        </a:xfrm>
+      </p:grpSpPr>
+      <p:sp useBgFill="1">
+        <p:nvSpPr>
+          <p:cNvPr id="12" name="Rectangle 11">
+            <a:extLst>
+              <a:ext uri="{FF2B5EF4-FFF2-40B4-BE49-F238E27FC236}">
+                <a16:creationId xmlns:a16="http://schemas.microsoft.com/office/drawing/2014/main" id="{10162E77-11AD-44A7-84EC-40C59EEFBD2E}"/>
+              </a:ext>
+              <a:ext uri="{C183D7F6-B498-43B3-948B-1728B52AA6E4}">
+                <adec:decorative xmlns:adec="http://schemas.microsoft.com/office/drawing/2017/decorative" val="1"/>
+              </a:ext>
+            </a:extLst>
+          </p:cNvPr>
+          <p:cNvSpPr>
+            <a:spLocks noGrp="1" noRot="1" noChangeAspect="1" noMove="1" noResize="1" noEditPoints="1" noAdjustHandles="1" noChangeArrowheads="1" noChangeShapeType="1" noTextEdit="1"/>
+          </p:cNvSpPr>
+          <p:nvPr>
+            <p:extLst>
+              <p:ext uri="{386F3935-93C4-4BCD-93E2-E3B085C9AB24}">
+                <p16:designElem xmlns:p16="http://schemas.microsoft.com/office/powerpoint/2015/main" val="1"/>
+              </p:ext>
+            </p:extLst>
+          </p:nvPr>
+        </p:nvSpPr>
+        <p:spPr>
+          <a:xfrm>
+            <a:off x="0" y="0"/>
+            <a:ext cx="12192001" cy="6334316"/>
+          </a:xfrm>
+          <a:prstGeom prst="rect">
+            <a:avLst/>
+          </a:prstGeom>
+          <a:ln>
+            <a:noFill/>
+          </a:ln>
+        </p:spPr>
+        <p:style>
+          <a:lnRef idx="2">
+            <a:schemeClr val="accent1">
+              <a:shade val="50000"/>
+            </a:schemeClr>
+          </a:lnRef>
+          <a:fillRef idx="1">
+            <a:schemeClr val="accent1"/>
+          </a:fillRef>
+          <a:effectRef idx="0">
+            <a:schemeClr val="accent1"/>
+          </a:effectRef>
+          <a:fontRef idx="minor">
+            <a:schemeClr val="lt1"/>
+          </a:fontRef>
+        </p:style>
+        <p:txBody>
+          <a:bodyPr rtlCol="0" anchor="ctr"/>
+          <a:lstStyle/>
+          <a:p>
+            <a:pPr algn="ctr"/>
+            <a:endParaRPr lang="en-US"/>
+          </a:p>
+        </p:txBody>
+      </p:sp>
+      <p:sp>
+        <p:nvSpPr>
+          <p:cNvPr id="4" name="TextBox 3">
+            <a:extLst>
+              <a:ext uri="{FF2B5EF4-FFF2-40B4-BE49-F238E27FC236}">
+                <a16:creationId xmlns:a16="http://schemas.microsoft.com/office/drawing/2014/main" id="{2D7B97AB-D04D-40C3-890C-6A07C54323D8}"/>
+              </a:ext>
+            </a:extLst>
+          </p:cNvPr>
+          <p:cNvSpPr txBox="1"/>
+          <p:nvPr/>
+        </p:nvSpPr>
+        <p:spPr>
+          <a:xfrm>
+            <a:off x="7859485" y="634946"/>
+            <a:ext cx="3690257" cy="1450757"/>
+          </a:xfrm>
+          <a:prstGeom prst="rect">
+            <a:avLst/>
+          </a:prstGeom>
+        </p:spPr>
+        <p:txBody>
+          <a:bodyPr vert="horz" lIns="91440" tIns="45720" rIns="91440" bIns="45720" rtlCol="0" anchor="b">
+            <a:normAutofit/>
+          </a:bodyPr>
+          <a:lstStyle/>
+          <a:p>
+            <a:pPr defTabSz="914400">
+              <a:lnSpc>
+                <a:spcPct val="85000"/>
+              </a:lnSpc>
+              <a:spcBef>
+                <a:spcPct val="0"/>
+              </a:spcBef>
+              <a:spcAft>
+                <a:spcPts val="600"/>
+              </a:spcAft>
+            </a:pPr>
+            <a:r>
+              <a:rPr lang="en-US" sz="4400" kern="1200" spc="-50" baseline="0" dirty="0">
+                <a:solidFill>
+                  <a:schemeClr val="tx1">
+                    <a:lumMod val="75000"/>
+                    <a:lumOff val="25000"/>
+                  </a:schemeClr>
+                </a:solidFill>
+                <a:latin typeface="+mj-lt"/>
+                <a:ea typeface="+mj-ea"/>
+                <a:cs typeface="+mj-cs"/>
+              </a:rPr>
+              <a:t>Kiểm thử phần mền là gì?</a:t>
+            </a:r>
+          </a:p>
+        </p:txBody>
+      </p:sp>
+      <p:pic>
+        <p:nvPicPr>
+          <p:cNvPr id="7" name="Picture 6" descr="Graphical user interface, diagram&#10;&#10;Description automatically generated">
+            <a:extLst>
+              <a:ext uri="{FF2B5EF4-FFF2-40B4-BE49-F238E27FC236}">
+                <a16:creationId xmlns:a16="http://schemas.microsoft.com/office/drawing/2014/main" id="{522EC7EE-0536-4F2D-BEDD-C1D4B7ECF1B9}"/>
+              </a:ext>
+            </a:extLst>
+          </p:cNvPr>
+          <p:cNvPicPr>
+            <a:picLocks noChangeAspect="1"/>
+          </p:cNvPicPr>
+          <p:nvPr/>
+        </p:nvPicPr>
+        <p:blipFill rotWithShape="1">
+          <a:blip r:embed="rId2">
+            <a:extLst>
+              <a:ext uri="{28A0092B-C50C-407E-A947-70E740481C1C}">
+                <a14:useLocalDpi xmlns:a14="http://schemas.microsoft.com/office/drawing/2010/main" val="0"/>
+              </a:ext>
+            </a:extLst>
+          </a:blip>
+          <a:srcRect l="13025" r="14162" b="-1"/>
+          <a:stretch/>
+        </p:blipFill>
+        <p:spPr>
+          <a:xfrm>
+            <a:off x="733698" y="1171577"/>
+            <a:ext cx="5007680" cy="3567478"/>
+          </a:xfrm>
+          <a:prstGeom prst="rect">
+            <a:avLst/>
+          </a:prstGeom>
+        </p:spPr>
+      </p:pic>
+      <p:cxnSp>
+        <p:nvCxnSpPr>
+          <p:cNvPr id="14" name="Straight Connector 13">
+            <a:extLst>
+              <a:ext uri="{FF2B5EF4-FFF2-40B4-BE49-F238E27FC236}">
+                <a16:creationId xmlns:a16="http://schemas.microsoft.com/office/drawing/2014/main" id="{5AB158E9-1B40-4CD6-95F0-95CA11DF7B7A}"/>
+              </a:ext>
+              <a:ext uri="{C183D7F6-B498-43B3-948B-1728B52AA6E4}">
+                <adec:decorative xmlns:adec="http://schemas.microsoft.com/office/drawing/2017/decorative" val="1"/>
+              </a:ext>
+            </a:extLst>
+          </p:cNvPr>
+          <p:cNvCxnSpPr>
+            <a:cxnSpLocks noGrp="1" noRot="1" noChangeAspect="1" noMove="1" noResize="1" noEditPoints="1" noAdjustHandles="1" noChangeArrowheads="1" noChangeShapeType="1"/>
+          </p:cNvCxnSpPr>
+          <p:nvPr>
+            <p:extLst>
+              <p:ext uri="{386F3935-93C4-4BCD-93E2-E3B085C9AB24}">
+                <p16:designElem xmlns:p16="http://schemas.microsoft.com/office/powerpoint/2015/main" val="1"/>
+              </p:ext>
+            </p:extLst>
+          </p:nvPr>
+        </p:nvCxnSpPr>
+        <p:spPr>
+          <a:xfrm>
+            <a:off x="7892143" y="2085703"/>
+            <a:ext cx="3566160" cy="0"/>
+          </a:xfrm>
+          <a:prstGeom prst="line">
+            <a:avLst/>
+          </a:prstGeom>
+          <a:ln w="6350">
+            <a:solidFill>
+              <a:schemeClr val="tx1">
+                <a:lumMod val="50000"/>
+                <a:lumOff val="50000"/>
+                <a:alpha val="90000"/>
+              </a:schemeClr>
+            </a:solidFill>
+          </a:ln>
+        </p:spPr>
+        <p:style>
+          <a:lnRef idx="1">
+            <a:schemeClr val="accent1"/>
+          </a:lnRef>
+          <a:fillRef idx="0">
+            <a:schemeClr val="accent1"/>
+          </a:fillRef>
+          <a:effectRef idx="0">
+            <a:schemeClr val="accent1"/>
+          </a:effectRef>
+          <a:fontRef idx="minor">
+            <a:schemeClr val="tx1"/>
+          </a:fontRef>
+        </p:style>
+      </p:cxnSp>
+      <p:sp>
+        <p:nvSpPr>
+          <p:cNvPr id="5" name="TextBox 4">
+            <a:extLst>
+              <a:ext uri="{FF2B5EF4-FFF2-40B4-BE49-F238E27FC236}">
+                <a16:creationId xmlns:a16="http://schemas.microsoft.com/office/drawing/2014/main" id="{E22523C8-33C0-412A-88FA-BD2BAA0AC035}"/>
+              </a:ext>
+            </a:extLst>
+          </p:cNvPr>
+          <p:cNvSpPr txBox="1"/>
+          <p:nvPr/>
+        </p:nvSpPr>
+        <p:spPr>
+          <a:xfrm>
+            <a:off x="7462750" y="2467489"/>
+            <a:ext cx="3690257" cy="3755565"/>
+          </a:xfrm>
+          <a:prstGeom prst="rect">
+            <a:avLst/>
+          </a:prstGeom>
+        </p:spPr>
+        <p:txBody>
+          <a:bodyPr vert="horz" lIns="0" tIns="45720" rIns="0" bIns="45720" rtlCol="0">
+            <a:noAutofit/>
+          </a:bodyPr>
+          <a:lstStyle/>
+          <a:p>
+            <a:pPr defTabSz="914400">
+              <a:lnSpc>
+                <a:spcPct val="90000"/>
+              </a:lnSpc>
+              <a:spcAft>
+                <a:spcPts val="600"/>
+              </a:spcAft>
+              <a:buClr>
+                <a:schemeClr val="accent1"/>
+              </a:buClr>
+              <a:buFont typeface="Calibri" panose="020F0502020204030204" pitchFamily="34" charset="0"/>
+            </a:pPr>
+            <a:r>
+              <a:rPr lang="en-US" sz="2400" dirty="0">
+                <a:solidFill>
+                  <a:schemeClr val="tx1">
+                    <a:lumMod val="75000"/>
+                    <a:lumOff val="25000"/>
+                  </a:schemeClr>
+                </a:solidFill>
+                <a:latin typeface="Times New Roman" panose="02020603050405020304" pitchFamily="18" charset="0"/>
+                <a:cs typeface="Times New Roman" panose="02020603050405020304" pitchFamily="18" charset="0"/>
+              </a:rPr>
+              <a:t>Là một tiến trình hay một tập hợp các tiến trình được thiết kế ra </a:t>
+            </a:r>
+            <a:r>
+              <a:rPr lang="en-US" sz="2400" dirty="0" err="1">
+                <a:solidFill>
+                  <a:schemeClr val="tx1">
+                    <a:lumMod val="75000"/>
+                    <a:lumOff val="25000"/>
+                  </a:schemeClr>
+                </a:solidFill>
+                <a:latin typeface="Times New Roman" panose="02020603050405020304" pitchFamily="18" charset="0"/>
+                <a:cs typeface="Times New Roman" panose="02020603050405020304" pitchFamily="18" charset="0"/>
+              </a:rPr>
+              <a:t>để</a:t>
+            </a:r>
+            <a:r>
+              <a:rPr lang="en-US" sz="2400" dirty="0">
+                <a:solidFill>
+                  <a:schemeClr val="tx1">
+                    <a:lumMod val="75000"/>
+                    <a:lumOff val="25000"/>
+                  </a:schemeClr>
+                </a:solidFill>
+                <a:latin typeface="Times New Roman" panose="02020603050405020304" pitchFamily="18" charset="0"/>
+                <a:cs typeface="Times New Roman" panose="02020603050405020304" pitchFamily="18" charset="0"/>
+              </a:rPr>
+              <a:t>:</a:t>
+            </a:r>
+          </a:p>
+          <a:p>
+            <a:pPr defTabSz="914400">
+              <a:lnSpc>
+                <a:spcPct val="90000"/>
+              </a:lnSpc>
+              <a:spcAft>
+                <a:spcPts val="600"/>
+              </a:spcAft>
+              <a:buClr>
+                <a:schemeClr val="accent1"/>
+              </a:buClr>
+              <a:buFont typeface="Calibri" panose="020F0502020204030204" pitchFamily="34" charset="0"/>
+            </a:pPr>
+            <a:r>
+              <a:rPr lang="en-US" sz="2400" dirty="0">
+                <a:solidFill>
+                  <a:schemeClr val="tx1">
+                    <a:lumMod val="75000"/>
+                    <a:lumOff val="25000"/>
+                  </a:schemeClr>
+                </a:solidFill>
+                <a:latin typeface="Times New Roman" panose="02020603050405020304" pitchFamily="18" charset="0"/>
+                <a:cs typeface="Times New Roman" panose="02020603050405020304" pitchFamily="18" charset="0"/>
+              </a:rPr>
+              <a:t>- Đảm bảo phần mềm thực hiện đúng theo những thứ mà chúng đã được thiết kế.</a:t>
+            </a:r>
+          </a:p>
+          <a:p>
+            <a:pPr defTabSz="914400">
+              <a:lnSpc>
+                <a:spcPct val="90000"/>
+              </a:lnSpc>
+              <a:spcAft>
+                <a:spcPts val="600"/>
+              </a:spcAft>
+              <a:buClr>
+                <a:schemeClr val="accent1"/>
+              </a:buClr>
+              <a:buFont typeface="Calibri" panose="020F0502020204030204" pitchFamily="34" charset="0"/>
+            </a:pPr>
+            <a:r>
+              <a:rPr lang="en-US" sz="2400" dirty="0">
+                <a:solidFill>
+                  <a:schemeClr val="tx1">
+                    <a:lumMod val="75000"/>
+                    <a:lumOff val="25000"/>
+                  </a:schemeClr>
+                </a:solidFill>
+                <a:latin typeface="Times New Roman" panose="02020603050405020304" pitchFamily="18" charset="0"/>
+                <a:cs typeface="Times New Roman" panose="02020603050405020304" pitchFamily="18" charset="0"/>
+              </a:rPr>
+              <a:t>-Trong quá trình sử dụng phần mềm không phát sinh bất cứ thứ gì không mong muốn.</a:t>
+            </a:r>
+          </a:p>
+        </p:txBody>
+      </p:sp>
+      <p:sp>
+        <p:nvSpPr>
+          <p:cNvPr id="16" name="Rectangle 15">
+            <a:extLst>
+              <a:ext uri="{FF2B5EF4-FFF2-40B4-BE49-F238E27FC236}">
+                <a16:creationId xmlns:a16="http://schemas.microsoft.com/office/drawing/2014/main" id="{6329CBCE-21AE-419D-AC1F-8ACF510A6670}"/>
+              </a:ext>
+              <a:ext uri="{C183D7F6-B498-43B3-948B-1728B52AA6E4}">
+                <adec:decorative xmlns:adec="http://schemas.microsoft.com/office/drawing/2017/decorative" val="1"/>
+              </a:ext>
+            </a:extLst>
+          </p:cNvPr>
+          <p:cNvSpPr>
+            <a:spLocks noGrp="1" noRot="1" noChangeAspect="1" noMove="1" noResize="1" noEditPoints="1" noAdjustHandles="1" noChangeArrowheads="1" noChangeShapeType="1" noTextEdit="1"/>
+          </p:cNvSpPr>
+          <p:nvPr>
+            <p:extLst>
+              <p:ext uri="{386F3935-93C4-4BCD-93E2-E3B085C9AB24}">
+                <p16:designElem xmlns:p16="http://schemas.microsoft.com/office/powerpoint/2015/main" val="1"/>
+              </p:ext>
+            </p:extLst>
+          </p:nvPr>
+        </p:nvSpPr>
+        <p:spPr>
+          <a:xfrm>
+            <a:off x="15" y="6334316"/>
+            <a:ext cx="12191985" cy="66484"/>
+          </a:xfrm>
+          <a:prstGeom prst="rect">
+            <a:avLst/>
+          </a:prstGeom>
+          <a:solidFill>
+            <a:schemeClr val="accent1"/>
+          </a:solidFill>
+          <a:ln>
+            <a:noFill/>
+          </a:ln>
+        </p:spPr>
+        <p:style>
+          <a:lnRef idx="2">
+            <a:schemeClr val="accent1">
+              <a:shade val="50000"/>
+            </a:schemeClr>
+          </a:lnRef>
+          <a:fillRef idx="1">
+            <a:schemeClr val="accent1"/>
+          </a:fillRef>
+          <a:effectRef idx="0">
+            <a:schemeClr val="accent1"/>
+          </a:effectRef>
+          <a:fontRef idx="minor">
+            <a:schemeClr val="lt1"/>
+          </a:fontRef>
+        </p:style>
+      </p:sp>
+      <p:sp>
+        <p:nvSpPr>
+          <p:cNvPr id="18" name="Rectangle 17">
+            <a:extLst>
+              <a:ext uri="{FF2B5EF4-FFF2-40B4-BE49-F238E27FC236}">
+                <a16:creationId xmlns:a16="http://schemas.microsoft.com/office/drawing/2014/main" id="{FF2DA012-1414-493D-888F-5D99D0BDA322}"/>
+              </a:ext>
+              <a:ext uri="{C183D7F6-B498-43B3-948B-1728B52AA6E4}">
+                <adec:decorative xmlns:adec="http://schemas.microsoft.com/office/drawing/2017/decorative" val="1"/>
+              </a:ext>
+            </a:extLst>
+          </p:cNvPr>
+          <p:cNvSpPr>
+            <a:spLocks noGrp="1" noRot="1" noChangeAspect="1" noMove="1" noResize="1" noEditPoints="1" noAdjustHandles="1" noChangeArrowheads="1" noChangeShapeType="1" noTextEdit="1"/>
+          </p:cNvSpPr>
+          <p:nvPr>
+            <p:extLst>
+              <p:ext uri="{386F3935-93C4-4BCD-93E2-E3B085C9AB24}">
+                <p16:designElem xmlns:p16="http://schemas.microsoft.com/office/powerpoint/2015/main" val="1"/>
+              </p:ext>
+            </p:extLst>
+          </p:nvPr>
+        </p:nvSpPr>
+        <p:spPr>
+          <a:xfrm>
+            <a:off x="1" y="6400800"/>
+            <a:ext cx="12192000" cy="457200"/>
+          </a:xfrm>
+          <a:prstGeom prst="rect">
+            <a:avLst/>
+          </a:prstGeom>
+          <a:solidFill>
+            <a:schemeClr val="accent2"/>
+          </a:solidFill>
+          <a:ln>
+            <a:noFill/>
+          </a:ln>
+        </p:spPr>
+        <p:style>
+          <a:lnRef idx="2">
+            <a:schemeClr val="accent1">
+              <a:shade val="50000"/>
+            </a:schemeClr>
+          </a:lnRef>
+          <a:fillRef idx="1">
+            <a:schemeClr val="accent1"/>
+          </a:fillRef>
+          <a:effectRef idx="0">
+            <a:schemeClr val="accent1"/>
+          </a:effectRef>
+          <a:fontRef idx="minor">
+            <a:schemeClr val="lt1"/>
+          </a:fontRef>
+        </p:style>
+      </p:sp>
+    </p:spTree>
+    <p:extLst>
+      <p:ext uri="{BB962C8B-B14F-4D97-AF65-F5344CB8AC3E}">
+        <p14:creationId xmlns:p14="http://schemas.microsoft.com/office/powerpoint/2010/main" val="471678108"/>
       </p:ext>
     </p:extLst>
   </p:cSld>
@@ -35986,496 +35827,6 @@
 <file path=ppt/slides/slide7.xml><?xml version="1.0" encoding="utf-8"?>
 <p:sld xmlns:a="http://schemas.openxmlformats.org/drawingml/2006/main" xmlns:r="http://schemas.openxmlformats.org/officeDocument/2006/relationships" xmlns:p="http://schemas.openxmlformats.org/presentationml/2006/main">
   <p:cSld>
-    <p:bg>
-      <p:bgPr>
-        <a:solidFill>
-          <a:schemeClr val="bg1"/>
-        </a:solidFill>
-        <a:effectLst/>
-      </p:bgPr>
-    </p:bg>
-    <p:spTree>
-      <p:nvGrpSpPr>
-        <p:cNvPr id="1" name=""/>
-        <p:cNvGrpSpPr/>
-        <p:nvPr/>
-      </p:nvGrpSpPr>
-      <p:grpSpPr>
-        <a:xfrm>
-          <a:off x="0" y="0"/>
-          <a:ext cx="0" cy="0"/>
-          <a:chOff x="0" y="0"/>
-          <a:chExt cx="0" cy="0"/>
-        </a:xfrm>
-      </p:grpSpPr>
-      <p:sp useBgFill="1">
-        <p:nvSpPr>
-          <p:cNvPr id="10" name="Rectangle 9">
-            <a:extLst>
-              <a:ext uri="{FF2B5EF4-FFF2-40B4-BE49-F238E27FC236}">
-                <a16:creationId xmlns:a16="http://schemas.microsoft.com/office/drawing/2014/main" id="{284B70D5-875B-433D-BDBD-1522A85D6C1D}"/>
-              </a:ext>
-              <a:ext uri="{C183D7F6-B498-43B3-948B-1728B52AA6E4}">
-                <adec:decorative xmlns:adec="http://schemas.microsoft.com/office/drawing/2017/decorative" val="1"/>
-              </a:ext>
-            </a:extLst>
-          </p:cNvPr>
-          <p:cNvSpPr>
-            <a:spLocks noGrp="1" noRot="1" noChangeAspect="1" noMove="1" noResize="1" noEditPoints="1" noAdjustHandles="1" noChangeArrowheads="1" noChangeShapeType="1" noTextEdit="1"/>
-          </p:cNvSpPr>
-          <p:nvPr>
-            <p:extLst>
-              <p:ext uri="{386F3935-93C4-4BCD-93E2-E3B085C9AB24}">
-                <p16:designElem xmlns:p16="http://schemas.microsoft.com/office/powerpoint/2015/main" val="1"/>
-              </p:ext>
-            </p:extLst>
-          </p:nvPr>
-        </p:nvSpPr>
-        <p:spPr>
-          <a:xfrm>
-            <a:off x="0" y="0"/>
-            <a:ext cx="12192001" cy="6334316"/>
-          </a:xfrm>
-          <a:prstGeom prst="rect">
-            <a:avLst/>
-          </a:prstGeom>
-          <a:ln>
-            <a:noFill/>
-          </a:ln>
-        </p:spPr>
-        <p:style>
-          <a:lnRef idx="2">
-            <a:schemeClr val="accent1">
-              <a:shade val="50000"/>
-            </a:schemeClr>
-          </a:lnRef>
-          <a:fillRef idx="1">
-            <a:schemeClr val="accent1"/>
-          </a:fillRef>
-          <a:effectRef idx="0">
-            <a:schemeClr val="accent1"/>
-          </a:effectRef>
-          <a:fontRef idx="minor">
-            <a:schemeClr val="lt1"/>
-          </a:fontRef>
-        </p:style>
-        <p:txBody>
-          <a:bodyPr rtlCol="0" anchor="ctr"/>
-          <a:lstStyle/>
-          <a:p>
-            <a:pPr algn="ctr"/>
-            <a:endParaRPr lang="en-US"/>
-          </a:p>
-        </p:txBody>
-      </p:sp>
-      <p:sp>
-        <p:nvSpPr>
-          <p:cNvPr id="2" name="Title 1">
-            <a:extLst>
-              <a:ext uri="{FF2B5EF4-FFF2-40B4-BE49-F238E27FC236}">
-                <a16:creationId xmlns:a16="http://schemas.microsoft.com/office/drawing/2014/main" id="{5FEDFC24-22AA-46BD-A217-2022A95182C0}"/>
-              </a:ext>
-            </a:extLst>
-          </p:cNvPr>
-          <p:cNvSpPr>
-            <a:spLocks noGrp="1"/>
-          </p:cNvSpPr>
-          <p:nvPr>
-            <p:ph type="title"/>
-          </p:nvPr>
-        </p:nvSpPr>
-        <p:spPr>
-          <a:xfrm>
-            <a:off x="7859485" y="634946"/>
-            <a:ext cx="3690257" cy="1450757"/>
-          </a:xfrm>
-        </p:spPr>
-        <p:txBody>
-          <a:bodyPr>
-            <a:normAutofit/>
-          </a:bodyPr>
-          <a:lstStyle/>
-          <a:p>
-            <a:r>
-              <a:rPr lang="en-US" dirty="0" err="1"/>
-              <a:t>Kiểm</a:t>
-            </a:r>
-            <a:r>
-              <a:rPr lang="en-US" dirty="0"/>
-              <a:t> </a:t>
-            </a:r>
-            <a:r>
-              <a:rPr lang="en-US" dirty="0" err="1"/>
-              <a:t>thử</a:t>
-            </a:r>
-            <a:r>
-              <a:rPr lang="en-US" dirty="0"/>
-              <a:t> </a:t>
-            </a:r>
-            <a:r>
-              <a:rPr lang="en-US" dirty="0" err="1"/>
-              <a:t>tĩnh</a:t>
-            </a:r>
-            <a:endParaRPr lang="en-US" dirty="0"/>
-          </a:p>
-        </p:txBody>
-      </p:sp>
-      <p:pic>
-        <p:nvPicPr>
-          <p:cNvPr id="5" name="Picture 4" descr="A picture containing vegetable&#10;&#10;Description automatically generated">
-            <a:extLst>
-              <a:ext uri="{FF2B5EF4-FFF2-40B4-BE49-F238E27FC236}">
-                <a16:creationId xmlns:a16="http://schemas.microsoft.com/office/drawing/2014/main" id="{EBA5B7BC-3577-4DCE-8515-C2BA7E65A230}"/>
-              </a:ext>
-            </a:extLst>
-          </p:cNvPr>
-          <p:cNvPicPr>
-            <a:picLocks noChangeAspect="1"/>
-          </p:cNvPicPr>
-          <p:nvPr/>
-        </p:nvPicPr>
-        <p:blipFill>
-          <a:blip r:embed="rId2">
-            <a:extLst>
-              <a:ext uri="{28A0092B-C50C-407E-A947-70E740481C1C}">
-                <a14:useLocalDpi xmlns:a14="http://schemas.microsoft.com/office/drawing/2010/main" val="0"/>
-              </a:ext>
-            </a:extLst>
-          </a:blip>
-          <a:stretch>
-            <a:fillRect/>
-          </a:stretch>
-        </p:blipFill>
-        <p:spPr>
-          <a:xfrm>
-            <a:off x="633999" y="977205"/>
-            <a:ext cx="6909801" cy="4640158"/>
-          </a:xfrm>
-          <a:prstGeom prst="rect">
-            <a:avLst/>
-          </a:prstGeom>
-        </p:spPr>
-      </p:pic>
-      <p:cxnSp>
-        <p:nvCxnSpPr>
-          <p:cNvPr id="12" name="Straight Connector 11">
-            <a:extLst>
-              <a:ext uri="{FF2B5EF4-FFF2-40B4-BE49-F238E27FC236}">
-                <a16:creationId xmlns:a16="http://schemas.microsoft.com/office/drawing/2014/main" id="{C947DF4A-614C-4B4C-8B80-E5B9D8E8CFED}"/>
-              </a:ext>
-              <a:ext uri="{C183D7F6-B498-43B3-948B-1728B52AA6E4}">
-                <adec:decorative xmlns:adec="http://schemas.microsoft.com/office/drawing/2017/decorative" val="1"/>
-              </a:ext>
-            </a:extLst>
-          </p:cNvPr>
-          <p:cNvCxnSpPr>
-            <a:cxnSpLocks noGrp="1" noRot="1" noChangeAspect="1" noMove="1" noResize="1" noEditPoints="1" noAdjustHandles="1" noChangeArrowheads="1" noChangeShapeType="1"/>
-          </p:cNvCxnSpPr>
-          <p:nvPr>
-            <p:extLst>
-              <p:ext uri="{386F3935-93C4-4BCD-93E2-E3B085C9AB24}">
-                <p16:designElem xmlns:p16="http://schemas.microsoft.com/office/powerpoint/2015/main" val="1"/>
-              </p:ext>
-            </p:extLst>
-          </p:nvPr>
-        </p:nvCxnSpPr>
-        <p:spPr>
-          <a:xfrm>
-            <a:off x="7892143" y="2085703"/>
-            <a:ext cx="3566160" cy="0"/>
-          </a:xfrm>
-          <a:prstGeom prst="line">
-            <a:avLst/>
-          </a:prstGeom>
-          <a:ln w="6350">
-            <a:solidFill>
-              <a:schemeClr val="tx1">
-                <a:lumMod val="50000"/>
-                <a:lumOff val="50000"/>
-                <a:alpha val="90000"/>
-              </a:schemeClr>
-            </a:solidFill>
-          </a:ln>
-        </p:spPr>
-        <p:style>
-          <a:lnRef idx="1">
-            <a:schemeClr val="accent1"/>
-          </a:lnRef>
-          <a:fillRef idx="0">
-            <a:schemeClr val="accent1"/>
-          </a:fillRef>
-          <a:effectRef idx="0">
-            <a:schemeClr val="accent1"/>
-          </a:effectRef>
-          <a:fontRef idx="minor">
-            <a:schemeClr val="tx1"/>
-          </a:fontRef>
-        </p:style>
-      </p:cxnSp>
-      <p:sp>
-        <p:nvSpPr>
-          <p:cNvPr id="3" name="Content Placeholder 2">
-            <a:extLst>
-              <a:ext uri="{FF2B5EF4-FFF2-40B4-BE49-F238E27FC236}">
-                <a16:creationId xmlns:a16="http://schemas.microsoft.com/office/drawing/2014/main" id="{28D7973C-A576-4763-BE0C-1396E41DD8F8}"/>
-              </a:ext>
-            </a:extLst>
-          </p:cNvPr>
-          <p:cNvSpPr>
-            <a:spLocks noGrp="1"/>
-          </p:cNvSpPr>
-          <p:nvPr>
-            <p:ph idx="1"/>
-          </p:nvPr>
-        </p:nvSpPr>
-        <p:spPr>
-          <a:xfrm>
-            <a:off x="7859485" y="2198914"/>
-            <a:ext cx="3690257" cy="3670180"/>
-          </a:xfrm>
-        </p:spPr>
-        <p:txBody>
-          <a:bodyPr>
-            <a:normAutofit/>
-          </a:bodyPr>
-          <a:lstStyle/>
-          <a:p>
-            <a:pPr marL="0" indent="0">
-              <a:buNone/>
-            </a:pPr>
-            <a:r>
-              <a:rPr lang="en-US" err="1">
-                <a:latin typeface="Times New Roman" panose="02020603050405020304" pitchFamily="18" charset="0"/>
-                <a:cs typeface="Times New Roman" panose="02020603050405020304" pitchFamily="18" charset="0"/>
-              </a:rPr>
-              <a:t>Cách</a:t>
-            </a:r>
-            <a:r>
-              <a:rPr lang="en-US">
-                <a:latin typeface="Times New Roman" panose="02020603050405020304" pitchFamily="18" charset="0"/>
-                <a:cs typeface="Times New Roman" panose="02020603050405020304" pitchFamily="18" charset="0"/>
-              </a:rPr>
-              <a:t> </a:t>
-            </a:r>
-            <a:r>
-              <a:rPr lang="en-US" err="1">
-                <a:latin typeface="Times New Roman" panose="02020603050405020304" pitchFamily="18" charset="0"/>
-                <a:cs typeface="Times New Roman" panose="02020603050405020304" pitchFamily="18" charset="0"/>
-              </a:rPr>
-              <a:t>thực</a:t>
-            </a:r>
-            <a:r>
-              <a:rPr lang="en-US">
-                <a:latin typeface="Times New Roman" panose="02020603050405020304" pitchFamily="18" charset="0"/>
-                <a:cs typeface="Times New Roman" panose="02020603050405020304" pitchFamily="18" charset="0"/>
-              </a:rPr>
-              <a:t> </a:t>
-            </a:r>
-            <a:r>
-              <a:rPr lang="en-US" err="1">
-                <a:latin typeface="Times New Roman" panose="02020603050405020304" pitchFamily="18" charset="0"/>
-                <a:cs typeface="Times New Roman" panose="02020603050405020304" pitchFamily="18" charset="0"/>
-              </a:rPr>
-              <a:t>hiện</a:t>
-            </a:r>
-            <a:r>
-              <a:rPr lang="en-US">
-                <a:latin typeface="Times New Roman" panose="02020603050405020304" pitchFamily="18" charset="0"/>
-                <a:cs typeface="Times New Roman" panose="02020603050405020304" pitchFamily="18" charset="0"/>
-              </a:rPr>
-              <a:t>: </a:t>
-            </a:r>
-            <a:r>
-              <a:rPr lang="vi-VN">
-                <a:latin typeface="Times New Roman" panose="02020603050405020304" pitchFamily="18" charset="0"/>
-                <a:cs typeface="Times New Roman" panose="02020603050405020304" pitchFamily="18" charset="0"/>
-              </a:rPr>
-              <a:t>Dùng giấy, bút và trí "tưởng tượng" để kiểm tra logic, kiểm tra từng chi tiết luồng nghiệp vụ theo yêu cầu đề bài mà không cần chạy chương trình.</a:t>
-            </a:r>
-            <a:endParaRPr lang="en-US">
-              <a:latin typeface="Times New Roman" panose="02020603050405020304" pitchFamily="18" charset="0"/>
-              <a:cs typeface="Times New Roman" panose="02020603050405020304" pitchFamily="18" charset="0"/>
-            </a:endParaRPr>
-          </a:p>
-          <a:p>
-            <a:pPr marL="0" indent="0">
-              <a:buNone/>
-            </a:pPr>
-            <a:r>
-              <a:rPr lang="en-US" err="1">
-                <a:latin typeface="Times New Roman" panose="02020603050405020304" pitchFamily="18" charset="0"/>
-                <a:cs typeface="Times New Roman" panose="02020603050405020304" pitchFamily="18" charset="0"/>
-              </a:rPr>
-              <a:t>Mục</a:t>
-            </a:r>
-            <a:r>
-              <a:rPr lang="en-US">
-                <a:latin typeface="Times New Roman" panose="02020603050405020304" pitchFamily="18" charset="0"/>
-                <a:cs typeface="Times New Roman" panose="02020603050405020304" pitchFamily="18" charset="0"/>
-              </a:rPr>
-              <a:t> </a:t>
-            </a:r>
-            <a:r>
-              <a:rPr lang="en-US" err="1">
-                <a:latin typeface="Times New Roman" panose="02020603050405020304" pitchFamily="18" charset="0"/>
-                <a:cs typeface="Times New Roman" panose="02020603050405020304" pitchFamily="18" charset="0"/>
-              </a:rPr>
-              <a:t>đích</a:t>
-            </a:r>
-            <a:r>
-              <a:rPr lang="en-US">
-                <a:latin typeface="Times New Roman" panose="02020603050405020304" pitchFamily="18" charset="0"/>
-                <a:cs typeface="Times New Roman" panose="02020603050405020304" pitchFamily="18" charset="0"/>
-              </a:rPr>
-              <a:t>:</a:t>
-            </a:r>
-            <a:r>
-              <a:rPr lang="vi-VN" b="0" i="0">
-                <a:effectLst/>
-                <a:latin typeface="Times New Roman" panose="02020603050405020304" pitchFamily="18" charset="0"/>
-                <a:cs typeface="Times New Roman" panose="02020603050405020304" pitchFamily="18" charset="0"/>
-              </a:rPr>
-              <a:t>Cách làm này có thể sẽ giúp BA phát hiện ra những thiếu xót trong đề bài để bổ sung tài liệu trước khi chuyển sang cho DEV.</a:t>
-            </a:r>
-            <a:endParaRPr lang="en-US">
-              <a:latin typeface="Times New Roman" panose="02020603050405020304" pitchFamily="18" charset="0"/>
-              <a:cs typeface="Times New Roman" panose="02020603050405020304" pitchFamily="18" charset="0"/>
-            </a:endParaRPr>
-          </a:p>
-          <a:p>
-            <a:pPr marL="0" indent="0">
-              <a:buNone/>
-            </a:pPr>
-            <a:endParaRPr lang="en-US" dirty="0"/>
-          </a:p>
-        </p:txBody>
-      </p:sp>
-      <p:sp>
-        <p:nvSpPr>
-          <p:cNvPr id="14" name="Rectangle 13">
-            <a:extLst>
-              <a:ext uri="{FF2B5EF4-FFF2-40B4-BE49-F238E27FC236}">
-                <a16:creationId xmlns:a16="http://schemas.microsoft.com/office/drawing/2014/main" id="{1E299956-A9E7-4FC1-A0B1-D590CA9730E8}"/>
-              </a:ext>
-              <a:ext uri="{C183D7F6-B498-43B3-948B-1728B52AA6E4}">
-                <adec:decorative xmlns:adec="http://schemas.microsoft.com/office/drawing/2017/decorative" val="1"/>
-              </a:ext>
-            </a:extLst>
-          </p:cNvPr>
-          <p:cNvSpPr>
-            <a:spLocks noGrp="1" noRot="1" noChangeAspect="1" noMove="1" noResize="1" noEditPoints="1" noAdjustHandles="1" noChangeArrowheads="1" noChangeShapeType="1" noTextEdit="1"/>
-          </p:cNvSpPr>
-          <p:nvPr>
-            <p:extLst>
-              <p:ext uri="{386F3935-93C4-4BCD-93E2-E3B085C9AB24}">
-                <p16:designElem xmlns:p16="http://schemas.microsoft.com/office/powerpoint/2015/main" val="1"/>
-              </p:ext>
-            </p:extLst>
-          </p:nvPr>
-        </p:nvSpPr>
-        <p:spPr>
-          <a:xfrm>
-            <a:off x="15" y="6334316"/>
-            <a:ext cx="12191985" cy="66484"/>
-          </a:xfrm>
-          <a:prstGeom prst="rect">
-            <a:avLst/>
-          </a:prstGeom>
-          <a:solidFill>
-            <a:schemeClr val="accent1"/>
-          </a:solidFill>
-          <a:ln>
-            <a:noFill/>
-          </a:ln>
-        </p:spPr>
-        <p:style>
-          <a:lnRef idx="2">
-            <a:schemeClr val="accent1">
-              <a:shade val="50000"/>
-            </a:schemeClr>
-          </a:lnRef>
-          <a:fillRef idx="1">
-            <a:schemeClr val="accent1"/>
-          </a:fillRef>
-          <a:effectRef idx="0">
-            <a:schemeClr val="accent1"/>
-          </a:effectRef>
-          <a:fontRef idx="minor">
-            <a:schemeClr val="lt1"/>
-          </a:fontRef>
-        </p:style>
-      </p:sp>
-      <p:sp>
-        <p:nvSpPr>
-          <p:cNvPr id="16" name="Rectangle 15">
-            <a:extLst>
-              <a:ext uri="{FF2B5EF4-FFF2-40B4-BE49-F238E27FC236}">
-                <a16:creationId xmlns:a16="http://schemas.microsoft.com/office/drawing/2014/main" id="{17FC539C-B783-4B03-9F9E-D13430F3F64F}"/>
-              </a:ext>
-              <a:ext uri="{C183D7F6-B498-43B3-948B-1728B52AA6E4}">
-                <adec:decorative xmlns:adec="http://schemas.microsoft.com/office/drawing/2017/decorative" val="1"/>
-              </a:ext>
-            </a:extLst>
-          </p:cNvPr>
-          <p:cNvSpPr>
-            <a:spLocks noGrp="1" noRot="1" noChangeAspect="1" noMove="1" noResize="1" noEditPoints="1" noAdjustHandles="1" noChangeArrowheads="1" noChangeShapeType="1" noTextEdit="1"/>
-          </p:cNvSpPr>
-          <p:nvPr>
-            <p:extLst>
-              <p:ext uri="{386F3935-93C4-4BCD-93E2-E3B085C9AB24}">
-                <p16:designElem xmlns:p16="http://schemas.microsoft.com/office/powerpoint/2015/main" val="1"/>
-              </p:ext>
-            </p:extLst>
-          </p:nvPr>
-        </p:nvSpPr>
-        <p:spPr>
-          <a:xfrm>
-            <a:off x="1" y="6400800"/>
-            <a:ext cx="12192000" cy="457200"/>
-          </a:xfrm>
-          <a:prstGeom prst="rect">
-            <a:avLst/>
-          </a:prstGeom>
-          <a:solidFill>
-            <a:schemeClr val="accent2"/>
-          </a:solidFill>
-          <a:ln>
-            <a:noFill/>
-          </a:ln>
-        </p:spPr>
-        <p:style>
-          <a:lnRef idx="2">
-            <a:schemeClr val="accent1">
-              <a:shade val="50000"/>
-            </a:schemeClr>
-          </a:lnRef>
-          <a:fillRef idx="1">
-            <a:schemeClr val="accent1"/>
-          </a:fillRef>
-          <a:effectRef idx="0">
-            <a:schemeClr val="accent1"/>
-          </a:effectRef>
-          <a:fontRef idx="minor">
-            <a:schemeClr val="lt1"/>
-          </a:fontRef>
-        </p:style>
-      </p:sp>
-    </p:spTree>
-    <p:extLst>
-      <p:ext uri="{BB962C8B-B14F-4D97-AF65-F5344CB8AC3E}">
-        <p14:creationId xmlns:p14="http://schemas.microsoft.com/office/powerpoint/2010/main" val="1767268330"/>
-      </p:ext>
-    </p:extLst>
-  </p:cSld>
-  <p:clrMapOvr>
-    <a:masterClrMapping/>
-  </p:clrMapOvr>
-</p:sld>
-</file>
-
-<file path=ppt/slides/slide8.xml><?xml version="1.0" encoding="utf-8"?>
-<p:sld xmlns:a="http://schemas.openxmlformats.org/drawingml/2006/main" xmlns:r="http://schemas.openxmlformats.org/officeDocument/2006/relationships" xmlns:p="http://schemas.openxmlformats.org/presentationml/2006/main">
-  <p:cSld>
     <p:spTree>
       <p:nvGrpSpPr>
         <p:cNvPr id="1" name=""/>
@@ -36577,7 +35928,7 @@
 </p:sld>
 </file>
 
-<file path=ppt/slides/slide9.xml><?xml version="1.0" encoding="utf-8"?>
+<file path=ppt/slides/slide8.xml><?xml version="1.0" encoding="utf-8"?>
 <p:sld xmlns:a="http://schemas.openxmlformats.org/drawingml/2006/main" xmlns:r="http://schemas.openxmlformats.org/officeDocument/2006/relationships" xmlns:p="http://schemas.openxmlformats.org/presentationml/2006/main">
   <p:cSld>
     <p:bg>
@@ -36867,6 +36218,110 @@
   </p:cSld>
   <p:clrMapOvr>
     <a:overrideClrMapping bg1="dk1" tx1="lt1" bg2="dk2" tx2="lt2" accent1="accent1" accent2="accent2" accent3="accent3" accent4="accent4" accent5="accent5" accent6="accent6" hlink="hlink" folHlink="folHlink"/>
+  </p:clrMapOvr>
+</p:sld>
+</file>
+
+<file path=ppt/slides/slide9.xml><?xml version="1.0" encoding="utf-8"?>
+<p:sld xmlns:a="http://schemas.openxmlformats.org/drawingml/2006/main" xmlns:r="http://schemas.openxmlformats.org/officeDocument/2006/relationships" xmlns:p="http://schemas.openxmlformats.org/presentationml/2006/main">
+  <p:cSld>
+    <p:bg>
+      <p:bgPr>
+        <a:solidFill>
+          <a:schemeClr val="bg1"/>
+        </a:solidFill>
+        <a:effectLst/>
+      </p:bgPr>
+    </p:bg>
+    <p:spTree>
+      <p:nvGrpSpPr>
+        <p:cNvPr id="1" name=""/>
+        <p:cNvGrpSpPr/>
+        <p:nvPr/>
+      </p:nvGrpSpPr>
+      <p:grpSpPr>
+        <a:xfrm>
+          <a:off x="0" y="0"/>
+          <a:ext cx="0" cy="0"/>
+          <a:chOff x="0" y="0"/>
+          <a:chExt cx="0" cy="0"/>
+        </a:xfrm>
+      </p:grpSpPr>
+      <p:sp>
+        <p:nvSpPr>
+          <p:cNvPr id="2" name="Title 1">
+            <a:extLst>
+              <a:ext uri="{FF2B5EF4-FFF2-40B4-BE49-F238E27FC236}">
+                <a16:creationId xmlns:a16="http://schemas.microsoft.com/office/drawing/2014/main" id="{C45783E2-7EAD-412A-B2FE-9D2B5571C54E}"/>
+              </a:ext>
+            </a:extLst>
+          </p:cNvPr>
+          <p:cNvSpPr>
+            <a:spLocks noGrp="1"/>
+          </p:cNvSpPr>
+          <p:nvPr>
+            <p:ph type="title"/>
+          </p:nvPr>
+        </p:nvSpPr>
+        <p:spPr>
+          <a:xfrm>
+            <a:off x="1097280" y="286603"/>
+            <a:ext cx="10058400" cy="1450757"/>
+          </a:xfrm>
+        </p:spPr>
+        <p:txBody>
+          <a:bodyPr>
+            <a:normAutofit/>
+          </a:bodyPr>
+          <a:lstStyle/>
+          <a:p>
+            <a:r>
+              <a:rPr lang="en-US"/>
+              <a:t>Phần loại kiểm thử động</a:t>
+            </a:r>
+          </a:p>
+        </p:txBody>
+      </p:sp>
+      <p:graphicFrame>
+        <p:nvGraphicFramePr>
+          <p:cNvPr id="14" name="Content Placeholder 2">
+            <a:extLst>
+              <a:ext uri="{FF2B5EF4-FFF2-40B4-BE49-F238E27FC236}">
+                <a16:creationId xmlns:a16="http://schemas.microsoft.com/office/drawing/2014/main" id="{C5C529F3-E4D5-47CC-8CE5-C1638138BA3E}"/>
+              </a:ext>
+            </a:extLst>
+          </p:cNvPr>
+          <p:cNvGraphicFramePr>
+            <a:graphicFrameLocks noGrp="1"/>
+          </p:cNvGraphicFramePr>
+          <p:nvPr>
+            <p:ph idx="1"/>
+            <p:extLst>
+              <p:ext uri="{D42A27DB-BD31-4B8C-83A1-F6EECF244321}">
+                <p14:modId xmlns:p14="http://schemas.microsoft.com/office/powerpoint/2010/main" val="29788883"/>
+              </p:ext>
+            </p:extLst>
+          </p:nvPr>
+        </p:nvGraphicFramePr>
+        <p:xfrm>
+          <a:off x="1096963" y="2098515"/>
+          <a:ext cx="10058400" cy="3786080"/>
+        </p:xfrm>
+        <a:graphic>
+          <a:graphicData uri="http://schemas.openxmlformats.org/drawingml/2006/diagram">
+            <dgm:relIds xmlns:dgm="http://schemas.openxmlformats.org/drawingml/2006/diagram" xmlns:r="http://schemas.openxmlformats.org/officeDocument/2006/relationships" r:dm="rId2" r:lo="rId3" r:qs="rId4" r:cs="rId5"/>
+          </a:graphicData>
+        </a:graphic>
+      </p:graphicFrame>
+    </p:spTree>
+    <p:extLst>
+      <p:ext uri="{BB962C8B-B14F-4D97-AF65-F5344CB8AC3E}">
+        <p14:creationId xmlns:p14="http://schemas.microsoft.com/office/powerpoint/2010/main" val="2362245134"/>
+      </p:ext>
+    </p:extLst>
+  </p:cSld>
+  <p:clrMapOvr>
+    <a:masterClrMapping/>
   </p:clrMapOvr>
 </p:sld>
 </file>
